--- a/Semestre 2/Métodos/para repasar p1.pptx
+++ b/Semestre 2/Métodos/para repasar p1.pptx
@@ -772,6 +772,249 @@
 </inkml:ink>
 </file>
 
+<file path=ppt/ink/ink31.xml><?xml version="1.0" encoding="utf-8"?>
+<inkml:ink xmlns:inkml="http://www.w3.org/2003/InkML">
+  <inkml:definitions>
+    <inkml:context xml:id="ctx0">
+      <inkml:inkSource xml:id="inkSrc0">
+        <inkml:traceFormat>
+          <inkml:channel name="X" type="integer" min="-2.14748E9" max="2.14748E9" units="cm"/>
+          <inkml:channel name="Y" type="integer" min="-2.14748E9" max="2.14748E9" units="cm"/>
+          <inkml:channel name="F" type="integer" max="32767" units="dev"/>
+        </inkml:traceFormat>
+        <inkml:channelProperties>
+          <inkml:channelProperty channel="X" name="resolution" value="1000" units="1/cm"/>
+          <inkml:channelProperty channel="Y" name="resolution" value="1000" units="1/cm"/>
+          <inkml:channelProperty channel="F" name="resolution" value="0" units="1/dev"/>
+        </inkml:channelProperties>
+      </inkml:inkSource>
+      <inkml:timestamp xml:id="ts0" timeString="2023-02-27T00:37:41.991"/>
+    </inkml:context>
+    <inkml:brush xml:id="br0">
+      <inkml:brushProperty name="width" value="0.05" units="cm"/>
+      <inkml:brushProperty name="height" value="0.05" units="cm"/>
+    </inkml:brush>
+  </inkml:definitions>
+  <inkml:trace contextRef="#ctx0" brushRef="#br0">0 5 24575,'4'-5'0,"15"8"0,12 16 0,4 13 0,-2 5 0,0 5 0,0 8 0,2-1 0,0-7 0,2-13 0,-1-9 0,2-10 0,8-5 0,-1-5 0,1-1 0,-3-1 0,-1-5 0,-6 0-8191</inkml:trace>
+</inkml:ink>
+</file>
+
+<file path=ppt/ink/ink32.xml><?xml version="1.0" encoding="utf-8"?>
+<inkml:ink xmlns:inkml="http://www.w3.org/2003/InkML">
+  <inkml:definitions>
+    <inkml:context xml:id="ctx0">
+      <inkml:inkSource xml:id="inkSrc0">
+        <inkml:traceFormat>
+          <inkml:channel name="X" type="integer" min="-2.14748E9" max="2.14748E9" units="cm"/>
+          <inkml:channel name="Y" type="integer" min="-2.14748E9" max="2.14748E9" units="cm"/>
+          <inkml:channel name="F" type="integer" max="32767" units="dev"/>
+        </inkml:traceFormat>
+        <inkml:channelProperties>
+          <inkml:channelProperty channel="X" name="resolution" value="1000" units="1/cm"/>
+          <inkml:channelProperty channel="Y" name="resolution" value="1000" units="1/cm"/>
+          <inkml:channelProperty channel="F" name="resolution" value="0" units="1/dev"/>
+        </inkml:channelProperties>
+      </inkml:inkSource>
+      <inkml:timestamp xml:id="ts0" timeString="2023-02-27T00:37:42.540"/>
+    </inkml:context>
+    <inkml:brush xml:id="br0">
+      <inkml:brushProperty name="width" value="0.05" units="cm"/>
+      <inkml:brushProperty name="height" value="0.05" units="cm"/>
+    </inkml:brush>
+  </inkml:definitions>
+  <inkml:trace contextRef="#ctx0" brushRef="#br0">1 1 24575,'0'4'0,"0"15"0,0 11 0,0 6 0,0 18 0,0 4 0,0 4 0,0 5 0,0-1 0,0-7 0,0-5 0,0-12-8191</inkml:trace>
+</inkml:ink>
+</file>
+
+<file path=ppt/ink/ink33.xml><?xml version="1.0" encoding="utf-8"?>
+<inkml:ink xmlns:inkml="http://www.w3.org/2003/InkML">
+  <inkml:definitions>
+    <inkml:context xml:id="ctx0">
+      <inkml:inkSource xml:id="inkSrc0">
+        <inkml:traceFormat>
+          <inkml:channel name="X" type="integer" min="-2.14748E9" max="2.14748E9" units="cm"/>
+          <inkml:channel name="Y" type="integer" min="-2.14748E9" max="2.14748E9" units="cm"/>
+          <inkml:channel name="F" type="integer" max="32767" units="dev"/>
+        </inkml:traceFormat>
+        <inkml:channelProperties>
+          <inkml:channelProperty channel="X" name="resolution" value="1000" units="1/cm"/>
+          <inkml:channelProperty channel="Y" name="resolution" value="1000" units="1/cm"/>
+          <inkml:channelProperty channel="F" name="resolution" value="0" units="1/dev"/>
+        </inkml:channelProperties>
+      </inkml:inkSource>
+      <inkml:timestamp xml:id="ts0" timeString="2023-02-27T00:37:43.078"/>
+    </inkml:context>
+    <inkml:brush xml:id="br0">
+      <inkml:brushProperty name="width" value="0.05" units="cm"/>
+      <inkml:brushProperty name="height" value="0.05" units="cm"/>
+    </inkml:brush>
+  </inkml:definitions>
+  <inkml:trace contextRef="#ctx0" brushRef="#br0">1 1 24575,'4'4'0,"14"14"0,5 13 0,-3 5 0,-4 9 0,-5 10 0,5 8 0,-2 1 0,-2 4 0,1-7 0,-2-13-8191</inkml:trace>
+</inkml:ink>
+</file>
+
+<file path=ppt/ink/ink34.xml><?xml version="1.0" encoding="utf-8"?>
+<inkml:ink xmlns:inkml="http://www.w3.org/2003/InkML">
+  <inkml:definitions>
+    <inkml:context xml:id="ctx0">
+      <inkml:inkSource xml:id="inkSrc0">
+        <inkml:traceFormat>
+          <inkml:channel name="X" type="integer" min="-2.14748E9" max="2.14748E9" units="cm"/>
+          <inkml:channel name="Y" type="integer" min="-2.14748E9" max="2.14748E9" units="cm"/>
+          <inkml:channel name="F" type="integer" max="32767" units="dev"/>
+        </inkml:traceFormat>
+        <inkml:channelProperties>
+          <inkml:channelProperty channel="X" name="resolution" value="1000" units="1/cm"/>
+          <inkml:channelProperty channel="Y" name="resolution" value="1000" units="1/cm"/>
+          <inkml:channelProperty channel="F" name="resolution" value="0" units="1/dev"/>
+        </inkml:channelProperties>
+      </inkml:inkSource>
+      <inkml:timestamp xml:id="ts0" timeString="2023-02-27T00:37:44.775"/>
+    </inkml:context>
+    <inkml:brush xml:id="br0">
+      <inkml:brushProperty name="width" value="0.05" units="cm"/>
+      <inkml:brushProperty name="height" value="0.05" units="cm"/>
+    </inkml:brush>
+  </inkml:definitions>
+  <inkml:trace contextRef="#ctx0" brushRef="#br0">373 27 24575,'-3'-3'0,"0"1"0,0 0 0,0 0 0,-1 1 0,1-1 0,0 0 0,-1 1 0,1 0 0,-1 0 0,0 0 0,1 1 0,-5-1 0,-52-2 0,37 2 0,13 1 0,-10-2 0,0 1 0,0 0 0,0 2 0,0 0 0,0 2 0,1 0 0,-37 11 0,53-13 0,1 1 0,-1-1 0,1 1 0,0-1 0,0 1 0,0 0 0,0 0 0,0 0 0,0 1 0,0-1 0,0 0 0,1 1 0,-1-1 0,1 1 0,0-1 0,0 1 0,0 0 0,0-1 0,0 1 0,1 0 0,-1 0 0,1 0 0,0-1 0,0 1 0,0 0 0,0 0 0,0 0 0,1 4 0,2 8 0,0 1 0,1 0 0,10 26 0,-10-30 0,8 28 0,-2 0 0,5 42 0,0 2 0,-13-76 0,0 0 0,0 1 0,1-1 0,0 0 0,0-1 0,1 1 0,0 0 0,1-1 0,9 12 0,-12-17 0,0 1 0,0-1 0,1 0 0,-1 0 0,1 0 0,-1-1 0,1 1 0,0-1 0,0 1 0,0-1 0,0 0 0,0 0 0,0 0 0,0-1 0,0 1 0,0-1 0,0 0 0,0 1 0,0-1 0,0-1 0,1 1 0,-1 0 0,0-1 0,0 0 0,0 1 0,0-1 0,0 0 0,0-1 0,4-1 0,11-7 0,0-2 0,0 0 0,20-18 0,-21 16 0,1 0 0,0 2 0,36-20 0,-49 30 0,0 0 0,1 0 0,-1 0 0,1 0 0,-1 1 0,1 0 0,0 0 0,0 1 0,-1-1 0,1 1 0,0 1 0,0-1 0,0 1 0,-1 0 0,1 0 0,0 1 0,-1-1 0,1 1 0,5 3 0,-6-2 0,1 1 0,-1 0 0,0 0 0,0 1 0,0 0 0,0-1 0,-1 1 0,0 1 0,0-1 0,0 1 0,-1 0 0,1-1 0,-2 1 0,1 1 0,0-1 0,-1 0 0,-1 1 0,1-1 0,-1 1 0,0-1 0,0 1 0,-1 0 0,0 7 0,1-8 0,-1 1 0,-1-1 0,1 1 0,-1-1 0,0 1 0,0-1 0,-1 1 0,0-1 0,0 0 0,-1 0 0,0 0 0,0 0 0,0 0 0,0-1 0,-1 1 0,0-1 0,0 0 0,-1 0 0,1-1 0,-1 1 0,0-1 0,0 0 0,-8 5 0,-15 5 0,-2-1 0,1-1 0,-1-1 0,-1-2 0,0-1 0,0-2 0,-1-1 0,-53 2 0,-57-8-1365,102 0-5461</inkml:trace>
+</inkml:ink>
+</file>
+
+<file path=ppt/ink/ink35.xml><?xml version="1.0" encoding="utf-8"?>
+<inkml:ink xmlns:inkml="http://www.w3.org/2003/InkML">
+  <inkml:definitions>
+    <inkml:context xml:id="ctx0">
+      <inkml:inkSource xml:id="inkSrc0">
+        <inkml:traceFormat>
+          <inkml:channel name="X" type="integer" min="-2.14748E9" max="2.14748E9" units="cm"/>
+          <inkml:channel name="Y" type="integer" min="-2.14748E9" max="2.14748E9" units="cm"/>
+          <inkml:channel name="F" type="integer" max="32767" units="dev"/>
+        </inkml:traceFormat>
+        <inkml:channelProperties>
+          <inkml:channelProperty channel="X" name="resolution" value="1000" units="1/cm"/>
+          <inkml:channelProperty channel="Y" name="resolution" value="1000" units="1/cm"/>
+          <inkml:channelProperty channel="F" name="resolution" value="0" units="1/dev"/>
+        </inkml:channelProperties>
+      </inkml:inkSource>
+      <inkml:timestamp xml:id="ts0" timeString="2023-02-27T00:37:45.211"/>
+    </inkml:context>
+    <inkml:brush xml:id="br0">
+      <inkml:brushProperty name="width" value="0.05" units="cm"/>
+      <inkml:brushProperty name="height" value="0.05" units="cm"/>
+    </inkml:brush>
+  </inkml:definitions>
+  <inkml:trace contextRef="#ctx0" brushRef="#br0">0 1 24575,'0'0'-8191</inkml:trace>
+</inkml:ink>
+</file>
+
+<file path=ppt/ink/ink36.xml><?xml version="1.0" encoding="utf-8"?>
+<inkml:ink xmlns:inkml="http://www.w3.org/2003/InkML">
+  <inkml:definitions>
+    <inkml:context xml:id="ctx0">
+      <inkml:inkSource xml:id="inkSrc0">
+        <inkml:traceFormat>
+          <inkml:channel name="X" type="integer" min="-2.14748E9" max="2.14748E9" units="cm"/>
+          <inkml:channel name="Y" type="integer" min="-2.14748E9" max="2.14748E9" units="cm"/>
+          <inkml:channel name="F" type="integer" max="32767" units="dev"/>
+        </inkml:traceFormat>
+        <inkml:channelProperties>
+          <inkml:channelProperty channel="X" name="resolution" value="1000" units="1/cm"/>
+          <inkml:channelProperty channel="Y" name="resolution" value="1000" units="1/cm"/>
+          <inkml:channelProperty channel="F" name="resolution" value="0" units="1/dev"/>
+        </inkml:channelProperties>
+      </inkml:inkSource>
+      <inkml:timestamp xml:id="ts0" timeString="2023-02-27T00:37:46.621"/>
+    </inkml:context>
+    <inkml:brush xml:id="br0">
+      <inkml:brushProperty name="width" value="0.05" units="cm"/>
+      <inkml:brushProperty name="height" value="0.05" units="cm"/>
+    </inkml:brush>
+  </inkml:definitions>
+  <inkml:trace contextRef="#ctx0" brushRef="#br0">374 0 24575,'-12'1'0,"0"1"0,0 1 0,1 0 0,-1 0 0,-12 6 0,-3 0 0,12-4 0,-101 35 0,101-34 0,1 1 0,0 0 0,1 1 0,0 0 0,-21 18 0,32-25 0,0 1 0,-1 0 0,1 0 0,0 0 0,0 0 0,0 1 0,0-1 0,1 1 0,-1-1 0,1 1 0,-1-1 0,1 1 0,0 0 0,0 0 0,0-1 0,1 1 0,-1 0 0,0 0 0,1 0 0,0 0 0,0 0 0,0 0 0,0 0 0,0 0 0,1 0 0,-1 0 0,1 0 0,0 0 0,0-1 0,0 1 0,3 5 0,3 3 0,0-1 0,2 0 0,-1 0 0,1-1 0,1 0 0,10 8 0,2 3 0,12 12 0,-6-4 0,52 38 0,-69-58 0,0-1 0,0-1 0,1 0 0,-1 0 0,1-2 0,1 1 0,-1-1 0,1-1 0,14 2 0,69-2 0,-79-4 0,-1 1 0,0 0 0,1 1 0,-1 0 0,0 2 0,0 0 0,0 0 0,22 9 0,-34-10 0,-1 0 0,1 0 0,-1 0 0,0 0 0,0 1 0,0-1 0,0 1 0,0 0 0,0 0 0,-1 0 0,1 0 0,-1 1 0,3 5 0,-4-7 0,0 0 0,-1-1 0,1 1 0,-1 0 0,0 0 0,1 0 0,-1-1 0,0 1 0,0 0 0,0 0 0,0 0 0,0 0 0,-1-1 0,1 1 0,-1 0 0,1 0 0,-1 0 0,1-1 0,-1 1 0,0 0 0,0-1 0,0 1 0,0-1 0,0 1 0,0-1 0,0 1 0,-1-1 0,1 0 0,0 0 0,-1 0 0,-2 2 0,-12 7 0,0-1 0,-1 0 0,0-1 0,0-1 0,-1-1 0,0-1 0,0 0 0,0-1 0,-27 2 0,-25 0 0,-77-4 0,55-9-1365,54 1-5461</inkml:trace>
+</inkml:ink>
+</file>
+
+<file path=ppt/ink/ink37.xml><?xml version="1.0" encoding="utf-8"?>
+<inkml:ink xmlns:inkml="http://www.w3.org/2003/InkML">
+  <inkml:definitions>
+    <inkml:context xml:id="ctx0">
+      <inkml:inkSource xml:id="inkSrc0">
+        <inkml:traceFormat>
+          <inkml:channel name="X" type="integer" min="-2.14748E9" max="2.14748E9" units="cm"/>
+          <inkml:channel name="Y" type="integer" min="-2.14748E9" max="2.14748E9" units="cm"/>
+          <inkml:channel name="F" type="integer" max="32767" units="dev"/>
+        </inkml:traceFormat>
+        <inkml:channelProperties>
+          <inkml:channelProperty channel="X" name="resolution" value="1000" units="1/cm"/>
+          <inkml:channelProperty channel="Y" name="resolution" value="1000" units="1/cm"/>
+          <inkml:channelProperty channel="F" name="resolution" value="0" units="1/dev"/>
+        </inkml:channelProperties>
+      </inkml:inkSource>
+      <inkml:timestamp xml:id="ts0" timeString="2023-02-27T00:37:47.832"/>
+    </inkml:context>
+    <inkml:brush xml:id="br0">
+      <inkml:brushProperty name="width" value="0.05" units="cm"/>
+      <inkml:brushProperty name="height" value="0.05" units="cm"/>
+    </inkml:brush>
+  </inkml:definitions>
+  <inkml:trace contextRef="#ctx0" brushRef="#br0">0 1 24575,'9'4'0,"2"10"0,0 15 0,-2 7 0,-3 6 0,2 0 0,8 2 0,2-4 0,1 2 0,7-8 0,2-9 0,10-13 0,19-17 0,4-8 0,-7-1-8191</inkml:trace>
+</inkml:ink>
+</file>
+
+<file path=ppt/ink/ink38.xml><?xml version="1.0" encoding="utf-8"?>
+<inkml:ink xmlns:inkml="http://www.w3.org/2003/InkML">
+  <inkml:definitions>
+    <inkml:context xml:id="ctx0">
+      <inkml:inkSource xml:id="inkSrc0">
+        <inkml:traceFormat>
+          <inkml:channel name="X" type="integer" min="-2.14748E9" max="2.14748E9" units="cm"/>
+          <inkml:channel name="Y" type="integer" min="-2.14748E9" max="2.14748E9" units="cm"/>
+          <inkml:channel name="F" type="integer" max="32767" units="dev"/>
+        </inkml:traceFormat>
+        <inkml:channelProperties>
+          <inkml:channelProperty channel="X" name="resolution" value="1000" units="1/cm"/>
+          <inkml:channelProperty channel="Y" name="resolution" value="1000" units="1/cm"/>
+          <inkml:channelProperty channel="F" name="resolution" value="0" units="1/dev"/>
+        </inkml:channelProperties>
+      </inkml:inkSource>
+      <inkml:timestamp xml:id="ts0" timeString="2023-02-27T00:37:48.360"/>
+    </inkml:context>
+    <inkml:brush xml:id="br0">
+      <inkml:brushProperty name="width" value="0.05" units="cm"/>
+      <inkml:brushProperty name="height" value="0.05" units="cm"/>
+    </inkml:brush>
+  </inkml:definitions>
+  <inkml:trace contextRef="#ctx0" brushRef="#br0">1 0 24575,'0'13'0,"0"21"0,0 17 0,0 9 0,4 19 0,2 1 0,-1-14-8191</inkml:trace>
+</inkml:ink>
+</file>
+
+<file path=ppt/ink/ink39.xml><?xml version="1.0" encoding="utf-8"?>
+<inkml:ink xmlns:inkml="http://www.w3.org/2003/InkML">
+  <inkml:definitions>
+    <inkml:context xml:id="ctx0">
+      <inkml:inkSource xml:id="inkSrc0">
+        <inkml:traceFormat>
+          <inkml:channel name="X" type="integer" min="-2.14748E9" max="2.14748E9" units="cm"/>
+          <inkml:channel name="Y" type="integer" min="-2.14748E9" max="2.14748E9" units="cm"/>
+          <inkml:channel name="F" type="integer" max="32767" units="dev"/>
+        </inkml:traceFormat>
+        <inkml:channelProperties>
+          <inkml:channelProperty channel="X" name="resolution" value="1000" units="1/cm"/>
+          <inkml:channelProperty channel="Y" name="resolution" value="1000" units="1/cm"/>
+          <inkml:channelProperty channel="F" name="resolution" value="0" units="1/dev"/>
+        </inkml:channelProperties>
+      </inkml:inkSource>
+      <inkml:timestamp xml:id="ts0" timeString="2023-02-27T00:37:51.265"/>
+    </inkml:context>
+    <inkml:brush xml:id="br0">
+      <inkml:brushProperty name="width" value="0.05" units="cm"/>
+      <inkml:brushProperty name="height" value="0.05" units="cm"/>
+    </inkml:brush>
+  </inkml:definitions>
+  <inkml:trace contextRef="#ctx0" brushRef="#br0">1 0 24575,'8'13'0,"3"16"0,0 21 0,-2 14 0,-3 10 0,-2-1 0,10 2 0,4-14-8191</inkml:trace>
+</inkml:ink>
+</file>
+
 <file path=ppt/ink/ink4.xml><?xml version="1.0" encoding="utf-8"?>
 <inkml:ink xmlns:inkml="http://www.w3.org/2003/InkML">
   <inkml:definitions>
@@ -796,6 +1039,276 @@
     </inkml:brush>
   </inkml:definitions>
   <inkml:trace contextRef="#ctx0" brushRef="#br0">1 206 24575,'23'421'0,"-22"-405"0,1-1 0,1 0 0,0 0 0,1 0 0,10 27 0,-13-40 0,-1-1 0,1 1 0,-1-1 0,1 0 0,-1 1 0,1-1 0,0 0 0,0 0 0,0 1 0,0-1 0,0 0 0,0 0 0,0 0 0,0 0 0,0 0 0,0-1 0,1 1 0,-1 0 0,0 0 0,1-1 0,-1 1 0,0-1 0,1 1 0,-1-1 0,1 0 0,2 1 0,-3-2 0,1 1 0,0-1 0,0 0 0,-1 0 0,1 0 0,0 0 0,-1-1 0,1 1 0,-1 0 0,1-1 0,-1 1 0,0-1 0,0 1 0,0-1 0,1 0 0,0-3 0,5-9 0,0-1 0,-1 0 0,6-24 0,8-39 0,67-215 0,-75 261-118,4-9-194,-2 0 0,-1-2 1,9-54-1,-18 59-6514</inkml:trace>
+</inkml:ink>
+</file>
+
+<file path=ppt/ink/ink40.xml><?xml version="1.0" encoding="utf-8"?>
+<inkml:ink xmlns:inkml="http://www.w3.org/2003/InkML">
+  <inkml:definitions>
+    <inkml:context xml:id="ctx0">
+      <inkml:inkSource xml:id="inkSrc0">
+        <inkml:traceFormat>
+          <inkml:channel name="X" type="integer" min="-2.14748E9" max="2.14748E9" units="cm"/>
+          <inkml:channel name="Y" type="integer" min="-2.14748E9" max="2.14748E9" units="cm"/>
+          <inkml:channel name="F" type="integer" max="32767" units="dev"/>
+        </inkml:traceFormat>
+        <inkml:channelProperties>
+          <inkml:channelProperty channel="X" name="resolution" value="1000" units="1/cm"/>
+          <inkml:channelProperty channel="Y" name="resolution" value="1000" units="1/cm"/>
+          <inkml:channelProperty channel="F" name="resolution" value="0" units="1/dev"/>
+        </inkml:channelProperties>
+      </inkml:inkSource>
+      <inkml:timestamp xml:id="ts0" timeString="2023-02-27T00:38:12.930"/>
+    </inkml:context>
+    <inkml:brush xml:id="br0">
+      <inkml:brushProperty name="width" value="0.05" units="cm"/>
+      <inkml:brushProperty name="height" value="0.05" units="cm"/>
+    </inkml:brush>
+  </inkml:definitions>
+  <inkml:trace contextRef="#ctx0" brushRef="#br0">276 21 24575,'-1'-1'0,"0"-1"0,-1 0 0,1 1 0,-1-1 0,0 1 0,1 0 0,-1-1 0,0 1 0,0 0 0,0 0 0,0 0 0,0 0 0,0 1 0,0-1 0,0 0 0,0 1 0,0-1 0,-1 1 0,1 0 0,0 0 0,0 0 0,-3 0 0,-51 6 0,54-6 0,-17 3 0,0 2 0,0 0 0,-26 11 0,41-15 0,0 1 0,0-1 0,0 1 0,0 0 0,0 0 0,0 1 0,1-1 0,-1 1 0,1 0 0,0 0 0,-1 0 0,1 1 0,1-1 0,-1 0 0,1 1 0,-1 0 0,1 0 0,0 0 0,0 0 0,1 0 0,-3 7 0,4-9 0,0 0 0,0 1 0,0-1 0,0 0 0,0 1 0,0-1 0,1 0 0,-1 1 0,1-1 0,0 0 0,0 0 0,-1 0 0,1 0 0,1 0 0,-1 0 0,0 0 0,0 0 0,1 0 0,2 2 0,0 0 0,0-1 0,0 0 0,0 0 0,1 0 0,0 0 0,-1-1 0,1 0 0,7 2 0,6 2 0,1-2 0,0 0 0,34 2 0,-35-5 0,0 0 0,1-2 0,32-4 0,-47 4 0,0 0 0,0 0 0,0 0 0,0 0 0,0-1 0,-1 0 0,1 1 0,0-2 0,-1 1 0,6-4 0,-8 5 0,0-1 0,0 1 0,0-1 0,1 0 0,-1 1 0,-1-1 0,1 0 0,0 1 0,0-1 0,-1 0 0,1 0 0,-1 0 0,1 1 0,-1-1 0,0 0 0,0 0 0,0 0 0,0 0 0,0 0 0,0 0 0,0 0 0,-1 0 0,0-3 0,-2-1-37,0-1 0,-1 0 0,1 1-1,-2 0 1,1 0 0,-1 0 0,1 0 0,-1 1 0,-1-1-1,1 1 1,-10-6 0,2 0-882,-19-17-5907</inkml:trace>
+</inkml:ink>
+</file>
+
+<file path=ppt/ink/ink41.xml><?xml version="1.0" encoding="utf-8"?>
+<inkml:ink xmlns:inkml="http://www.w3.org/2003/InkML">
+  <inkml:definitions>
+    <inkml:context xml:id="ctx0">
+      <inkml:inkSource xml:id="inkSrc0">
+        <inkml:traceFormat>
+          <inkml:channel name="X" type="integer" min="-2.14748E9" max="2.14748E9" units="cm"/>
+          <inkml:channel name="Y" type="integer" min="-2.14748E9" max="2.14748E9" units="cm"/>
+          <inkml:channel name="F" type="integer" max="32767" units="dev"/>
+        </inkml:traceFormat>
+        <inkml:channelProperties>
+          <inkml:channelProperty channel="X" name="resolution" value="1000" units="1/cm"/>
+          <inkml:channelProperty channel="Y" name="resolution" value="1000" units="1/cm"/>
+          <inkml:channelProperty channel="F" name="resolution" value="0" units="1/dev"/>
+        </inkml:channelProperties>
+      </inkml:inkSource>
+      <inkml:timestamp xml:id="ts0" timeString="2023-02-27T00:38:14.997"/>
+    </inkml:context>
+    <inkml:brush xml:id="br0">
+      <inkml:brushProperty name="width" value="0.05" units="cm"/>
+      <inkml:brushProperty name="height" value="0.05" units="cm"/>
+    </inkml:brush>
+  </inkml:definitions>
+  <inkml:trace contextRef="#ctx0" brushRef="#br0">113 0 24575,'-9'20'0,"0"0"0,-20 29 0,18-31 0,0 0 0,1 0 0,1 1 0,-10 31 0,17-46 0,1 1 0,0-1 0,1 1 0,-1 0 0,1-1 0,0 1 0,0 0 0,0-1 0,0 1 0,1 0 0,0-1 0,0 1 0,0 0 0,1-1 0,0 0 0,0 1 0,0-1 0,0 0 0,0 0 0,1 0 0,0 0 0,0 0 0,0-1 0,6 6 0,2 0 0,0-1 0,1-1 0,0 0 0,1 0 0,-1-1 0,1-1 0,0 0 0,1-1 0,-1 0 0,1-1 0,0-1 0,-1 0 0,1-1 0,15 0 0,-21-1 0,0 0 0,0-1 0,0 0 0,0-1 0,0 0 0,-1 0 0,1 0 0,-1-1 0,1 0 0,-1-1 0,10-5 0,-13 5 0,0 1 0,1-1 0,-2 0 0,1 0 0,0 0 0,-1 0 0,0-1 0,0 1 0,0-1 0,0 0 0,-1 0 0,0 0 0,0 0 0,0 0 0,-1 0 0,0-1 0,0 1 0,1-6 0,-1 2 0,0-1 0,-1 1 0,0 0 0,0-1 0,-1 1 0,0 0 0,-1 0 0,0 0 0,-1 0 0,1 0 0,-2 0 0,1 0 0,-9-14 0,7 16 0,0 1 0,-1-1 0,1 1 0,-1 1 0,0-1 0,0 1 0,-1 0 0,0 0 0,0 1 0,0 0 0,0 0 0,-1 1 0,1 0 0,-1 0 0,-15-3 0,-21-2-1365,4 5-5461</inkml:trace>
+</inkml:ink>
+</file>
+
+<file path=ppt/ink/ink42.xml><?xml version="1.0" encoding="utf-8"?>
+<inkml:ink xmlns:inkml="http://www.w3.org/2003/InkML">
+  <inkml:definitions>
+    <inkml:context xml:id="ctx0">
+      <inkml:inkSource xml:id="inkSrc0">
+        <inkml:traceFormat>
+          <inkml:channel name="X" type="integer" min="-2.14748E9" max="2.14748E9" units="cm"/>
+          <inkml:channel name="Y" type="integer" min="-2.14748E9" max="2.14748E9" units="cm"/>
+          <inkml:channel name="F" type="integer" max="32767" units="dev"/>
+        </inkml:traceFormat>
+        <inkml:channelProperties>
+          <inkml:channelProperty channel="X" name="resolution" value="1000" units="1/cm"/>
+          <inkml:channelProperty channel="Y" name="resolution" value="1000" units="1/cm"/>
+          <inkml:channelProperty channel="F" name="resolution" value="0" units="1/dev"/>
+        </inkml:channelProperties>
+      </inkml:inkSource>
+      <inkml:timestamp xml:id="ts0" timeString="2023-02-27T00:38:17.657"/>
+    </inkml:context>
+    <inkml:brush xml:id="br0">
+      <inkml:brushProperty name="width" value="0.05" units="cm"/>
+      <inkml:brushProperty name="height" value="0.05" units="cm"/>
+    </inkml:brush>
+  </inkml:definitions>
+  <inkml:trace contextRef="#ctx0" brushRef="#br0">272 40 24575,'-52'-1'0,"-51"0"0,95 2 0,0 0 0,0 0 0,0 1 0,0 0 0,0 0 0,0 1 0,0 0 0,1 0 0,-12 7 0,17-9 0,0 0 0,1 0 0,-1 0 0,0 1 0,1-1 0,-1 0 0,1 1 0,-1-1 0,1 1 0,0 0 0,-1-1 0,1 1 0,0 0 0,0 0 0,0 0 0,1 0 0,-1 0 0,0 0 0,1 0 0,-1 0 0,1 0 0,0 0 0,0 0 0,-1 0 0,2 0 0,-1 0 0,0 0 0,0 0 0,0 0 0,1 0 0,-1 0 0,1 0 0,0 0 0,1 4 0,1-2 0,-1-1 0,1 1 0,0 0 0,0-1 0,0 1 0,1-1 0,-1 0 0,1 0 0,-1-1 0,1 1 0,0-1 0,0 1 0,0-1 0,1 0 0,5 1 0,-1 0 0,1-1 0,0 0 0,0-1 0,0 0 0,0 0 0,0-1 0,0 0 0,0-1 0,0 0 0,-1-1 0,12-2 0,-15 2 0,0 0 0,-1 0 0,0 0 0,1-1 0,-1 1 0,0-1 0,0 0 0,-1-1 0,1 1 0,0-1 0,-1 0 0,0 0 0,0-1 0,0 1 0,-1-1 0,0 0 0,0 1 0,0-2 0,0 1 0,3-9 0,10-64 0,-16 77 0,0 0 0,0 0 0,0 1 0,0-1 0,0 0 0,0 0 0,0 1 0,1-1 0,-1 0 0,0 0 0,0 1 0,1-1 0,-1 0 0,1 1 0,-1-1 0,0 0 0,1 1 0,-1-1 0,1 1 0,0-1 0,-1 1 0,1-1 0,-1 1 0,1-1 0,1 0 0,8 15 0,3 33 0,20 201 0,-29-229-195,1-1 0,1 0 0,0-1 0,2 1 0,0-1 0,18 27 0,-5-11-6631</inkml:trace>
+</inkml:ink>
+</file>
+
+<file path=ppt/ink/ink43.xml><?xml version="1.0" encoding="utf-8"?>
+<inkml:ink xmlns:inkml="http://www.w3.org/2003/InkML">
+  <inkml:definitions>
+    <inkml:context xml:id="ctx0">
+      <inkml:inkSource xml:id="inkSrc0">
+        <inkml:traceFormat>
+          <inkml:channel name="X" type="integer" min="-2.14748E9" max="2.14748E9" units="cm"/>
+          <inkml:channel name="Y" type="integer" min="-2.14748E9" max="2.14748E9" units="cm"/>
+          <inkml:channel name="F" type="integer" max="32767" units="dev"/>
+        </inkml:traceFormat>
+        <inkml:channelProperties>
+          <inkml:channelProperty channel="X" name="resolution" value="1000" units="1/cm"/>
+          <inkml:channelProperty channel="Y" name="resolution" value="1000" units="1/cm"/>
+          <inkml:channelProperty channel="F" name="resolution" value="0" units="1/dev"/>
+        </inkml:channelProperties>
+      </inkml:inkSource>
+      <inkml:timestamp xml:id="ts0" timeString="2023-02-27T00:38:50.090"/>
+    </inkml:context>
+    <inkml:brush xml:id="br0">
+      <inkml:brushProperty name="width" value="0.05" units="cm"/>
+      <inkml:brushProperty name="height" value="0.05" units="cm"/>
+    </inkml:brush>
+  </inkml:definitions>
+  <inkml:trace contextRef="#ctx0" brushRef="#br0">2 3 24575,'142'-2'0,"159"6"0,-294-4 0,-1 1 0,1 0 0,0 1 0,0-1 0,-1 1 0,1 1 0,-1-1 0,0 1 0,0 0 0,0 0 0,0 1 0,7 6 0,-11-8 0,0 0 0,0 0 0,0 0 0,0 1 0,-1-1 0,1 1 0,-1-1 0,1 1 0,-1-1 0,0 1 0,0 0 0,-1 0 0,1-1 0,0 1 0,-1 0 0,0 0 0,1 0 0,-1 0 0,0 0 0,-1 0 0,1 0 0,0-1 0,-1 1 0,0 0 0,0 0 0,0 0 0,0-1 0,0 1 0,0-1 0,-1 1 0,-1 3 0,-1-1 0,-1 1 0,1 0 0,-1-1 0,0 0 0,0 0 0,-1 0 0,0-1 0,1 0 0,-2 0 0,1 0 0,0-1 0,-1 0 0,1 0 0,-1-1 0,0 0 0,-8 2 0,-19 4 0,0-2 0,-38 2 0,23-3 0,89-5 0,1 3 0,69 13 0,-99-12 0,0 0 0,0 2 0,-1-1 0,0 1 0,1 1 0,-2 0 0,12 10 0,-18-14 0,0-1 0,0 1 0,-1 0 0,1 0 0,-1 1 0,0-1 0,0 0 0,0 1 0,-1-1 0,1 1 0,1 6 0,-3-8 0,1 1 0,-1-1 0,0 1 0,0-1 0,0 1 0,-1-1 0,1 1 0,0-1 0,-1 0 0,0 1 0,0-1 0,1 0 0,-1 0 0,-1 1 0,1-1 0,0 0 0,0 0 0,-1 0 0,1 0 0,-4 2 0,1 0 0,-1 0 0,0 0 0,0-1 0,0 0 0,-1 0 0,1 0 0,-1-1 0,1 0 0,-1 0 0,0 0 0,0 0 0,0-1 0,-10 1 0,-14 0 0,-44-2 0,52 0 0,-270-7-1365,251 7-5461</inkml:trace>
+</inkml:ink>
+</file>
+
+<file path=ppt/ink/ink44.xml><?xml version="1.0" encoding="utf-8"?>
+<inkml:ink xmlns:inkml="http://www.w3.org/2003/InkML">
+  <inkml:definitions>
+    <inkml:context xml:id="ctx0">
+      <inkml:inkSource xml:id="inkSrc0">
+        <inkml:traceFormat>
+          <inkml:channel name="X" type="integer" min="-2.14748E9" max="2.14748E9" units="cm"/>
+          <inkml:channel name="Y" type="integer" min="-2.14748E9" max="2.14748E9" units="cm"/>
+          <inkml:channel name="F" type="integer" max="32767" units="dev"/>
+        </inkml:traceFormat>
+        <inkml:channelProperties>
+          <inkml:channelProperty channel="X" name="resolution" value="1000" units="1/cm"/>
+          <inkml:channelProperty channel="Y" name="resolution" value="1000" units="1/cm"/>
+          <inkml:channelProperty channel="F" name="resolution" value="0" units="1/dev"/>
+        </inkml:channelProperties>
+      </inkml:inkSource>
+      <inkml:timestamp xml:id="ts0" timeString="2023-02-27T00:38:51.367"/>
+    </inkml:context>
+    <inkml:brush xml:id="br0">
+      <inkml:brushProperty name="width" value="0.05" units="cm"/>
+      <inkml:brushProperty name="height" value="0.05" units="cm"/>
+    </inkml:brush>
+  </inkml:definitions>
+  <inkml:trace contextRef="#ctx0" brushRef="#br0">233 27 24575,'-1'-1'0,"0"-1"0,0 0 0,0 0 0,0 1 0,-1-1 0,1 1 0,-1-1 0,1 1 0,-1-1 0,1 1 0,-1 0 0,0 0 0,1 0 0,-1 0 0,0 0 0,0 0 0,0 1 0,0-1 0,0 0 0,0 1 0,0 0 0,0-1 0,0 1 0,0 0 0,0 0 0,0 0 0,0 0 0,0 0 0,0 1 0,0-1 0,0 1 0,0-1 0,0 1 0,0 0 0,-3 2 0,-4 0 0,1 1 0,0 1 0,1 0 0,-1 0 0,1 0 0,-12 12 0,8-5 0,1 0 0,1 1 0,0 0 0,1 1 0,0 0 0,1 0 0,0 1 0,2-1 0,-1 1 0,2 1 0,0-1 0,1 1 0,-2 21 0,1 19 0,3 0 0,8 80 0,-7-129 0,1 0 0,0 0 0,1 1 0,-1-1 0,1 0 0,0 0 0,1-1 0,0 1 0,0 0 0,0-1 0,1 0 0,0 0 0,0 0 0,1 0 0,8 8 0,-7-9 0,1 0 0,0 0 0,0-1 0,0 0 0,0 0 0,1-1 0,-1 0 0,1 0 0,0-1 0,0 0 0,0 0 0,0-1 0,0 0 0,9 0 0,-6-1 0,1 0 0,-1 0 0,0-1 0,1-1 0,-1 1 0,0-2 0,0 0 0,0 0 0,-1-1 0,1 0 0,14-9 0,-20 10 0,-1 0 0,0 0 0,0-1 0,0 1 0,0-1 0,-1 1 0,1-1 0,-1 0 0,0-1 0,0 1 0,0-1 0,-1 1 0,0-1 0,0 0 0,0 1 0,0-1 0,-1 0 0,0-1 0,0 1 0,0 0 0,0 0 0,-1 0 0,0 0 0,0-1 0,0 1 0,-1 0 0,-2-9 0,1 8 7,0-1 0,0 0-1,-1 1 1,0-1 0,-1 1-1,1 0 1,-1 0-1,0 0 1,-1 0 0,1 1-1,-1 0 1,0 0 0,-1 0-1,1 0 1,-1 1 0,0 0-1,-12-6 1,4 3-193,1 1 1,-1 0-1,0 1 0,-1 1 1,1 0-1,-1 1 1,-22-3-1,-6 5-6640</inkml:trace>
+</inkml:ink>
+</file>
+
+<file path=ppt/ink/ink45.xml><?xml version="1.0" encoding="utf-8"?>
+<inkml:ink xmlns:inkml="http://www.w3.org/2003/InkML">
+  <inkml:definitions>
+    <inkml:context xml:id="ctx0">
+      <inkml:inkSource xml:id="inkSrc0">
+        <inkml:traceFormat>
+          <inkml:channel name="X" type="integer" min="-2.14748E9" max="2.14748E9" units="cm"/>
+          <inkml:channel name="Y" type="integer" min="-2.14748E9" max="2.14748E9" units="cm"/>
+          <inkml:channel name="F" type="integer" max="32767" units="dev"/>
+        </inkml:traceFormat>
+        <inkml:channelProperties>
+          <inkml:channelProperty channel="X" name="resolution" value="1000" units="1/cm"/>
+          <inkml:channelProperty channel="Y" name="resolution" value="1000" units="1/cm"/>
+          <inkml:channelProperty channel="F" name="resolution" value="0" units="1/dev"/>
+        </inkml:channelProperties>
+      </inkml:inkSource>
+      <inkml:timestamp xml:id="ts0" timeString="2023-02-27T00:38:52.536"/>
+    </inkml:context>
+    <inkml:brush xml:id="br0">
+      <inkml:brushProperty name="width" value="0.05" units="cm"/>
+      <inkml:brushProperty name="height" value="0.05" units="cm"/>
+    </inkml:brush>
+  </inkml:definitions>
+  <inkml:trace contextRef="#ctx0" brushRef="#br0">310 102 24575,'-60'-2'0,"-40"0"0,90 2 0,1 1 0,-1 0 0,0 1 0,0 0 0,0 1 0,1 0 0,-11 4 0,15-4 0,1 1 0,-1-1 0,1 1 0,0-1 0,0 1 0,0 0 0,1 1 0,-1-1 0,1 1 0,0-1 0,0 1 0,1 0 0,-1 0 0,1 0 0,0 1 0,1-1 0,-1 0 0,1 1 0,0-1 0,0 1 0,1-1 0,0 1 0,0-1 0,0 1 0,0-1 0,1 1 0,2 5 0,-2-2 0,0 0 0,1-1 0,0 1 0,1-1 0,0 0 0,0 1 0,0-1 0,1-1 0,1 1 0,-1 0 0,1-1 0,1 0 0,-1 0 0,1-1 0,0 0 0,11 9 0,-3-7 0,0 0 0,0-2 0,1 0 0,0 0 0,16 2 0,-24-5 0,1-2 0,0 1 0,-1-1 0,1 0 0,0-1 0,0 0 0,0 0 0,-1-1 0,1 0 0,0 0 0,-1-1 0,9-2 0,-13 2 0,1 0 0,-1 0 0,0-1 0,1 0 0,-1 1 0,0-1 0,0 0 0,-1 0 0,1-1 0,-1 1 0,1 0 0,-1-1 0,0 1 0,0-1 0,-1 0 0,1 0 0,-1 0 0,0 0 0,0 0 0,0 0 0,0-8 0,1-10 0,-1 0 0,-3-43 0,0 36 0,1 3-120,1 1-129,-1-1 0,-1 0 0,-2 1 0,-8-35 0,1 29-6577</inkml:trace>
+</inkml:ink>
+</file>
+
+<file path=ppt/ink/ink46.xml><?xml version="1.0" encoding="utf-8"?>
+<inkml:ink xmlns:inkml="http://www.w3.org/2003/InkML">
+  <inkml:definitions>
+    <inkml:context xml:id="ctx0">
+      <inkml:inkSource xml:id="inkSrc0">
+        <inkml:traceFormat>
+          <inkml:channel name="X" type="integer" min="-2.14748E9" max="2.14748E9" units="cm"/>
+          <inkml:channel name="Y" type="integer" min="-2.14748E9" max="2.14748E9" units="cm"/>
+          <inkml:channel name="F" type="integer" max="32767" units="dev"/>
+        </inkml:traceFormat>
+        <inkml:channelProperties>
+          <inkml:channelProperty channel="X" name="resolution" value="1000" units="1/cm"/>
+          <inkml:channelProperty channel="Y" name="resolution" value="1000" units="1/cm"/>
+          <inkml:channelProperty channel="F" name="resolution" value="0" units="1/dev"/>
+        </inkml:channelProperties>
+      </inkml:inkSource>
+      <inkml:timestamp xml:id="ts0" timeString="2023-02-27T00:38:53.805"/>
+    </inkml:context>
+    <inkml:brush xml:id="br0">
+      <inkml:brushProperty name="width" value="0.05" units="cm"/>
+      <inkml:brushProperty name="height" value="0.05" units="cm"/>
+    </inkml:brush>
+  </inkml:definitions>
+  <inkml:trace contextRef="#ctx0" brushRef="#br0">225 34 24575,'-25'0'0,"8"-1"0,0 1 0,0 0 0,0 2 0,0 0 0,-28 7 0,41-7 0,-1-1 0,1 1 0,1 0 0,-1 0 0,0 0 0,0 1 0,1-1 0,-1 1 0,1 0 0,0 0 0,0 0 0,0 1 0,0-1 0,1 0 0,-1 1 0,1 0 0,0 0 0,0 0 0,0 0 0,1 0 0,0 0 0,-1 0 0,1 0 0,0 1 0,1-1 0,-1 0 0,1 8 0,0-4 0,0 0 0,1 0 0,0 0 0,0 0 0,1 0 0,0-1 0,0 1 0,1-1 0,0 1 0,0-1 0,1 0 0,0 0 0,0 0 0,1-1 0,-1 0 0,1 1 0,1-2 0,-1 1 0,1-1 0,0 1 0,0-1 0,1-1 0,0 0 0,-1 0 0,13 5 0,-13-6 0,0 0 0,1-1 0,-1 0 0,1 0 0,-1-1 0,1 0 0,0 0 0,0 0 0,-1-1 0,1 0 0,0-1 0,0 1 0,0-1 0,-1-1 0,1 1 0,-1-1 0,1 0 0,-1 0 0,1-1 0,-1 0 0,0 0 0,0-1 0,-1 1 0,1-1 0,-1 0 0,0-1 0,0 0 0,0 1 0,0-1 0,4-8 0,-2 4 9,-1-1 1,-1 1-1,0-1 0,0 0 0,-1-1 1,0 1-1,-1-1 0,0 0 0,-1 0 0,0 0 1,-1 0-1,0-19 0,-1 26-54,0-1 0,0 0 0,-1 1 0,0-1 0,1 1 0,-2-1 0,1 1 0,0-1 0,-1 1 0,0 0 0,0 0 0,0 0 0,-1 0 0,1 0 0,-1 0 0,0 1 0,0-1 0,0 1 0,-1 0 0,1 0 0,-1 0 0,1 0 0,-1 0 0,0 1 0,0 0 0,0 0 0,-1 0 0,1 0 0,0 1 0,-1 0 0,1 0 0,-6-1 0,-22-2-6781</inkml:trace>
+</inkml:ink>
+</file>
+
+<file path=ppt/ink/ink47.xml><?xml version="1.0" encoding="utf-8"?>
+<inkml:ink xmlns:inkml="http://www.w3.org/2003/InkML">
+  <inkml:definitions>
+    <inkml:context xml:id="ctx0">
+      <inkml:inkSource xml:id="inkSrc0">
+        <inkml:traceFormat>
+          <inkml:channel name="X" type="integer" min="-2.14748E9" max="2.14748E9" units="cm"/>
+          <inkml:channel name="Y" type="integer" min="-2.14748E9" max="2.14748E9" units="cm"/>
+          <inkml:channel name="F" type="integer" max="32767" units="dev"/>
+        </inkml:traceFormat>
+        <inkml:channelProperties>
+          <inkml:channelProperty channel="X" name="resolution" value="1000" units="1/cm"/>
+          <inkml:channelProperty channel="Y" name="resolution" value="1000" units="1/cm"/>
+          <inkml:channelProperty channel="F" name="resolution" value="0" units="1/dev"/>
+        </inkml:channelProperties>
+      </inkml:inkSource>
+      <inkml:timestamp xml:id="ts0" timeString="2023-02-27T00:38:54.411"/>
+    </inkml:context>
+    <inkml:brush xml:id="br0">
+      <inkml:brushProperty name="width" value="0.05" units="cm"/>
+      <inkml:brushProperty name="height" value="0.05" units="cm"/>
+    </inkml:brush>
+  </inkml:definitions>
+  <inkml:trace contextRef="#ctx0" brushRef="#br0">1 0 24575,'0'0'-8191</inkml:trace>
+</inkml:ink>
+</file>
+
+<file path=ppt/ink/ink48.xml><?xml version="1.0" encoding="utf-8"?>
+<inkml:ink xmlns:inkml="http://www.w3.org/2003/InkML">
+  <inkml:definitions>
+    <inkml:context xml:id="ctx0">
+      <inkml:inkSource xml:id="inkSrc0">
+        <inkml:traceFormat>
+          <inkml:channel name="X" type="integer" min="-2.14748E9" max="2.14748E9" units="cm"/>
+          <inkml:channel name="Y" type="integer" min="-2.14748E9" max="2.14748E9" units="cm"/>
+          <inkml:channel name="F" type="integer" max="32767" units="dev"/>
+        </inkml:traceFormat>
+        <inkml:channelProperties>
+          <inkml:channelProperty channel="X" name="resolution" value="1000" units="1/cm"/>
+          <inkml:channelProperty channel="Y" name="resolution" value="1000" units="1/cm"/>
+          <inkml:channelProperty channel="F" name="resolution" value="0" units="1/dev"/>
+        </inkml:channelProperties>
+      </inkml:inkSource>
+      <inkml:timestamp xml:id="ts0" timeString="2023-02-27T00:38:56.971"/>
+    </inkml:context>
+    <inkml:brush xml:id="br0">
+      <inkml:brushProperty name="width" value="0.05" units="cm"/>
+      <inkml:brushProperty name="height" value="0.05" units="cm"/>
+    </inkml:brush>
+  </inkml:definitions>
+  <inkml:trace contextRef="#ctx0" brushRef="#br0">1 1 24575,'4'0'0,"10"0"0,7 0 0,8 0 0,12 0 0,-1 8 0,-11 17 0,-24 2 0,-21-2 0,-12-6 0,-10-10 0,7-7 0,16-3 0,15-11 0,7-3-8191</inkml:trace>
+</inkml:ink>
+</file>
+
+<file path=ppt/ink/ink49.xml><?xml version="1.0" encoding="utf-8"?>
+<inkml:ink xmlns:inkml="http://www.w3.org/2003/InkML">
+  <inkml:definitions>
+    <inkml:context xml:id="ctx0">
+      <inkml:inkSource xml:id="inkSrc0">
+        <inkml:traceFormat>
+          <inkml:channel name="X" type="integer" min="-2.14748E9" max="2.14748E9" units="cm"/>
+          <inkml:channel name="Y" type="integer" min="-2.14748E9" max="2.14748E9" units="cm"/>
+          <inkml:channel name="F" type="integer" max="32767" units="dev"/>
+        </inkml:traceFormat>
+        <inkml:channelProperties>
+          <inkml:channelProperty channel="X" name="resolution" value="1000" units="1/cm"/>
+          <inkml:channelProperty channel="Y" name="resolution" value="1000" units="1/cm"/>
+          <inkml:channelProperty channel="F" name="resolution" value="0" units="1/dev"/>
+        </inkml:channelProperties>
+      </inkml:inkSource>
+      <inkml:timestamp xml:id="ts0" timeString="2023-02-27T00:38:59.761"/>
+    </inkml:context>
+    <inkml:brush xml:id="br0">
+      <inkml:brushProperty name="width" value="0.05" units="cm"/>
+      <inkml:brushProperty name="height" value="0.05" units="cm"/>
+    </inkml:brush>
+  </inkml:definitions>
+  <inkml:trace contextRef="#ctx0" brushRef="#br0">3 349 24575,'-1'-69'0,"-1"22"0,10-90 0,-8 132 0,1 0 0,0 1 0,0-1 0,0 1 0,1-1 0,-1 1 0,1 0 0,0 0 0,0 0 0,1 0 0,-1 0 0,1 0 0,0 0 0,0 1 0,0-1 0,0 1 0,6-5 0,-3 6 0,-1-1 0,0 1 0,1-1 0,-1 1 0,1 1 0,0-1 0,0 1 0,-1 0 0,1 1 0,0-1 0,0 1 0,0 0 0,7 1 0,8 0 0,0 1 0,1 1 0,-1 1 0,0 1 0,-1 0 0,22 10 0,-36-13 0,1 2 0,-1-1 0,0 1 0,0 0 0,0 0 0,-1 0 0,1 1 0,-1 0 0,0 0 0,-1 0 0,1 1 0,-1 0 0,0 0 0,0 0 0,-1 0 0,0 0 0,0 1 0,0-1 0,-1 1 0,0 0 0,0 0 0,1 7 0,-1 0 0,-1 0 0,0-1 0,-1 1 0,0 0 0,-1-1 0,-1 1 0,0 0 0,-1-1 0,0 0 0,-1 0 0,0 0 0,-13 25 0,7-21 0,-1 0 0,0-1 0,-2 0 0,0-1 0,0 0 0,-2-1 0,0-1 0,-20 15 0,-112 74 0,146-101 0,0 0 0,-1-1 0,1 1 0,0 0 0,0 0 0,0 0 0,0 0 0,0 0 0,1 0 0,-1 0 0,0 0 0,0 0 0,1 0 0,-1 0 0,0 0 0,1 1 0,-1-1 0,1 0 0,0 1 0,-1 1 0,1-2 0,1 0 0,-1 0 0,1-1 0,-1 1 0,1 0 0,0-1 0,-1 1 0,1 0 0,0-1 0,-1 1 0,1-1 0,0 1 0,0-1 0,-1 0 0,1 1 0,0-1 0,0 0 0,0 1 0,0-1 0,-1 0 0,1 0 0,2 0 0,66 2 0,-58-3 0,20 1-151,1-1-1,-1-2 0,0-1 0,0-1 1,0-2-1,-1-1 0,0-1 1,36-17-1,-23 2-6674</inkml:trace>
 </inkml:ink>
 </file>
 
@@ -826,6 +1339,276 @@
 </inkml:ink>
 </file>
 
+<file path=ppt/ink/ink50.xml><?xml version="1.0" encoding="utf-8"?>
+<inkml:ink xmlns:inkml="http://www.w3.org/2003/InkML">
+  <inkml:definitions>
+    <inkml:context xml:id="ctx0">
+      <inkml:inkSource xml:id="inkSrc0">
+        <inkml:traceFormat>
+          <inkml:channel name="X" type="integer" min="-2.14748E9" max="2.14748E9" units="cm"/>
+          <inkml:channel name="Y" type="integer" min="-2.14748E9" max="2.14748E9" units="cm"/>
+          <inkml:channel name="F" type="integer" max="32767" units="dev"/>
+        </inkml:traceFormat>
+        <inkml:channelProperties>
+          <inkml:channelProperty channel="X" name="resolution" value="1000" units="1/cm"/>
+          <inkml:channelProperty channel="Y" name="resolution" value="1000" units="1/cm"/>
+          <inkml:channelProperty channel="F" name="resolution" value="0" units="1/dev"/>
+        </inkml:channelProperties>
+      </inkml:inkSource>
+      <inkml:timestamp xml:id="ts0" timeString="2023-02-27T00:39:01.320"/>
+    </inkml:context>
+    <inkml:brush xml:id="br0">
+      <inkml:brushProperty name="width" value="0.05" units="cm"/>
+      <inkml:brushProperty name="height" value="0.05" units="cm"/>
+    </inkml:brush>
+  </inkml:definitions>
+  <inkml:trace contextRef="#ctx0" brushRef="#br0">136 1 24575,'-1'3'0,"0"1"0,0-1 0,0 1 0,-1-1 0,1 0 0,-1 1 0,0-1 0,0 0 0,-3 4 0,-7 11 0,-9 29 0,2 0 0,2 1 0,2 1 0,-11 65 0,23-98 0,1 1 0,1-1 0,0 1 0,1-1 0,1 1 0,4 23 0,-4-35 0,0 1 0,1-1 0,-1 0 0,1 1 0,0-1 0,1 0 0,-1 0 0,1-1 0,0 1 0,0-1 0,0 1 0,1-1 0,-1 0 0,1 0 0,0 0 0,1-1 0,-1 1 0,0-1 0,1 0 0,0 0 0,0-1 0,0 1 0,6 1 0,9 1 0,0-2 0,1 0 0,-1-1 0,0-1 0,1-1 0,-1 0 0,1-2 0,-1 0 0,33-9 0,-51 10 0,1 1 0,0-1 0,0 0 0,0 0 0,-1 0 0,1 0 0,0 0 0,-1 0 0,1-1 0,-1 0 0,0 1 0,1-1 0,-1 0 0,0 0 0,0 0 0,0 0 0,-1-1 0,1 1 0,2-5 0,-3 5 0,-1 0 0,0 0 0,0 0 0,0-1 0,0 1 0,-1 0 0,1 0 0,0 0 0,-1 0 0,0 0 0,1-1 0,-1 1 0,0 0 0,0 0 0,0 1 0,0-1 0,0 0 0,-1 0 0,1 0 0,-1 1 0,1-1 0,-1 1 0,1-1 0,-1 1 0,0 0 0,-2-2 0,-6-4 12,0 0 0,-1 0 0,0 1 0,0 0 0,-1 1 0,1 0 0,-1 1 0,0 1 0,-18-4 0,-4 2-507,-1 1 0,-40 1 0,34 3-6331</inkml:trace>
+</inkml:ink>
+</file>
+
+<file path=ppt/ink/ink51.xml><?xml version="1.0" encoding="utf-8"?>
+<inkml:ink xmlns:inkml="http://www.w3.org/2003/InkML">
+  <inkml:definitions>
+    <inkml:context xml:id="ctx0">
+      <inkml:inkSource xml:id="inkSrc0">
+        <inkml:traceFormat>
+          <inkml:channel name="X" type="integer" min="-2.14748E9" max="2.14748E9" units="cm"/>
+          <inkml:channel name="Y" type="integer" min="-2.14748E9" max="2.14748E9" units="cm"/>
+          <inkml:channel name="F" type="integer" max="32767" units="dev"/>
+        </inkml:traceFormat>
+        <inkml:channelProperties>
+          <inkml:channelProperty channel="X" name="resolution" value="1000" units="1/cm"/>
+          <inkml:channelProperty channel="Y" name="resolution" value="1000" units="1/cm"/>
+          <inkml:channelProperty channel="F" name="resolution" value="0" units="1/dev"/>
+        </inkml:channelProperties>
+      </inkml:inkSource>
+      <inkml:timestamp xml:id="ts0" timeString="2023-02-27T00:39:25.577"/>
+    </inkml:context>
+    <inkml:brush xml:id="br0">
+      <inkml:brushProperty name="width" value="0.05" units="cm"/>
+      <inkml:brushProperty name="height" value="0.05" units="cm"/>
+    </inkml:brush>
+  </inkml:definitions>
+  <inkml:trace contextRef="#ctx0" brushRef="#br0">1 48 24575,'35'-2'0,"-1"-2"0,60-14 0,-54 10 0,65-7 0,-93 14 0,0 1 0,0 0 0,0 1 0,0 1 0,0 0 0,0 0 0,-1 1 0,1 0 0,20 10 0,-28-11 0,1 0 0,-1 1 0,1-1 0,-1 1 0,0 0 0,0 0 0,0 1 0,-1-1 0,1 1 0,-1 0 0,0 0 0,0 0 0,0 0 0,0 0 0,-1 1 0,0 0 0,0-1 0,0 1 0,0 0 0,-1 0 0,0 0 0,0 0 0,0 0 0,-1 0 0,1 0 0,-1 0 0,-1 0 0,1 0 0,-2 9 0,0-5 0,-1 0 0,0 0 0,0-1 0,0 1 0,-1-1 0,-1 1 0,0-1 0,0-1 0,0 1 0,-1-1 0,0 0 0,0 0 0,-1 0 0,0-1 0,-13 9 0,-14 6 0,-72 31 0,38-20 0,68-32 0,-1 0 0,1 0 0,0 0 0,0-1 0,0 1 0,-1 0 0,1 0 0,0 0 0,0 0 0,0 0 0,-1 0 0,1 1 0,0-1 0,0 0 0,0 0 0,-1 0 0,1 0 0,0 0 0,0 0 0,0 0 0,-1 0 0,1 0 0,0 0 0,0 1 0,0-1 0,0 0 0,0 0 0,-1 0 0,1 0 0,0 0 0,0 1 0,0-1 0,0 0 0,0 0 0,0 0 0,0 1 0,0-1 0,0 0 0,0 0 0,-1 0 0,1 1 0,0-1 0,0 0 0,0 0 0,0 0 0,0 1 0,0-1 0,0 0 0,1 0 0,-1 0 0,0 1 0,0-1 0,0 0 0,0 0 0,0 0 0,0 1 0,0-1 0,0 0 0,0 0 0,1 0 0,-1 1 0,19 1 0,34-3 0,-50 1 0,18-2 0,0 1 0,1 2 0,-1 0 0,0 1 0,27 6 0,-41-6 0,0 0 0,0 1 0,-1 0 0,1 0 0,-1 0 0,1 0 0,-1 1 0,0 0 0,0 1 0,-1-1 0,1 1 0,-1 0 0,0 1 0,-1-1 0,1 1 0,-1 0 0,0 0 0,0 0 0,3 9 0,-1 0 0,-1 0 0,0 1 0,-2 0 0,0 0 0,0 0 0,-1 0 0,-1 20 0,-1-26 0,0 0 0,-1 1 0,0-1 0,-1 1 0,0-1 0,0 0 0,-1 0 0,0 0 0,-1 0 0,0-1 0,-1 1 0,-6 9 0,6-13 0,-1-1 0,0 1 0,0-1 0,0-1 0,0 1 0,-1-1 0,0 0 0,1 0 0,-2-1 0,1 0 0,0 0 0,-1-1 0,1 0 0,-1 0 0,1-1 0,-12 1 0,-16 0 0,-1-1 0,-45-4 0,53 1 0,7 1-195,0 0 0,0-2 0,0 0 0,0-1 0,0-1 0,-28-11 0,18-1-6631</inkml:trace>
+</inkml:ink>
+</file>
+
+<file path=ppt/ink/ink52.xml><?xml version="1.0" encoding="utf-8"?>
+<inkml:ink xmlns:inkml="http://www.w3.org/2003/InkML">
+  <inkml:definitions>
+    <inkml:context xml:id="ctx0">
+      <inkml:inkSource xml:id="inkSrc0">
+        <inkml:traceFormat>
+          <inkml:channel name="X" type="integer" min="-2.14748E9" max="2.14748E9" units="cm"/>
+          <inkml:channel name="Y" type="integer" min="-2.14748E9" max="2.14748E9" units="cm"/>
+          <inkml:channel name="F" type="integer" max="32767" units="dev"/>
+        </inkml:traceFormat>
+        <inkml:channelProperties>
+          <inkml:channelProperty channel="X" name="resolution" value="1000" units="1/cm"/>
+          <inkml:channelProperty channel="Y" name="resolution" value="1000" units="1/cm"/>
+          <inkml:channelProperty channel="F" name="resolution" value="0" units="1/dev"/>
+        </inkml:channelProperties>
+      </inkml:inkSource>
+      <inkml:timestamp xml:id="ts0" timeString="2023-02-27T00:39:26.931"/>
+    </inkml:context>
+    <inkml:brush xml:id="br0">
+      <inkml:brushProperty name="width" value="0.05" units="cm"/>
+      <inkml:brushProperty name="height" value="0.05" units="cm"/>
+    </inkml:brush>
+  </inkml:definitions>
+  <inkml:trace contextRef="#ctx0" brushRef="#br0">216 3 24575,'-1'0'0,"0"0"0,0-1 0,0 1 0,0 0 0,0-1 0,0 1 0,0 0 0,0 0 0,0 0 0,0 0 0,0 0 0,0 0 0,0 0 0,0 0 0,0 1 0,-1-1 0,1 0 0,0 1 0,0-1 0,1 0 0,-1 1 0,0-1 0,0 1 0,0 0 0,0-1 0,0 1 0,0 0 0,1-1 0,-1 1 0,0 0 0,0 1 0,-28 30 0,26-28 0,-9 10 0,2 1 0,0 1 0,0 0 0,2 0 0,0 1 0,-6 18 0,-26 108 0,17-51 0,19-78 0,0 1 0,1 0 0,0 0 0,1 0 0,1 16 0,1-24 0,1 0 0,0 0 0,0 0 0,0 0 0,1 0 0,0-1 0,1 1 0,-1-1 0,1 1 0,1-1 0,-1 0 0,1 0 0,6 6 0,63 72 0,-107-70-1365,7-4-5461</inkml:trace>
+</inkml:ink>
+</file>
+
+<file path=ppt/ink/ink53.xml><?xml version="1.0" encoding="utf-8"?>
+<inkml:ink xmlns:inkml="http://www.w3.org/2003/InkML">
+  <inkml:definitions>
+    <inkml:context xml:id="ctx0">
+      <inkml:inkSource xml:id="inkSrc0">
+        <inkml:traceFormat>
+          <inkml:channel name="X" type="integer" min="-2.14748E9" max="2.14748E9" units="cm"/>
+          <inkml:channel name="Y" type="integer" min="-2.14748E9" max="2.14748E9" units="cm"/>
+          <inkml:channel name="F" type="integer" max="32767" units="dev"/>
+        </inkml:traceFormat>
+        <inkml:channelProperties>
+          <inkml:channelProperty channel="X" name="resolution" value="1000" units="1/cm"/>
+          <inkml:channelProperty channel="Y" name="resolution" value="1000" units="1/cm"/>
+          <inkml:channelProperty channel="F" name="resolution" value="0" units="1/dev"/>
+        </inkml:channelProperties>
+      </inkml:inkSource>
+      <inkml:timestamp xml:id="ts0" timeString="2023-02-27T00:39:28.312"/>
+    </inkml:context>
+    <inkml:brush xml:id="br0">
+      <inkml:brushProperty name="width" value="0.05" units="cm"/>
+      <inkml:brushProperty name="height" value="0.05" units="cm"/>
+    </inkml:brush>
+  </inkml:definitions>
+  <inkml:trace contextRef="#ctx0" brushRef="#br0">230 133 24575,'-3'-2'0,"-1"0"0,1 0 0,-1 0 0,1 0 0,-1 0 0,0 1 0,1 0 0,-1 0 0,0 0 0,0 0 0,0 0 0,0 1 0,0 0 0,0 0 0,0 0 0,0 0 0,0 1 0,-6 1 0,0-1 0,0 2 0,0-1 0,1 1 0,-1 1 0,-17 9 0,21-9 0,0 0 0,-1 1 0,2 0 0,-1 1 0,0-1 0,1 1 0,0 0 0,0 0 0,1 0 0,0 1 0,-5 11 0,7-16 0,1 0 0,1 0 0,-1 0 0,0 1 0,0-1 0,1 0 0,-1 0 0,1 1 0,0-1 0,0 0 0,0 1 0,0-1 0,0 0 0,0 0 0,1 1 0,-1-1 0,1 0 0,-1 0 0,1 1 0,0-1 0,0 0 0,0 0 0,0 0 0,0 0 0,1 0 0,-1 0 0,1 0 0,-1-1 0,1 1 0,0-1 0,-1 1 0,1-1 0,0 1 0,0-1 0,0 0 0,0 0 0,0 0 0,0 0 0,0 0 0,1 0 0,2 0 0,2 1 0,0 0 0,0 0 0,1-1 0,-1 0 0,1 0 0,-1 0 0,1-1 0,-1-1 0,1 1 0,-1-1 0,1 0 0,-1-1 0,0 0 0,1 0 0,-1 0 0,0-1 0,0 0 0,-1-1 0,1 0 0,-1 0 0,1 0 0,-1 0 0,10-11 0,-8 7 0,-1 1 0,-1-1 0,0-1 0,0 1 0,0-1 0,-1 0 0,0 0 0,-1-1 0,0 1 0,-1-1 0,0 0 0,0 0 0,-1 0 0,0 0 0,-1-1 0,0 1 0,-1-12 0,0 18-85,0 0 0,-1 0-1,1 0 1,-1 0 0,0 0-1,0 0 1,-1 1 0,1-1-1,-1 0 1,0 1 0,0-1-1,0 1 1,0 0 0,0-1-1,-5-3 1,-13-8-6741</inkml:trace>
+</inkml:ink>
+</file>
+
+<file path=ppt/ink/ink54.xml><?xml version="1.0" encoding="utf-8"?>
+<inkml:ink xmlns:inkml="http://www.w3.org/2003/InkML">
+  <inkml:definitions>
+    <inkml:context xml:id="ctx0">
+      <inkml:inkSource xml:id="inkSrc0">
+        <inkml:traceFormat>
+          <inkml:channel name="X" type="integer" min="-2.14748E9" max="2.14748E9" units="cm"/>
+          <inkml:channel name="Y" type="integer" min="-2.14748E9" max="2.14748E9" units="cm"/>
+          <inkml:channel name="F" type="integer" max="32767" units="dev"/>
+        </inkml:traceFormat>
+        <inkml:channelProperties>
+          <inkml:channelProperty channel="X" name="resolution" value="1000" units="1/cm"/>
+          <inkml:channelProperty channel="Y" name="resolution" value="1000" units="1/cm"/>
+          <inkml:channelProperty channel="F" name="resolution" value="0" units="1/dev"/>
+        </inkml:channelProperties>
+      </inkml:inkSource>
+      <inkml:timestamp xml:id="ts0" timeString="2023-02-27T00:39:29.585"/>
+    </inkml:context>
+    <inkml:brush xml:id="br0">
+      <inkml:brushProperty name="width" value="0.05" units="cm"/>
+      <inkml:brushProperty name="height" value="0.05" units="cm"/>
+    </inkml:brush>
+  </inkml:definitions>
+  <inkml:trace contextRef="#ctx0" brushRef="#br0">131 4 24575,'-3'5'0,"0"0"0,0 0 0,0 0 0,1 0 0,0 0 0,0 1 0,0-1 0,1 1 0,-1 9 0,-3 6 0,2-12 0,-11 39 0,-9 56 0,21-92 0,0 0 0,1 0 0,0 0 0,1 0 0,1 0 0,0 0 0,0 0 0,1 0 0,1 0 0,6 18 0,-6-25 0,0 0 0,0 0 0,1-1 0,0 1 0,0-1 0,0 0 0,1 0 0,-1 0 0,1-1 0,0 0 0,0 1 0,0-2 0,0 1 0,1-1 0,-1 1 0,1-1 0,-1-1 0,1 1 0,0-1 0,0 0 0,0-1 0,8 1 0,5 0 0,0 0 0,0-2 0,0 0 0,0-1 0,31-8 0,-30 5 0,-1-2 0,-1 1 0,1-2 0,-2-1 0,1 0 0,17-13 0,-30 19 0,0 0 0,0-1 0,0 1 0,-1-1 0,1-1 0,-1 1 0,0 0 0,0-1 0,0 0 0,-1 0 0,0 0 0,0-1 0,0 1 0,-1-1 0,0 1 0,0-1 0,0 0 0,0 0 0,-1 0 0,0 0 0,0 0 0,-1 0 0,0-8 0,-2 1 0,-1 0 0,-1 0 0,0 0 0,0 1 0,-2-1 0,1 1 0,-1 0 0,-1 1 0,0-1 0,-1 1 0,0 1 0,-1-1 0,0 2 0,0-1 0,-1 1 0,-1 0 0,1 1 0,-1 1 0,-1-1 0,1 2 0,-1 0 0,0 0 0,-1 1 0,1 0 0,-1 1 0,0 1 0,0 0 0,-26-2 0,-149 4-253,144 3-859,6-1-5714</inkml:trace>
+</inkml:ink>
+</file>
+
+<file path=ppt/ink/ink55.xml><?xml version="1.0" encoding="utf-8"?>
+<inkml:ink xmlns:inkml="http://www.w3.org/2003/InkML">
+  <inkml:definitions>
+    <inkml:context xml:id="ctx0">
+      <inkml:inkSource xml:id="inkSrc0">
+        <inkml:traceFormat>
+          <inkml:channel name="X" type="integer" min="-2.14748E9" max="2.14748E9" units="cm"/>
+          <inkml:channel name="Y" type="integer" min="-2.14748E9" max="2.14748E9" units="cm"/>
+          <inkml:channel name="F" type="integer" max="32767" units="dev"/>
+        </inkml:traceFormat>
+        <inkml:channelProperties>
+          <inkml:channelProperty channel="X" name="resolution" value="1000" units="1/cm"/>
+          <inkml:channelProperty channel="Y" name="resolution" value="1000" units="1/cm"/>
+          <inkml:channelProperty channel="F" name="resolution" value="0" units="1/dev"/>
+        </inkml:channelProperties>
+      </inkml:inkSource>
+      <inkml:timestamp xml:id="ts0" timeString="2023-02-27T00:39:30.471"/>
+    </inkml:context>
+    <inkml:brush xml:id="br0">
+      <inkml:brushProperty name="width" value="0.05" units="cm"/>
+      <inkml:brushProperty name="height" value="0.05" units="cm"/>
+    </inkml:brush>
+  </inkml:definitions>
+  <inkml:trace contextRef="#ctx0" brushRef="#br0">1 0 24575</inkml:trace>
+</inkml:ink>
+</file>
+
+<file path=ppt/ink/ink56.xml><?xml version="1.0" encoding="utf-8"?>
+<inkml:ink xmlns:inkml="http://www.w3.org/2003/InkML">
+  <inkml:definitions>
+    <inkml:context xml:id="ctx0">
+      <inkml:inkSource xml:id="inkSrc0">
+        <inkml:traceFormat>
+          <inkml:channel name="X" type="integer" min="-2.14748E9" max="2.14748E9" units="cm"/>
+          <inkml:channel name="Y" type="integer" min="-2.14748E9" max="2.14748E9" units="cm"/>
+          <inkml:channel name="F" type="integer" max="32767" units="dev"/>
+        </inkml:traceFormat>
+        <inkml:channelProperties>
+          <inkml:channelProperty channel="X" name="resolution" value="1000" units="1/cm"/>
+          <inkml:channelProperty channel="Y" name="resolution" value="1000" units="1/cm"/>
+          <inkml:channelProperty channel="F" name="resolution" value="0" units="1/dev"/>
+        </inkml:channelProperties>
+      </inkml:inkSource>
+      <inkml:timestamp xml:id="ts0" timeString="2023-02-27T00:39:31.449"/>
+    </inkml:context>
+    <inkml:brush xml:id="br0">
+      <inkml:brushProperty name="width" value="0.05" units="cm"/>
+      <inkml:brushProperty name="height" value="0.05" units="cm"/>
+    </inkml:brush>
+  </inkml:definitions>
+  <inkml:trace contextRef="#ctx0" brushRef="#br0">0 32 24575,'0'-8'0,"5"-8"0,0 8 0,1 14 0,-2 18 0,-5 10 0,-3 7 0,-4 1 0,2-7 0,8-9 0,11-9 0,16-8 0,8-4 0,-3-5-8191</inkml:trace>
+</inkml:ink>
+</file>
+
+<file path=ppt/ink/ink57.xml><?xml version="1.0" encoding="utf-8"?>
+<inkml:ink xmlns:inkml="http://www.w3.org/2003/InkML">
+  <inkml:definitions>
+    <inkml:context xml:id="ctx0">
+      <inkml:inkSource xml:id="inkSrc0">
+        <inkml:traceFormat>
+          <inkml:channel name="X" type="integer" min="-2.14748E9" max="2.14748E9" units="cm"/>
+          <inkml:channel name="Y" type="integer" min="-2.14748E9" max="2.14748E9" units="cm"/>
+          <inkml:channel name="F" type="integer" max="32767" units="dev"/>
+        </inkml:traceFormat>
+        <inkml:channelProperties>
+          <inkml:channelProperty channel="X" name="resolution" value="1000" units="1/cm"/>
+          <inkml:channelProperty channel="Y" name="resolution" value="1000" units="1/cm"/>
+          <inkml:channelProperty channel="F" name="resolution" value="0" units="1/dev"/>
+        </inkml:channelProperties>
+      </inkml:inkSource>
+      <inkml:timestamp xml:id="ts0" timeString="2023-02-27T00:39:32.350"/>
+    </inkml:context>
+    <inkml:brush xml:id="br0">
+      <inkml:brushProperty name="width" value="0.05" units="cm"/>
+      <inkml:brushProperty name="height" value="0.05" units="cm"/>
+    </inkml:brush>
+  </inkml:definitions>
+  <inkml:trace contextRef="#ctx0" brushRef="#br0">6 0 24575,'-2'82'0,"-1"-48"0,3-1 0,0 1 0,2 0 0,10 51 0,-10-80 0,0 1 0,0-1 0,0 0 0,1 1 0,0-1 0,0 0 0,0-1 0,0 1 0,1-1 0,0 1 0,0-1 0,0 0 0,0 0 0,1-1 0,-1 0 0,1 1 0,0-1 0,0-1 0,0 1 0,8 2 0,-10-4 0,0-1 0,0 1 0,0 0 0,0-1 0,0 0 0,0 0 0,1 0 0,-1 0 0,0 0 0,0-1 0,0 0 0,0 1 0,0-1 0,0 0 0,0 0 0,0-1 0,0 1 0,-1 0 0,1-1 0,0 0 0,-1 0 0,0 0 0,1 0 0,-1 0 0,0 0 0,0 0 0,0-1 0,0 1 0,0-1 0,-1 0 0,1 1 0,-1-1 0,1 0 0,-1 0 0,0 0 0,0 0 0,-1 0 0,2-3 0,-1 1 5,0 0 0,1 0 0,-2 1 0,1-1 0,0 0 0,-1 0 0,0 0 0,0 0 0,0 0 0,-1 1 0,0-1 0,0 0 0,0 0 0,0 1 0,-1-1 0,0 0 0,0 1 0,0 0 0,0-1 0,-1 1 0,0 0 0,1 0 0,-7-6 0,5 7-73,0-1 1,-1 1-1,1 0 1,-1 0-1,0 1 1,1-1-1,-1 1 1,0 0-1,-1 1 1,1-1-1,0 1 1,0 0-1,-1 0 1,1 0-1,0 1 1,-1 0-1,1 0 1,-1 0-1,1 1 1,0 0-1,-6 1 1,-30 11-6759</inkml:trace>
+</inkml:ink>
+</file>
+
+<file path=ppt/ink/ink58.xml><?xml version="1.0" encoding="utf-8"?>
+<inkml:ink xmlns:inkml="http://www.w3.org/2003/InkML">
+  <inkml:definitions>
+    <inkml:context xml:id="ctx0">
+      <inkml:inkSource xml:id="inkSrc0">
+        <inkml:traceFormat>
+          <inkml:channel name="X" type="integer" min="-2.14748E9" max="2.14748E9" units="cm"/>
+          <inkml:channel name="Y" type="integer" min="-2.14748E9" max="2.14748E9" units="cm"/>
+          <inkml:channel name="F" type="integer" max="32767" units="dev"/>
+        </inkml:traceFormat>
+        <inkml:channelProperties>
+          <inkml:channelProperty channel="X" name="resolution" value="1000" units="1/cm"/>
+          <inkml:channelProperty channel="Y" name="resolution" value="1000" units="1/cm"/>
+          <inkml:channelProperty channel="F" name="resolution" value="0" units="1/dev"/>
+        </inkml:channelProperties>
+      </inkml:inkSource>
+      <inkml:timestamp xml:id="ts0" timeString="2023-02-27T00:39:33.169"/>
+    </inkml:context>
+    <inkml:brush xml:id="br0">
+      <inkml:brushProperty name="width" value="0.05" units="cm"/>
+      <inkml:brushProperty name="height" value="0.05" units="cm"/>
+    </inkml:brush>
+  </inkml:definitions>
+  <inkml:trace contextRef="#ctx0" brushRef="#br0">472 0 24575,'0'9'0,"-13"14"0,-17 30 0,-7 27 0,-10 17 0,-11 4 0,-2-2 0,-5 3 0,4-11 0,5-9 0,12-18-8191</inkml:trace>
+</inkml:ink>
+</file>
+
+<file path=ppt/ink/ink59.xml><?xml version="1.0" encoding="utf-8"?>
+<inkml:ink xmlns:inkml="http://www.w3.org/2003/InkML">
+  <inkml:definitions>
+    <inkml:context xml:id="ctx0">
+      <inkml:inkSource xml:id="inkSrc0">
+        <inkml:traceFormat>
+          <inkml:channel name="X" type="integer" min="-2.14748E9" max="2.14748E9" units="cm"/>
+          <inkml:channel name="Y" type="integer" min="-2.14748E9" max="2.14748E9" units="cm"/>
+          <inkml:channel name="F" type="integer" max="32767" units="dev"/>
+        </inkml:traceFormat>
+        <inkml:channelProperties>
+          <inkml:channelProperty channel="X" name="resolution" value="1000" units="1/cm"/>
+          <inkml:channelProperty channel="Y" name="resolution" value="1000" units="1/cm"/>
+          <inkml:channelProperty channel="F" name="resolution" value="0" units="1/dev"/>
+        </inkml:channelProperties>
+      </inkml:inkSource>
+      <inkml:timestamp xml:id="ts0" timeString="2023-02-27T00:39:34.814"/>
+    </inkml:context>
+    <inkml:brush xml:id="br0">
+      <inkml:brushProperty name="width" value="0.05" units="cm"/>
+      <inkml:brushProperty name="height" value="0.05" units="cm"/>
+    </inkml:brush>
+  </inkml:definitions>
+  <inkml:trace contextRef="#ctx0" brushRef="#br0">180 112 24575,'-7'0'0,"1"1"0,0 0 0,0 0 0,0 1 0,0 0 0,1 0 0,-1 0 0,0 1 0,1 0 0,-1 0 0,1 0 0,0 1 0,0-1 0,1 1 0,-1 0 0,1 1 0,-6 6 0,5-6 0,1 1 0,0-1 0,0 1 0,0 0 0,1 0 0,0 1 0,0-1 0,0 1 0,1 0 0,0-1 0,0 1 0,1 0 0,0 0 0,0 13 0,1-17 0,0-1 0,0 1 0,1-1 0,-1 1 0,1 0 0,0-1 0,0 1 0,0-1 0,0 0 0,0 1 0,0-1 0,1 0 0,-1 1 0,1-1 0,-1 0 0,1 0 0,0 0 0,0-1 0,4 4 0,-2-2 0,1-1 0,0 1 0,-1-1 0,1-1 0,0 1 0,0-1 0,0 1 0,0-1 0,9 0 0,0 0 0,-1-2 0,1 1 0,-1-1 0,0-1 0,0-1 0,0 0 0,15-5 0,-17 3 0,0 0 0,0-1 0,0-1 0,-1 0 0,0 0 0,0-1 0,0 0 0,-1 0 0,-1-1 0,0 0 0,0-1 0,0 0 0,6-13 0,-11 19 0,-1 0 0,1-1 0,-1 0 0,0 1 0,-1-1 0,1 0 0,-1 0 0,0 0 0,0 0 0,0 0 0,-1 0 0,0 0 0,0 0 0,0 0 0,-1 0 0,1 0 0,-1 0 0,0 0 0,-1 0 0,1 1 0,-1-1 0,0 0 0,0 1 0,0-1 0,-1 1 0,0 0 0,0-1 0,0 1 0,0 1 0,0-1 0,-1 0 0,0 1 0,0 0 0,-5-4 0,-1 1 9,0 1 1,0 0-1,0 0 0,0 1 0,-1 1 1,0-1-1,1 2 0,-1 0 0,0 0 0,-1 1 1,1 0-1,-12 1 0,-13 1-504,0 2 0,-49 10 0,49-6-6331</inkml:trace>
+</inkml:ink>
+</file>
+
 <file path=ppt/ink/ink6.xml><?xml version="1.0" encoding="utf-8"?>
 <inkml:ink xmlns:inkml="http://www.w3.org/2003/InkML">
   <inkml:definitions>
@@ -850,6 +1633,276 @@
     </inkml:brush>
   </inkml:definitions>
   <inkml:trace contextRef="#ctx0" brushRef="#br0">1 1 24575,'1'22'0,"1"0"0,1 0 0,1 0 0,0 0 0,2 0 0,1-1 0,1 0 0,13 26 0,8 9 0,60 83 0,-85-133 0,1-1 0,-1 1 0,1-1 0,0 1 0,0-2 0,1 1 0,-1 0 0,1-1 0,0 0 0,0-1 0,1 1 0,-1-1 0,1 0 0,10 3 0,-12-5 0,0 0 0,1-1 0,-1 1 0,1-1 0,-1 0 0,1 0 0,-1-1 0,0 0 0,1 0 0,-1 0 0,0 0 0,1-1 0,-1 0 0,0 0 0,0 0 0,-1-1 0,1 0 0,0 0 0,6-5 0,3-5 0,-1 0 0,0-1 0,0-1 0,-2 0 0,1-1 0,9-20 0,50-103 0,-55 102-682,19-64-1,-22 47-6143</inkml:trace>
+</inkml:ink>
+</file>
+
+<file path=ppt/ink/ink60.xml><?xml version="1.0" encoding="utf-8"?>
+<inkml:ink xmlns:inkml="http://www.w3.org/2003/InkML">
+  <inkml:definitions>
+    <inkml:context xml:id="ctx0">
+      <inkml:inkSource xml:id="inkSrc0">
+        <inkml:traceFormat>
+          <inkml:channel name="X" type="integer" min="-2.14748E9" max="2.14748E9" units="cm"/>
+          <inkml:channel name="Y" type="integer" min="-2.14748E9" max="2.14748E9" units="cm"/>
+          <inkml:channel name="F" type="integer" max="32767" units="dev"/>
+        </inkml:traceFormat>
+        <inkml:channelProperties>
+          <inkml:channelProperty channel="X" name="resolution" value="1000" units="1/cm"/>
+          <inkml:channelProperty channel="Y" name="resolution" value="1000" units="1/cm"/>
+          <inkml:channelProperty channel="F" name="resolution" value="0" units="1/dev"/>
+        </inkml:channelProperties>
+      </inkml:inkSource>
+      <inkml:timestamp xml:id="ts0" timeString="2023-02-27T00:39:36.097"/>
+    </inkml:context>
+    <inkml:brush xml:id="br0">
+      <inkml:brushProperty name="width" value="0.05" units="cm"/>
+      <inkml:brushProperty name="height" value="0.05" units="cm"/>
+    </inkml:brush>
+  </inkml:definitions>
+  <inkml:trace contextRef="#ctx0" brushRef="#br0">445 2 24575,'-42'0'0,"0"-1"0,-1 2 0,-71 10 0,100-8 0,1 0 0,0 1 0,1 0 0,-1 1 0,1 0 0,-1 1 0,2 1 0,-1 0 0,1 0 0,0 1 0,0 1 0,-15 16 0,23-23 0,0 0 0,1 1 0,-1 0 0,1 0 0,0 0 0,0 0 0,0 0 0,0 0 0,0 0 0,0 1 0,1-1 0,0 1 0,0-1 0,0 1 0,0-1 0,0 1 0,1 0 0,0-1 0,-1 1 0,1 0 0,1 0 0,-1-1 0,0 1 0,1 0 0,0-1 0,0 1 0,0-1 0,0 1 0,1-1 0,-1 1 0,1-1 0,0 0 0,0 0 0,0 0 0,4 4 0,1 0 0,0 0 0,1 0 0,0-1 0,1 0 0,-1 0 0,1-1 0,0-1 0,0 1 0,1-1 0,-1-1 0,20 5 0,27 7 0,-35-8 0,1-2 0,-1 0 0,1-1 0,0-1 0,37 0 0,-55-3 0,0 0 0,0-1 0,1 0 0,-1 0 0,0 0 0,0 0 0,0-1 0,0 1 0,-1-1 0,1 0 0,0 0 0,-1 0 0,1-1 0,-1 1 0,0-1 0,0 0 0,0 0 0,0 0 0,0 0 0,0 0 0,-1-1 0,0 0 0,0 1 0,0-1 0,0 0 0,0 0 0,-1 0 0,0 0 0,0 0 0,0 0 0,0 0 0,0 0 0,-1-9 0,0 6 0,0 0 0,-1-1 0,0 1 0,0 0 0,0 0 0,-1 0 0,0 0 0,-1 0 0,0 0 0,0 1 0,0-1 0,-1 1 0,0 0 0,0 0 0,0 0 0,-1 0 0,0 1 0,0 0 0,-7-6 0,0 4 12,0-1 0,0 2 0,-1-1 0,0 2 0,0-1 0,0 2 0,-1 0 0,0 1 0,-19-3 0,-6 2-507,0 2 0,-42 3 0,38 1-6331</inkml:trace>
+</inkml:ink>
+</file>
+
+<file path=ppt/ink/ink61.xml><?xml version="1.0" encoding="utf-8"?>
+<inkml:ink xmlns:inkml="http://www.w3.org/2003/InkML">
+  <inkml:definitions>
+    <inkml:context xml:id="ctx0">
+      <inkml:inkSource xml:id="inkSrc0">
+        <inkml:traceFormat>
+          <inkml:channel name="X" type="integer" min="-2.14748E9" max="2.14748E9" units="cm"/>
+          <inkml:channel name="Y" type="integer" min="-2.14748E9" max="2.14748E9" units="cm"/>
+          <inkml:channel name="F" type="integer" max="32767" units="dev"/>
+        </inkml:traceFormat>
+        <inkml:channelProperties>
+          <inkml:channelProperty channel="X" name="resolution" value="1000" units="1/cm"/>
+          <inkml:channelProperty channel="Y" name="resolution" value="1000" units="1/cm"/>
+          <inkml:channelProperty channel="F" name="resolution" value="0" units="1/dev"/>
+        </inkml:channelProperties>
+      </inkml:inkSource>
+      <inkml:timestamp xml:id="ts0" timeString="2023-02-27T00:39:46.313"/>
+    </inkml:context>
+    <inkml:brush xml:id="br0">
+      <inkml:brushProperty name="width" value="0.05" units="cm"/>
+      <inkml:brushProperty name="height" value="0.05" units="cm"/>
+    </inkml:brush>
+  </inkml:definitions>
+  <inkml:trace contextRef="#ctx0" brushRef="#br0">1 0 24575,'4'4'0,"23"15"0,23 7 0,25 13 0,12 8 0,17 8 0,3 0 0,-12-2 0,-10 4 0,-10-9 0,-15-8 0,-8-2 0,-13-7-8191</inkml:trace>
+</inkml:ink>
+</file>
+
+<file path=ppt/ink/ink62.xml><?xml version="1.0" encoding="utf-8"?>
+<inkml:ink xmlns:inkml="http://www.w3.org/2003/InkML">
+  <inkml:definitions>
+    <inkml:context xml:id="ctx0">
+      <inkml:inkSource xml:id="inkSrc0">
+        <inkml:traceFormat>
+          <inkml:channel name="X" type="integer" min="-2.14748E9" max="2.14748E9" units="cm"/>
+          <inkml:channel name="Y" type="integer" min="-2.14748E9" max="2.14748E9" units="cm"/>
+          <inkml:channel name="F" type="integer" max="32767" units="dev"/>
+        </inkml:traceFormat>
+        <inkml:channelProperties>
+          <inkml:channelProperty channel="X" name="resolution" value="1000" units="1/cm"/>
+          <inkml:channelProperty channel="Y" name="resolution" value="1000" units="1/cm"/>
+          <inkml:channelProperty channel="F" name="resolution" value="0" units="1/dev"/>
+        </inkml:channelProperties>
+      </inkml:inkSource>
+      <inkml:timestamp xml:id="ts0" timeString="2023-02-27T00:39:46.717"/>
+    </inkml:context>
+    <inkml:brush xml:id="br0">
+      <inkml:brushProperty name="width" value="0.05" units="cm"/>
+      <inkml:brushProperty name="height" value="0.05" units="cm"/>
+    </inkml:brush>
+  </inkml:definitions>
+  <inkml:trace contextRef="#ctx0" brushRef="#br0">435 0 24575,'-8'0'0,"-8"4"0,-13 11 0,-10 6 0,1 8 0,3 3 0,-1 5 0,6 1 0,3 14 0,-1 4 0,-1-1 0,-9-4 0,-5 1 0,4-8-8191</inkml:trace>
+</inkml:ink>
+</file>
+
+<file path=ppt/ink/ink63.xml><?xml version="1.0" encoding="utf-8"?>
+<inkml:ink xmlns:inkml="http://www.w3.org/2003/InkML">
+  <inkml:definitions>
+    <inkml:context xml:id="ctx0">
+      <inkml:inkSource xml:id="inkSrc0">
+        <inkml:traceFormat>
+          <inkml:channel name="X" type="integer" min="-2.14748E9" max="2.14748E9" units="cm"/>
+          <inkml:channel name="Y" type="integer" min="-2.14748E9" max="2.14748E9" units="cm"/>
+          <inkml:channel name="F" type="integer" max="32767" units="dev"/>
+        </inkml:traceFormat>
+        <inkml:channelProperties>
+          <inkml:channelProperty channel="X" name="resolution" value="1000" units="1/cm"/>
+          <inkml:channelProperty channel="Y" name="resolution" value="1000" units="1/cm"/>
+          <inkml:channelProperty channel="F" name="resolution" value="0" units="1/dev"/>
+        </inkml:channelProperties>
+      </inkml:inkSource>
+      <inkml:timestamp xml:id="ts0" timeString="2023-02-27T00:39:47.542"/>
+    </inkml:context>
+    <inkml:brush xml:id="br0">
+      <inkml:brushProperty name="width" value="0.05" units="cm"/>
+      <inkml:brushProperty name="height" value="0.05" units="cm"/>
+    </inkml:brush>
+  </inkml:definitions>
+  <inkml:trace contextRef="#ctx0" brushRef="#br0">0 351 24575,'13'-4'0,"16"-2"0,13 1 0,11-8 0,1-5 0,4-9 0,1-4 0,-6-4 0,-3-2 0,-6 7 0,-2 7 0,-4 0 0,0-9 0,-2-3 0,-7 3-8191</inkml:trace>
+</inkml:ink>
+</file>
+
+<file path=ppt/ink/ink64.xml><?xml version="1.0" encoding="utf-8"?>
+<inkml:ink xmlns:inkml="http://www.w3.org/2003/InkML">
+  <inkml:definitions>
+    <inkml:context xml:id="ctx0">
+      <inkml:inkSource xml:id="inkSrc0">
+        <inkml:traceFormat>
+          <inkml:channel name="X" type="integer" min="-2.14748E9" max="2.14748E9" units="cm"/>
+          <inkml:channel name="Y" type="integer" min="-2.14748E9" max="2.14748E9" units="cm"/>
+          <inkml:channel name="F" type="integer" max="32767" units="dev"/>
+        </inkml:traceFormat>
+        <inkml:channelProperties>
+          <inkml:channelProperty channel="X" name="resolution" value="1000" units="1/cm"/>
+          <inkml:channelProperty channel="Y" name="resolution" value="1000" units="1/cm"/>
+          <inkml:channelProperty channel="F" name="resolution" value="0" units="1/dev"/>
+        </inkml:channelProperties>
+      </inkml:inkSource>
+      <inkml:timestamp xml:id="ts0" timeString="2023-02-27T00:39:48.304"/>
+    </inkml:context>
+    <inkml:brush xml:id="br0">
+      <inkml:brushProperty name="width" value="0.05" units="cm"/>
+      <inkml:brushProperty name="height" value="0.05" units="cm"/>
+    </inkml:brush>
+  </inkml:definitions>
+  <inkml:trace contextRef="#ctx0" brushRef="#br0">1 0 24575,'12'4'0,"14"6"0,14 10 0,13 5 0,-2 7 0,-10 11 0,-12 2 0,-6 19 0,-8 7 0,3 9 0,10 11 0,5 4 0,6-11 0,0-11 0,14-1 0,3-4 0,0-10 0,-9-14-8191</inkml:trace>
+</inkml:ink>
+</file>
+
+<file path=ppt/ink/ink65.xml><?xml version="1.0" encoding="utf-8"?>
+<inkml:ink xmlns:inkml="http://www.w3.org/2003/InkML">
+  <inkml:definitions>
+    <inkml:context xml:id="ctx0">
+      <inkml:inkSource xml:id="inkSrc0">
+        <inkml:traceFormat>
+          <inkml:channel name="X" type="integer" min="-2.14748E9" max="2.14748E9" units="cm"/>
+          <inkml:channel name="Y" type="integer" min="-2.14748E9" max="2.14748E9" units="cm"/>
+          <inkml:channel name="F" type="integer" max="32767" units="dev"/>
+        </inkml:traceFormat>
+        <inkml:channelProperties>
+          <inkml:channelProperty channel="X" name="resolution" value="1000" units="1/cm"/>
+          <inkml:channelProperty channel="Y" name="resolution" value="1000" units="1/cm"/>
+          <inkml:channelProperty channel="F" name="resolution" value="0" units="1/dev"/>
+        </inkml:channelProperties>
+      </inkml:inkSource>
+      <inkml:timestamp xml:id="ts0" timeString="2023-02-27T00:39:48.722"/>
+    </inkml:context>
+    <inkml:brush xml:id="br0">
+      <inkml:brushProperty name="width" value="0.05" units="cm"/>
+      <inkml:brushProperty name="height" value="0.05" units="cm"/>
+    </inkml:brush>
+  </inkml:definitions>
+  <inkml:trace contextRef="#ctx0" brushRef="#br0">810 0 24575,'-4'0'0,"-6"0"0,-22 0 0,-10 0 0,-10 5 0,-10 13 0,-15 9 0,-7 7 0,-6 3 0,-14 4 0,3-2 0,15 2 0,21-7-8191</inkml:trace>
+</inkml:ink>
+</file>
+
+<file path=ppt/ink/ink66.xml><?xml version="1.0" encoding="utf-8"?>
+<inkml:ink xmlns:inkml="http://www.w3.org/2003/InkML">
+  <inkml:definitions>
+    <inkml:context xml:id="ctx0">
+      <inkml:inkSource xml:id="inkSrc0">
+        <inkml:traceFormat>
+          <inkml:channel name="X" type="integer" min="-2.14748E9" max="2.14748E9" units="cm"/>
+          <inkml:channel name="Y" type="integer" min="-2.14748E9" max="2.14748E9" units="cm"/>
+          <inkml:channel name="F" type="integer" max="32767" units="dev"/>
+        </inkml:traceFormat>
+        <inkml:channelProperties>
+          <inkml:channelProperty channel="X" name="resolution" value="1000" units="1/cm"/>
+          <inkml:channelProperty channel="Y" name="resolution" value="1000" units="1/cm"/>
+          <inkml:channelProperty channel="F" name="resolution" value="0" units="1/dev"/>
+        </inkml:channelProperties>
+      </inkml:inkSource>
+      <inkml:timestamp xml:id="ts0" timeString="2023-02-27T00:39:49.535"/>
+    </inkml:context>
+    <inkml:brush xml:id="br0">
+      <inkml:brushProperty name="width" value="0.05" units="cm"/>
+      <inkml:brushProperty name="height" value="0.05" units="cm"/>
+    </inkml:brush>
+  </inkml:definitions>
+  <inkml:trace contextRef="#ctx0" brushRef="#br0">1 0 24575,'8'0'0,"16"0"0,29 5 0,31 9 0,27 2 0,15 12 0,4 1 0,0 8 0,-17-2 0,-20-3 0,-21-7 0,-14 1 0,-18-4-8191</inkml:trace>
+</inkml:ink>
+</file>
+
+<file path=ppt/ink/ink67.xml><?xml version="1.0" encoding="utf-8"?>
+<inkml:ink xmlns:inkml="http://www.w3.org/2003/InkML">
+  <inkml:definitions>
+    <inkml:context xml:id="ctx0">
+      <inkml:inkSource xml:id="inkSrc0">
+        <inkml:traceFormat>
+          <inkml:channel name="X" type="integer" min="-2.14748E9" max="2.14748E9" units="cm"/>
+          <inkml:channel name="Y" type="integer" min="-2.14748E9" max="2.14748E9" units="cm"/>
+          <inkml:channel name="F" type="integer" max="32767" units="dev"/>
+        </inkml:traceFormat>
+        <inkml:channelProperties>
+          <inkml:channelProperty channel="X" name="resolution" value="1000" units="1/cm"/>
+          <inkml:channelProperty channel="Y" name="resolution" value="1000" units="1/cm"/>
+          <inkml:channelProperty channel="F" name="resolution" value="0" units="1/dev"/>
+        </inkml:channelProperties>
+      </inkml:inkSource>
+      <inkml:timestamp xml:id="ts0" timeString="2023-02-27T00:39:49.901"/>
+    </inkml:context>
+    <inkml:brush xml:id="br0">
+      <inkml:brushProperty name="width" value="0.05" units="cm"/>
+      <inkml:brushProperty name="height" value="0.05" units="cm"/>
+    </inkml:brush>
+  </inkml:definitions>
+  <inkml:trace contextRef="#ctx0" brushRef="#br0">673 0 24575,'-8'13'0,"-8"8"0,-9 9 0,-13 26 0,-12 31 0,-3 24 0,-5 21 0,-18 14 0,-16 8 0,-7-1 0,11-23 0,19-33-8191</inkml:trace>
+</inkml:ink>
+</file>
+
+<file path=ppt/ink/ink68.xml><?xml version="1.0" encoding="utf-8"?>
+<inkml:ink xmlns:inkml="http://www.w3.org/2003/InkML">
+  <inkml:definitions>
+    <inkml:context xml:id="ctx0">
+      <inkml:inkSource xml:id="inkSrc0">
+        <inkml:traceFormat>
+          <inkml:channel name="X" type="integer" min="-2.14748E9" max="2.14748E9" units="cm"/>
+          <inkml:channel name="Y" type="integer" min="-2.14748E9" max="2.14748E9" units="cm"/>
+          <inkml:channel name="F" type="integer" max="32767" units="dev"/>
+        </inkml:traceFormat>
+        <inkml:channelProperties>
+          <inkml:channelProperty channel="X" name="resolution" value="1000" units="1/cm"/>
+          <inkml:channelProperty channel="Y" name="resolution" value="1000" units="1/cm"/>
+          <inkml:channelProperty channel="F" name="resolution" value="0" units="1/dev"/>
+        </inkml:channelProperties>
+      </inkml:inkSource>
+      <inkml:timestamp xml:id="ts0" timeString="2023-02-27T00:39:57.133"/>
+    </inkml:context>
+    <inkml:brush xml:id="br0">
+      <inkml:brushProperty name="width" value="0.05" units="cm"/>
+      <inkml:brushProperty name="height" value="0.05" units="cm"/>
+    </inkml:brush>
+  </inkml:definitions>
+  <inkml:trace contextRef="#ctx0" brushRef="#br0">6 1 24575,'-4'8'0,"3"8"0,5 8 0,12 6 0,6-3 0,12-7 0,9-5 0,11-11 0,-1-9 0,-9-5-8191</inkml:trace>
+</inkml:ink>
+</file>
+
+<file path=ppt/ink/ink69.xml><?xml version="1.0" encoding="utf-8"?>
+<inkml:ink xmlns:inkml="http://www.w3.org/2003/InkML">
+  <inkml:definitions>
+    <inkml:context xml:id="ctx0">
+      <inkml:inkSource xml:id="inkSrc0">
+        <inkml:traceFormat>
+          <inkml:channel name="X" type="integer" min="-2.14748E9" max="2.14748E9" units="cm"/>
+          <inkml:channel name="Y" type="integer" min="-2.14748E9" max="2.14748E9" units="cm"/>
+          <inkml:channel name="F" type="integer" max="32767" units="dev"/>
+        </inkml:traceFormat>
+        <inkml:channelProperties>
+          <inkml:channelProperty channel="X" name="resolution" value="1000" units="1/cm"/>
+          <inkml:channelProperty channel="Y" name="resolution" value="1000" units="1/cm"/>
+          <inkml:channelProperty channel="F" name="resolution" value="0" units="1/dev"/>
+        </inkml:channelProperties>
+      </inkml:inkSource>
+      <inkml:timestamp xml:id="ts0" timeString="2023-02-27T00:39:57.564"/>
+    </inkml:context>
+    <inkml:brush xml:id="br0">
+      <inkml:brushProperty name="width" value="0.05" units="cm"/>
+      <inkml:brushProperty name="height" value="0.05" units="cm"/>
+    </inkml:brush>
+  </inkml:definitions>
+  <inkml:trace contextRef="#ctx0" brushRef="#br0">1 1 24575,'0'4'0,"0"10"0,0 15 0,0 7 0,0 6 0,0 0 0,0 6 0,13 7 0,3 2 0,0-7-8191</inkml:trace>
 </inkml:ink>
 </file>
 
@@ -880,6 +1933,276 @@
 </inkml:ink>
 </file>
 
+<file path=ppt/ink/ink70.xml><?xml version="1.0" encoding="utf-8"?>
+<inkml:ink xmlns:inkml="http://www.w3.org/2003/InkML">
+  <inkml:definitions>
+    <inkml:context xml:id="ctx0">
+      <inkml:inkSource xml:id="inkSrc0">
+        <inkml:traceFormat>
+          <inkml:channel name="X" type="integer" min="-2.14748E9" max="2.14748E9" units="cm"/>
+          <inkml:channel name="Y" type="integer" min="-2.14748E9" max="2.14748E9" units="cm"/>
+          <inkml:channel name="F" type="integer" max="32767" units="dev"/>
+        </inkml:traceFormat>
+        <inkml:channelProperties>
+          <inkml:channelProperty channel="X" name="resolution" value="1000" units="1/cm"/>
+          <inkml:channelProperty channel="Y" name="resolution" value="1000" units="1/cm"/>
+          <inkml:channelProperty channel="F" name="resolution" value="0" units="1/dev"/>
+        </inkml:channelProperties>
+      </inkml:inkSource>
+      <inkml:timestamp xml:id="ts0" timeString="2023-02-27T00:39:58.666"/>
+    </inkml:context>
+    <inkml:brush xml:id="br0">
+      <inkml:brushProperty name="width" value="0.05" units="cm"/>
+      <inkml:brushProperty name="height" value="0.05" units="cm"/>
+    </inkml:brush>
+  </inkml:definitions>
+  <inkml:trace contextRef="#ctx0" brushRef="#br0">0 0 24575,'4'8'0,"2"12"0,-1 6 0,-1 20 0,-1 7 0,-1 2 0,-1 5 0,0-4 0,7-2 0,7-7 0,2-11-8191</inkml:trace>
+</inkml:ink>
+</file>
+
+<file path=ppt/ink/ink71.xml><?xml version="1.0" encoding="utf-8"?>
+<inkml:ink xmlns:inkml="http://www.w3.org/2003/InkML">
+  <inkml:definitions>
+    <inkml:context xml:id="ctx0">
+      <inkml:inkSource xml:id="inkSrc0">
+        <inkml:traceFormat>
+          <inkml:channel name="X" type="integer" min="-2.14748E9" max="2.14748E9" units="cm"/>
+          <inkml:channel name="Y" type="integer" min="-2.14748E9" max="2.14748E9" units="cm"/>
+          <inkml:channel name="F" type="integer" max="32767" units="dev"/>
+        </inkml:traceFormat>
+        <inkml:channelProperties>
+          <inkml:channelProperty channel="X" name="resolution" value="1000" units="1/cm"/>
+          <inkml:channelProperty channel="Y" name="resolution" value="1000" units="1/cm"/>
+          <inkml:channelProperty channel="F" name="resolution" value="0" units="1/dev"/>
+        </inkml:channelProperties>
+      </inkml:inkSource>
+      <inkml:timestamp xml:id="ts0" timeString="2023-02-27T00:40:00.131"/>
+    </inkml:context>
+    <inkml:brush xml:id="br0">
+      <inkml:brushProperty name="width" value="0.05" units="cm"/>
+      <inkml:brushProperty name="height" value="0.05" units="cm"/>
+    </inkml:brush>
+  </inkml:definitions>
+  <inkml:trace contextRef="#ctx0" brushRef="#br0">311 26 24575,'-3'-2'0,"0"-1"0,-1 1 0,1 0 0,-1 0 0,1 0 0,-1 1 0,0-1 0,0 1 0,0 0 0,0 0 0,0 0 0,-4 0 0,-55-2 0,44 2 0,1 1 0,0 0 0,0 1 0,0 0 0,-28 7 0,43-7 0,-1 0 0,0 0 0,0 1 0,0 0 0,1-1 0,-1 1 0,1 0 0,-1 1 0,1-1 0,0 1 0,-5 4 0,7-5 0,-1 0 0,1 0 0,0 0 0,0 0 0,0 0 0,0 1 0,0-1 0,1 0 0,-1 0 0,1 1 0,-1-1 0,1 1 0,0-1 0,0 0 0,0 1 0,0-1 0,0 0 0,1 1 0,-1-1 0,1 0 0,1 4 0,0-1 0,0 0 0,1 0 0,0 0 0,0-1 0,0 1 0,1-1 0,-1 0 0,1 0 0,0 0 0,0-1 0,0 1 0,1-1 0,-1 0 0,1 0 0,0-1 0,0 1 0,0-1 0,0 0 0,0 0 0,1-1 0,-1 0 0,6 1 0,16 3 0,1-1 0,53 1 0,-51-5 0,-9-1 0,-1 2 0,1 0 0,0 1 0,-1 1 0,34 9 0,-49-10 0,0 0 0,0 0 0,0 1 0,0 0 0,0 0 0,-1 0 0,1 0 0,-1 1 0,0-1 0,0 1 0,0 0 0,-1 1 0,1-1 0,-1 1 0,0-1 0,0 1 0,-1 0 0,1 0 0,-1 0 0,0 0 0,-1 1 0,1-1 0,-1 0 0,0 1 0,0-1 0,-1 9 0,1-8 0,0 1 0,-1 0 0,0 0 0,0 0 0,-1 0 0,0-1 0,0 1 0,-1 0 0,1-1 0,-1 1 0,-1-1 0,1 1 0,-1-1 0,-1 0 0,1 0 0,-1-1 0,0 1 0,0-1 0,0 1 0,-1-1 0,0 0 0,0-1 0,0 1 0,-1-1 0,1 0 0,-1-1 0,0 1 0,0-1 0,0 0 0,-1-1 0,1 1 0,-1-1 0,1-1 0,-1 1 0,-13 0 0,-73-7-1365,53-1-5461</inkml:trace>
+</inkml:ink>
+</file>
+
+<file path=ppt/ink/ink72.xml><?xml version="1.0" encoding="utf-8"?>
+<inkml:ink xmlns:inkml="http://www.w3.org/2003/InkML">
+  <inkml:definitions>
+    <inkml:context xml:id="ctx0">
+      <inkml:inkSource xml:id="inkSrc0">
+        <inkml:traceFormat>
+          <inkml:channel name="X" type="integer" min="-2.14748E9" max="2.14748E9" units="cm"/>
+          <inkml:channel name="Y" type="integer" min="-2.14748E9" max="2.14748E9" units="cm"/>
+          <inkml:channel name="F" type="integer" max="32767" units="dev"/>
+        </inkml:traceFormat>
+        <inkml:channelProperties>
+          <inkml:channelProperty channel="X" name="resolution" value="1000" units="1/cm"/>
+          <inkml:channelProperty channel="Y" name="resolution" value="1000" units="1/cm"/>
+          <inkml:channelProperty channel="F" name="resolution" value="0" units="1/dev"/>
+        </inkml:channelProperties>
+      </inkml:inkSource>
+      <inkml:timestamp xml:id="ts0" timeString="2023-02-27T00:40:00.690"/>
+    </inkml:context>
+    <inkml:brush xml:id="br0">
+      <inkml:brushProperty name="width" value="0.05" units="cm"/>
+      <inkml:brushProperty name="height" value="0.05" units="cm"/>
+    </inkml:brush>
+  </inkml:definitions>
+  <inkml:trace contextRef="#ctx0" brushRef="#br0">435 0 24575,'0'5'0,"0"4"0,-4 24 0,-14 17 0,-13 14 0,-5 13 0,-9 14 0,-5 4 0,-8 4 0,3 5 0,2-2 0,5-14 0,12-22-8191</inkml:trace>
+</inkml:ink>
+</file>
+
+<file path=ppt/ink/ink73.xml><?xml version="1.0" encoding="utf-8"?>
+<inkml:ink xmlns:inkml="http://www.w3.org/2003/InkML">
+  <inkml:definitions>
+    <inkml:context xml:id="ctx0">
+      <inkml:inkSource xml:id="inkSrc0">
+        <inkml:traceFormat>
+          <inkml:channel name="X" type="integer" min="-2.14748E9" max="2.14748E9" units="cm"/>
+          <inkml:channel name="Y" type="integer" min="-2.14748E9" max="2.14748E9" units="cm"/>
+          <inkml:channel name="F" type="integer" max="32767" units="dev"/>
+        </inkml:traceFormat>
+        <inkml:channelProperties>
+          <inkml:channelProperty channel="X" name="resolution" value="1000" units="1/cm"/>
+          <inkml:channelProperty channel="Y" name="resolution" value="1000" units="1/cm"/>
+          <inkml:channelProperty channel="F" name="resolution" value="0" units="1/dev"/>
+        </inkml:channelProperties>
+      </inkml:inkSource>
+      <inkml:timestamp xml:id="ts0" timeString="2023-02-27T00:40:02.690"/>
+    </inkml:context>
+    <inkml:brush xml:id="br0">
+      <inkml:brushProperty name="width" value="0.05" units="cm"/>
+      <inkml:brushProperty name="height" value="0.05" units="cm"/>
+    </inkml:brush>
+  </inkml:definitions>
+  <inkml:trace contextRef="#ctx0" brushRef="#br0">1 65 24575,'7'-1'0,"0"0"0,0-1 0,-1 0 0,1-1 0,0 1 0,-1-1 0,0-1 0,8-4 0,22-11 0,-24 15 0,-1 0 0,1 1 0,0 0 0,0 1 0,0 0 0,0 1 0,0 0 0,17 2 0,-26-1 0,0 1 0,0-1 0,0 1 0,0 0 0,0-1 0,0 2 0,-1-1 0,1 0 0,0 0 0,-1 1 0,1 0 0,-1-1 0,1 1 0,-1 0 0,0 0 0,0 0 0,0 1 0,0-1 0,0 0 0,0 1 0,0-1 0,-1 1 0,0 0 0,1 0 0,-1-1 0,0 1 0,0 0 0,0 0 0,-1 0 0,1 0 0,-1 0 0,0 0 0,1 0 0,-2 0 0,1 0 0,0 0 0,0 0 0,-2 5 0,2-4 4,-1 1 1,0-1-1,0 0 0,0 0 0,0 0 0,-1 0 0,1 0 0,-1 0 0,0 0 1,0 0-1,-1-1 0,1 1 0,-1-1 0,1 0 0,-1 0 0,0 0 0,-1 0 1,1 0-1,0 0 0,-1-1 0,1 0 0,-1 1 0,0-1 0,0-1 0,0 1 1,0-1-1,0 1 0,-7 0 0,-3 1-190,0-2 1,1 0-1,-1 0 0,0-1 1,0-1-1,1 0 1,-24-6-1,-4-3-6640</inkml:trace>
+</inkml:ink>
+</file>
+
+<file path=ppt/ink/ink74.xml><?xml version="1.0" encoding="utf-8"?>
+<inkml:ink xmlns:inkml="http://www.w3.org/2003/InkML">
+  <inkml:definitions>
+    <inkml:context xml:id="ctx0">
+      <inkml:inkSource xml:id="inkSrc0">
+        <inkml:traceFormat>
+          <inkml:channel name="X" type="integer" min="-2.14748E9" max="2.14748E9" units="cm"/>
+          <inkml:channel name="Y" type="integer" min="-2.14748E9" max="2.14748E9" units="cm"/>
+          <inkml:channel name="F" type="integer" max="32767" units="dev"/>
+        </inkml:traceFormat>
+        <inkml:channelProperties>
+          <inkml:channelProperty channel="X" name="resolution" value="1000" units="1/cm"/>
+          <inkml:channelProperty channel="Y" name="resolution" value="1000" units="1/cm"/>
+          <inkml:channelProperty channel="F" name="resolution" value="0" units="1/dev"/>
+        </inkml:channelProperties>
+      </inkml:inkSource>
+      <inkml:timestamp xml:id="ts0" timeString="2023-02-27T00:40:04.430"/>
+    </inkml:context>
+    <inkml:brush xml:id="br0">
+      <inkml:brushProperty name="width" value="0.05" units="cm"/>
+      <inkml:brushProperty name="height" value="0.05" units="cm"/>
+    </inkml:brush>
+  </inkml:definitions>
+  <inkml:trace contextRef="#ctx0" brushRef="#br0">102 1 24575,'17'0'0,"14"0"0,6 0 0,5 0 0,0 4 0,-8 6 0,-9 9 0,-13 6 0,-13-1 0,-15-5 0,-17 7 0,-16-1 0,-4-4 0,-1-7 0,4 4 0,3-6 0,8-5-8191</inkml:trace>
+</inkml:ink>
+</file>
+
+<file path=ppt/ink/ink75.xml><?xml version="1.0" encoding="utf-8"?>
+<inkml:ink xmlns:inkml="http://www.w3.org/2003/InkML">
+  <inkml:definitions>
+    <inkml:context xml:id="ctx0">
+      <inkml:inkSource xml:id="inkSrc0">
+        <inkml:traceFormat>
+          <inkml:channel name="X" type="integer" min="-2.14748E9" max="2.14748E9" units="cm"/>
+          <inkml:channel name="Y" type="integer" min="-2.14748E9" max="2.14748E9" units="cm"/>
+          <inkml:channel name="F" type="integer" max="32767" units="dev"/>
+        </inkml:traceFormat>
+        <inkml:channelProperties>
+          <inkml:channelProperty channel="X" name="resolution" value="1000" units="1/cm"/>
+          <inkml:channelProperty channel="Y" name="resolution" value="1000" units="1/cm"/>
+          <inkml:channelProperty channel="F" name="resolution" value="0" units="1/dev"/>
+        </inkml:channelProperties>
+      </inkml:inkSource>
+      <inkml:timestamp xml:id="ts0" timeString="2023-02-27T00:40:05.033"/>
+    </inkml:context>
+    <inkml:brush xml:id="br0">
+      <inkml:brushProperty name="width" value="0.05" units="cm"/>
+      <inkml:brushProperty name="height" value="0.05" units="cm"/>
+    </inkml:brush>
+  </inkml:definitions>
+  <inkml:trace contextRef="#ctx0" brushRef="#br0">23 0 24575,'0'5'0,"-4"13"0,-2 8 0,1 9 0,0 2 0,2-5-8191</inkml:trace>
+</inkml:ink>
+</file>
+
+<file path=ppt/ink/ink76.xml><?xml version="1.0" encoding="utf-8"?>
+<inkml:ink xmlns:inkml="http://www.w3.org/2003/InkML">
+  <inkml:definitions>
+    <inkml:context xml:id="ctx0">
+      <inkml:inkSource xml:id="inkSrc0">
+        <inkml:traceFormat>
+          <inkml:channel name="X" type="integer" min="-2.14748E9" max="2.14748E9" units="cm"/>
+          <inkml:channel name="Y" type="integer" min="-2.14748E9" max="2.14748E9" units="cm"/>
+          <inkml:channel name="F" type="integer" max="32767" units="dev"/>
+        </inkml:traceFormat>
+        <inkml:channelProperties>
+          <inkml:channelProperty channel="X" name="resolution" value="1000" units="1/cm"/>
+          <inkml:channelProperty channel="Y" name="resolution" value="1000" units="1/cm"/>
+          <inkml:channelProperty channel="F" name="resolution" value="0" units="1/dev"/>
+        </inkml:channelProperties>
+      </inkml:inkSource>
+      <inkml:timestamp xml:id="ts0" timeString="2023-02-27T00:40:07.306"/>
+    </inkml:context>
+    <inkml:brush xml:id="br0">
+      <inkml:brushProperty name="width" value="0.05" units="cm"/>
+      <inkml:brushProperty name="height" value="0.05" units="cm"/>
+    </inkml:brush>
+  </inkml:definitions>
+  <inkml:trace contextRef="#ctx0" brushRef="#br0">256 0 24575,'-22'0'0,"-1"1"0,0 1 0,0 1 0,1 1 0,-23 7 0,40-10 0,0 1 0,0-1 0,0 1 0,0 0 0,0 0 0,0 1 0,1-1 0,-1 1 0,1 0 0,0 1 0,0-1 0,0 1 0,0 0 0,0-1 0,1 2 0,0-1 0,0 0 0,0 1 0,0-1 0,1 1 0,-1 0 0,1 0 0,0 0 0,1 0 0,-1 0 0,0 8 0,2-9 0,0 0 0,0 0 0,1-1 0,0 1 0,-1 0 0,1-1 0,1 1 0,-1-1 0,0 1 0,1-1 0,0 1 0,0-1 0,0 0 0,0 0 0,0 0 0,1 0 0,-1 0 0,1-1 0,-1 1 0,1-1 0,0 1 0,0-1 0,1 0 0,-1 0 0,0-1 0,1 1 0,-1-1 0,1 1 0,-1-1 0,6 1 0,10 3 0,1 0 0,0-2 0,1 0 0,21 0 0,-20-2 0,0 0 0,36-5 0,-51 3 0,0 0 0,0-1 0,0 0 0,0 0 0,0 0 0,-1-1 0,1 0 0,-1 0 0,0-1 0,0 1 0,0-1 0,5-5 0,-10 8 0,0 0 0,0 0 0,0 0 0,0 0 0,0 0 0,0 0 0,0 0 0,-1-1 0,1 1 0,0 0 0,-1 0 0,1-1 0,-1 1 0,1 0 0,-1-1 0,0 1 0,1 0 0,-1-1 0,0 1 0,0 0 0,0-1 0,0 1 0,0-1 0,-1 1 0,1 0 0,-1-3 0,0 1 0,-1 0 0,1 1 0,-1-1 0,0 0 0,0 1 0,0-1 0,-1 1 0,1 0 0,0 0 0,-1 0 0,-2-2 0,-8-5 0,-1 2 0,0 0 0,-25-10 0,25 13-273,0 0 0,0 1 0,0 0 0,-19 0 0,-7 1-6553</inkml:trace>
+</inkml:ink>
+</file>
+
+<file path=ppt/ink/ink77.xml><?xml version="1.0" encoding="utf-8"?>
+<inkml:ink xmlns:inkml="http://www.w3.org/2003/InkML">
+  <inkml:definitions>
+    <inkml:context xml:id="ctx0">
+      <inkml:inkSource xml:id="inkSrc0">
+        <inkml:traceFormat>
+          <inkml:channel name="X" type="integer" min="-2.14748E9" max="2.14748E9" units="cm"/>
+          <inkml:channel name="Y" type="integer" min="-2.14748E9" max="2.14748E9" units="cm"/>
+          <inkml:channel name="F" type="integer" max="32767" units="dev"/>
+        </inkml:traceFormat>
+        <inkml:channelProperties>
+          <inkml:channelProperty channel="X" name="resolution" value="1000" units="1/cm"/>
+          <inkml:channelProperty channel="Y" name="resolution" value="1000" units="1/cm"/>
+          <inkml:channelProperty channel="F" name="resolution" value="0" units="1/dev"/>
+        </inkml:channelProperties>
+      </inkml:inkSource>
+      <inkml:timestamp xml:id="ts0" timeString="2023-02-27T00:40:08.100"/>
+    </inkml:context>
+    <inkml:brush xml:id="br0">
+      <inkml:brushProperty name="width" value="0.05" units="cm"/>
+      <inkml:brushProperty name="height" value="0.05" units="cm"/>
+    </inkml:brush>
+  </inkml:definitions>
+  <inkml:trace contextRef="#ctx0" brushRef="#br0">100 203 24575,'-59'6'0,"57"-6"0,0 1 0,0-1 0,0 1 0,0-1 0,0 1 0,0 0 0,0 0 0,0 0 0,1 0 0,-1 0 0,0 0 0,0 0 0,1 0 0,-1 1 0,1-1 0,0 1 0,-1-1 0,1 1 0,0 0 0,0-1 0,0 1 0,0 0 0,0 0 0,0 0 0,-1 2 0,3-2 0,-1-1 0,0 1 0,0-1 0,1 0 0,-1 0 0,1 1 0,-1-1 0,1 0 0,-1 0 0,1 0 0,0 1 0,0-1 0,0 0 0,-1 0 0,1 0 0,0 0 0,0 0 0,0-1 0,0 1 0,1 0 0,-1 0 0,0-1 0,0 1 0,0-1 0,1 1 0,-1-1 0,0 1 0,1-1 0,-1 0 0,0 1 0,1-1 0,0 0 0,52 7 0,-50-7 0,17 2 0,81 2 0,-92-5 0,0 1 0,0-1 0,-1-1 0,1 0 0,0 0 0,-1-1 0,18-7 0,-23 7 5,1 0 0,-1-1 0,0 1-1,0-1 1,-1 0 0,1-1 0,-1 1 0,0-1-1,0 1 1,0-1 0,-1 0 0,1 0 0,-1 0-1,0 0 1,-1 0 0,1-1 0,-1 1-1,0 0 1,-1-1 0,1 1 0,-1-1 0,0 1-1,0-1 1,-2-9 0,1 8-79,1 0-1,-1 0 1,0 1 0,-1-1 0,0 0-1,0 1 1,0-1 0,-1 1 0,0 0-1,0 0 1,-1 0 0,1 0 0,-1 0-1,0 1 1,-1 0 0,0 0 0,0 0-1,0 0 1,-6-4 0,-15-2-6752</inkml:trace>
+</inkml:ink>
+</file>
+
+<file path=ppt/ink/ink78.xml><?xml version="1.0" encoding="utf-8"?>
+<inkml:ink xmlns:inkml="http://www.w3.org/2003/InkML">
+  <inkml:definitions>
+    <inkml:context xml:id="ctx0">
+      <inkml:inkSource xml:id="inkSrc0">
+        <inkml:traceFormat>
+          <inkml:channel name="X" type="integer" min="-2.14748E9" max="2.14748E9" units="cm"/>
+          <inkml:channel name="Y" type="integer" min="-2.14748E9" max="2.14748E9" units="cm"/>
+          <inkml:channel name="F" type="integer" max="32767" units="dev"/>
+        </inkml:traceFormat>
+        <inkml:channelProperties>
+          <inkml:channelProperty channel="X" name="resolution" value="1000" units="1/cm"/>
+          <inkml:channelProperty channel="Y" name="resolution" value="1000" units="1/cm"/>
+          <inkml:channelProperty channel="F" name="resolution" value="0" units="1/dev"/>
+        </inkml:channelProperties>
+      </inkml:inkSource>
+      <inkml:timestamp xml:id="ts0" timeString="2023-02-27T00:40:09.591"/>
+    </inkml:context>
+    <inkml:brush xml:id="br0">
+      <inkml:brushProperty name="width" value="0.05" units="cm"/>
+      <inkml:brushProperty name="height" value="0.05" units="cm"/>
+    </inkml:brush>
+  </inkml:definitions>
+  <inkml:trace contextRef="#ctx0" brushRef="#br0">0 0 24575,'0'0'-8191</inkml:trace>
+</inkml:ink>
+</file>
+
+<file path=ppt/ink/ink79.xml><?xml version="1.0" encoding="utf-8"?>
+<inkml:ink xmlns:inkml="http://www.w3.org/2003/InkML">
+  <inkml:definitions>
+    <inkml:context xml:id="ctx0">
+      <inkml:inkSource xml:id="inkSrc0">
+        <inkml:traceFormat>
+          <inkml:channel name="X" type="integer" min="-2.14748E9" max="2.14748E9" units="cm"/>
+          <inkml:channel name="Y" type="integer" min="-2.14748E9" max="2.14748E9" units="cm"/>
+          <inkml:channel name="F" type="integer" max="32767" units="dev"/>
+        </inkml:traceFormat>
+        <inkml:channelProperties>
+          <inkml:channelProperty channel="X" name="resolution" value="1000" units="1/cm"/>
+          <inkml:channelProperty channel="Y" name="resolution" value="1000" units="1/cm"/>
+          <inkml:channelProperty channel="F" name="resolution" value="0" units="1/dev"/>
+        </inkml:channelProperties>
+      </inkml:inkSource>
+      <inkml:timestamp xml:id="ts0" timeString="2023-02-27T00:40:11.090"/>
+    </inkml:context>
+    <inkml:brush xml:id="br0">
+      <inkml:brushProperty name="width" value="0.05" units="cm"/>
+      <inkml:brushProperty name="height" value="0.05" units="cm"/>
+    </inkml:brush>
+  </inkml:definitions>
+  <inkml:trace contextRef="#ctx0" brushRef="#br0">0 1 24575,'0'13'0,"0"8"0,0 9 0,0 0-8191</inkml:trace>
+</inkml:ink>
+</file>
+
 <file path=ppt/ink/ink8.xml><?xml version="1.0" encoding="utf-8"?>
 <inkml:ink xmlns:inkml="http://www.w3.org/2003/InkML">
   <inkml:definitions>
@@ -904,6 +2227,141 @@
     </inkml:brush>
   </inkml:definitions>
   <inkml:trace contextRef="#ctx0" brushRef="#br0">1 178 24575,'52'57'0,"-3"2"0,59 92 0,-70-95 0,-22-33 0,1-1 0,0-1 0,2-1 0,1 0 0,0-1 0,26 18 0,-44-36 0,0 1 0,-1-1 0,1 0 0,0 0 0,0 0 0,0 0 0,0 0 0,0 0 0,0-1 0,0 1 0,0 0 0,0-1 0,0 0 0,1 0 0,-1 1 0,0-1 0,0 0 0,0-1 0,0 1 0,4-1 0,-4 0 0,0 0 0,-1 0 0,1 0 0,0-1 0,-1 1 0,1-1 0,-1 1 0,1-1 0,-1 1 0,0-1 0,0 0 0,0 1 0,0-1 0,0 0 0,0 0 0,0 0 0,0-2 0,3-10 0,-1 0 0,-1-1 0,0 1 0,-1-24 0,-1 38 0,-4-286 134,-1 68-1633,5 174-5327</inkml:trace>
+</inkml:ink>
+</file>
+
+<file path=ppt/ink/ink80.xml><?xml version="1.0" encoding="utf-8"?>
+<inkml:ink xmlns:inkml="http://www.w3.org/2003/InkML">
+  <inkml:definitions>
+    <inkml:context xml:id="ctx0">
+      <inkml:inkSource xml:id="inkSrc0">
+        <inkml:traceFormat>
+          <inkml:channel name="X" type="integer" min="-2.14748E9" max="2.14748E9" units="cm"/>
+          <inkml:channel name="Y" type="integer" min="-2.14748E9" max="2.14748E9" units="cm"/>
+          <inkml:channel name="F" type="integer" max="32767" units="dev"/>
+        </inkml:traceFormat>
+        <inkml:channelProperties>
+          <inkml:channelProperty channel="X" name="resolution" value="1000" units="1/cm"/>
+          <inkml:channelProperty channel="Y" name="resolution" value="1000" units="1/cm"/>
+          <inkml:channelProperty channel="F" name="resolution" value="0" units="1/dev"/>
+        </inkml:channelProperties>
+      </inkml:inkSource>
+      <inkml:timestamp xml:id="ts0" timeString="2023-02-27T00:40:12.130"/>
+    </inkml:context>
+    <inkml:brush xml:id="br0">
+      <inkml:brushProperty name="width" value="0.05" units="cm"/>
+      <inkml:brushProperty name="height" value="0.05" units="cm"/>
+    </inkml:brush>
+  </inkml:definitions>
+  <inkml:trace contextRef="#ctx0" brushRef="#br0">154 11 24575,'-4'-5'0,"-10"0"0,-16 8 0,-2 12 0,5 8 0,6 13 0,11 9 0,3-4 0,-2-4 0,10 0 0,13-7 0,8-8 0,0-7-8191</inkml:trace>
+</inkml:ink>
+</file>
+
+<file path=ppt/ink/ink81.xml><?xml version="1.0" encoding="utf-8"?>
+<inkml:ink xmlns:inkml="http://www.w3.org/2003/InkML">
+  <inkml:definitions>
+    <inkml:context xml:id="ctx0">
+      <inkml:inkSource xml:id="inkSrc0">
+        <inkml:traceFormat>
+          <inkml:channel name="X" type="integer" min="-2.14748E9" max="2.14748E9" units="cm"/>
+          <inkml:channel name="Y" type="integer" min="-2.14748E9" max="2.14748E9" units="cm"/>
+          <inkml:channel name="F" type="integer" max="32767" units="dev"/>
+        </inkml:traceFormat>
+        <inkml:channelProperties>
+          <inkml:channelProperty channel="X" name="resolution" value="1000" units="1/cm"/>
+          <inkml:channelProperty channel="Y" name="resolution" value="1000" units="1/cm"/>
+          <inkml:channelProperty channel="F" name="resolution" value="0" units="1/dev"/>
+        </inkml:channelProperties>
+      </inkml:inkSource>
+      <inkml:timestamp xml:id="ts0" timeString="2023-02-27T00:40:13.185"/>
+    </inkml:context>
+    <inkml:brush xml:id="br0">
+      <inkml:brushProperty name="width" value="0.05" units="cm"/>
+      <inkml:brushProperty name="height" value="0.05" units="cm"/>
+    </inkml:brush>
+  </inkml:definitions>
+  <inkml:trace contextRef="#ctx0" brushRef="#br0">194 1 24575,'-4'12'0,"-2"10"0,1 8 0,-8 4 0,-1 4 0,1 13 0,-1 6 0,2-2 0,-6-2 0,-4-6 0,2-3 0,5-4 0,-5 0 0,2-8-8191</inkml:trace>
+</inkml:ink>
+</file>
+
+<file path=ppt/ink/ink82.xml><?xml version="1.0" encoding="utf-8"?>
+<inkml:ink xmlns:inkml="http://www.w3.org/2003/InkML">
+  <inkml:definitions>
+    <inkml:context xml:id="ctx0">
+      <inkml:inkSource xml:id="inkSrc0">
+        <inkml:traceFormat>
+          <inkml:channel name="X" type="integer" min="-2.14748E9" max="2.14748E9" units="cm"/>
+          <inkml:channel name="Y" type="integer" min="-2.14748E9" max="2.14748E9" units="cm"/>
+          <inkml:channel name="F" type="integer" max="32767" units="dev"/>
+        </inkml:traceFormat>
+        <inkml:channelProperties>
+          <inkml:channelProperty channel="X" name="resolution" value="1000" units="1/cm"/>
+          <inkml:channelProperty channel="Y" name="resolution" value="1000" units="1/cm"/>
+          <inkml:channelProperty channel="F" name="resolution" value="0" units="1/dev"/>
+        </inkml:channelProperties>
+      </inkml:inkSource>
+      <inkml:timestamp xml:id="ts0" timeString="2023-02-27T00:40:14.055"/>
+    </inkml:context>
+    <inkml:brush xml:id="br0">
+      <inkml:brushProperty name="width" value="0.05" units="cm"/>
+      <inkml:brushProperty name="height" value="0.05" units="cm"/>
+    </inkml:brush>
+  </inkml:definitions>
+  <inkml:trace contextRef="#ctx0" brushRef="#br0">145 1 24575,'-21'10'0,"8"-4"0,-1 0 0,1 1 0,0 1 0,0 0 0,-19 17 0,29-22 0,1-1 0,-1 1 0,1 0 0,0 0 0,0 0 0,0 0 0,1 0 0,-1 0 0,1 1 0,0-1 0,0 0 0,0 1 0,0-1 0,0 1 0,1-1 0,-1 1 0,1-1 0,0 1 0,0 0 0,1-1 0,-1 1 0,1-1 0,-1 1 0,1-1 0,0 1 0,1-1 0,-1 0 0,0 0 0,4 5 0,0 0 0,0 0 0,1 0 0,0 0 0,1-1 0,0 0 0,0 0 0,0 0 0,1-1 0,0 0 0,0-1 0,1 0 0,-1 0 0,1-1 0,10 4 0,-5-3 0,1 0 0,-1 0 0,1-1 0,1-1 0,-1-1 0,0 0 0,1-1 0,19-1 0,-30 0 0,-1 0 0,1-1 0,0 0 0,-1 0 0,1-1 0,-1 1 0,0-1 0,1 0 0,-1 0 0,0 0 0,0 0 0,0-1 0,-1 0 0,5-3 0,-7 4 0,0 1 0,0-1 0,0 1 0,0-1 0,0 1 0,0-1 0,0 0 0,-1 1 0,1-1 0,-1 0 0,1 0 0,-1 1 0,0-1 0,0 0 0,0 0 0,0 0 0,0 1 0,0-1 0,0 0 0,-1 0 0,1 1 0,0-1 0,-1 0 0,0 0 0,1 1 0,-1-1 0,0 1 0,0-1 0,0 0 0,0 1 0,0 0 0,0-1 0,0 1 0,-1 0 0,1-1 0,0 1 0,-1 0 0,-1-1 0,-5-4 14,1 0-1,-1 1 0,1 0 0,-2 1 1,1 0-1,0 0 0,-1 0 1,-14-3-1,-1 1-508,-1 1 0,-24-1 0,8 3-6331</inkml:trace>
+</inkml:ink>
+</file>
+
+<file path=ppt/ink/ink83.xml><?xml version="1.0" encoding="utf-8"?>
+<inkml:ink xmlns:inkml="http://www.w3.org/2003/InkML">
+  <inkml:definitions>
+    <inkml:context xml:id="ctx0">
+      <inkml:inkSource xml:id="inkSrc0">
+        <inkml:traceFormat>
+          <inkml:channel name="X" type="integer" min="-2.14748E9" max="2.14748E9" units="cm"/>
+          <inkml:channel name="Y" type="integer" min="-2.14748E9" max="2.14748E9" units="cm"/>
+          <inkml:channel name="F" type="integer" max="32767" units="dev"/>
+        </inkml:traceFormat>
+        <inkml:channelProperties>
+          <inkml:channelProperty channel="X" name="resolution" value="1000" units="1/cm"/>
+          <inkml:channelProperty channel="Y" name="resolution" value="1000" units="1/cm"/>
+          <inkml:channelProperty channel="F" name="resolution" value="0" units="1/dev"/>
+        </inkml:channelProperties>
+      </inkml:inkSource>
+      <inkml:timestamp xml:id="ts0" timeString="2023-02-27T00:40:14.600"/>
+    </inkml:context>
+    <inkml:brush xml:id="br0">
+      <inkml:brushProperty name="width" value="0.05" units="cm"/>
+      <inkml:brushProperty name="height" value="0.05" units="cm"/>
+    </inkml:brush>
+  </inkml:definitions>
+  <inkml:trace contextRef="#ctx0" brushRef="#br0">114 0 24575,'-4'0'0,"-6"0"0,-14 4 0,-2 15 0,2 12 0,6 5 0,10 4 0,11 1 0,13 1 0,8-6 0,13-10 0,13-8 0,6-8 0,6-6 0,-7-3-8191</inkml:trace>
+</inkml:ink>
+</file>
+
+<file path=ppt/ink/ink84.xml><?xml version="1.0" encoding="utf-8"?>
+<inkml:ink xmlns:inkml="http://www.w3.org/2003/InkML">
+  <inkml:definitions>
+    <inkml:context xml:id="ctx0">
+      <inkml:inkSource xml:id="inkSrc0">
+        <inkml:traceFormat>
+          <inkml:channel name="X" type="integer" min="-2.14748E9" max="2.14748E9" units="cm"/>
+          <inkml:channel name="Y" type="integer" min="-2.14748E9" max="2.14748E9" units="cm"/>
+          <inkml:channel name="F" type="integer" max="32767" units="dev"/>
+        </inkml:traceFormat>
+        <inkml:channelProperties>
+          <inkml:channelProperty channel="X" name="resolution" value="1000" units="1/cm"/>
+          <inkml:channelProperty channel="Y" name="resolution" value="1000" units="1/cm"/>
+          <inkml:channelProperty channel="F" name="resolution" value="0" units="1/dev"/>
+        </inkml:channelProperties>
+      </inkml:inkSource>
+      <inkml:timestamp xml:id="ts0" timeString="2023-02-27T01:10:19.793"/>
+    </inkml:context>
+    <inkml:brush xml:id="br0">
+      <inkml:brushProperty name="width" value="0.05" units="cm"/>
+      <inkml:brushProperty name="height" value="0.05" units="cm"/>
+    </inkml:brush>
+  </inkml:definitions>
+  <inkml:trace contextRef="#ctx0" brushRef="#br0">1 1 24575</inkml:trace>
 </inkml:ink>
 </file>
 
@@ -1337,7 +2795,7 @@
           <a:p>
             <a:fld id="{83284890-85D2-4D7B-8EF5-15A9C1DB8F42}" type="datetimeFigureOut">
               <a:rPr lang="en-US" dirty="0"/>
-              <a:t>2/24/2023</a:t>
+              <a:t>2/26/2023</a:t>
             </a:fld>
             <a:endParaRPr lang="en-US" dirty="0"/>
           </a:p>
@@ -1512,7 +2970,7 @@
           <a:p>
             <a:fld id="{87157CC2-0FC8-4686-B024-99790E0F5162}" type="datetimeFigureOut">
               <a:rPr lang="en-US" dirty="0"/>
-              <a:t>2/24/2023</a:t>
+              <a:t>2/26/2023</a:t>
             </a:fld>
             <a:endParaRPr lang="en-US" dirty="0"/>
           </a:p>
@@ -1687,7 +3145,7 @@
           <a:p>
             <a:fld id="{F6764DA5-CD3D-4590-A511-FCD3BC7A793E}" type="datetimeFigureOut">
               <a:rPr lang="en-US" dirty="0"/>
-              <a:t>2/24/2023</a:t>
+              <a:t>2/26/2023</a:t>
             </a:fld>
             <a:endParaRPr lang="en-US" dirty="0"/>
           </a:p>
@@ -1852,7 +3310,7 @@
           <a:p>
             <a:fld id="{82F5661D-6934-4B32-B92C-470368BF1EC6}" type="datetimeFigureOut">
               <a:rPr lang="en-US" dirty="0"/>
-              <a:t>2/24/2023</a:t>
+              <a:t>2/26/2023</a:t>
             </a:fld>
             <a:endParaRPr lang="en-US" dirty="0"/>
           </a:p>
@@ -2160,7 +3618,7 @@
           <a:p>
             <a:fld id="{C6F822A4-8DA6-4447-9B1F-C5DB58435268}" type="datetimeFigureOut">
               <a:rPr lang="en-US" dirty="0"/>
-              <a:t>2/24/2023</a:t>
+              <a:t>2/26/2023</a:t>
             </a:fld>
             <a:endParaRPr lang="en-US" dirty="0"/>
           </a:p>
@@ -2542,7 +4000,7 @@
           <a:p>
             <a:fld id="{E548D31E-DCDA-41A7-9C67-C4B11B94D21D}" type="datetimeFigureOut">
               <a:rPr lang="en-US" dirty="0"/>
-              <a:t>2/24/2023</a:t>
+              <a:t>2/26/2023</a:t>
             </a:fld>
             <a:endParaRPr lang="en-US" dirty="0"/>
           </a:p>
@@ -2971,7 +4429,7 @@
           <a:p>
             <a:fld id="{9B3762C0-B258-48F1-ADE6-176B4174CCDD}" type="datetimeFigureOut">
               <a:rPr lang="en-US" dirty="0"/>
-              <a:t>2/24/2023</a:t>
+              <a:t>2/26/2023</a:t>
             </a:fld>
             <a:endParaRPr lang="en-US" dirty="0"/>
           </a:p>
@@ -3084,7 +4542,7 @@
           <a:p>
             <a:fld id="{677919A6-33EB-49BD-A62F-1FA56B9F9712}" type="datetimeFigureOut">
               <a:rPr lang="en-US" dirty="0"/>
-              <a:t>2/24/2023</a:t>
+              <a:t>2/26/2023</a:t>
             </a:fld>
             <a:endParaRPr lang="en-US" dirty="0"/>
           </a:p>
@@ -3174,7 +4632,7 @@
           <a:p>
             <a:fld id="{CA4E7D1B-D673-4CF6-8672-009D42ABD2A0}" type="datetimeFigureOut">
               <a:rPr lang="en-US" dirty="0"/>
-              <a:t>2/24/2023</a:t>
+              <a:t>2/26/2023</a:t>
             </a:fld>
             <a:endParaRPr lang="en-US" dirty="0"/>
           </a:p>
@@ -3519,7 +4977,7 @@
           <a:p>
             <a:fld id="{DA16AA21-1863-4931-97CB-99D0A168701B}" type="datetimeFigureOut">
               <a:rPr lang="en-US" dirty="0"/>
-              <a:t>2/24/2023</a:t>
+              <a:t>2/26/2023</a:t>
             </a:fld>
             <a:endParaRPr lang="en-US" dirty="0"/>
           </a:p>
@@ -3939,7 +5397,7 @@
           <a:p>
             <a:fld id="{3772C379-9A7C-4C87-A116-CBE9F58B04C5}" type="datetimeFigureOut">
               <a:rPr lang="en-US" dirty="0"/>
-              <a:t>2/24/2023</a:t>
+              <a:t>2/26/2023</a:t>
             </a:fld>
             <a:endParaRPr lang="en-US" dirty="0"/>
           </a:p>
@@ -4215,7 +5673,7 @@
           <a:p>
             <a:fld id="{8664C608-40B1-4030-A28D-5B74BC98ADCE}" type="datetimeFigureOut">
               <a:rPr lang="en-US" dirty="0"/>
-              <a:t>2/24/2023</a:t>
+              <a:t>2/26/2023</a:t>
             </a:fld>
             <a:endParaRPr lang="en-US" dirty="0"/>
           </a:p>
@@ -4927,8 +6385,8 @@
             <a:chExt cx="299880" cy="615960"/>
           </a:xfrm>
         </p:grpSpPr>
-        <mc:AlternateContent xmlns:mc="http://schemas.openxmlformats.org/markup-compatibility/2006">
-          <mc:Choice xmlns:p14="http://schemas.microsoft.com/office/powerpoint/2010/main" Requires="p14">
+        <mc:AlternateContent xmlns:mc="http://schemas.openxmlformats.org/markup-compatibility/2006" xmlns:p14="http://schemas.microsoft.com/office/powerpoint/2010/main">
+          <mc:Choice Requires="p14">
             <p:contentPart p14:bwMode="auto" r:id="rId3">
               <p14:nvContentPartPr>
                 <p14:cNvPr id="3" name="Entrada de lápiz 2">
@@ -4947,7 +6405,7 @@
               </p14:xfrm>
             </p:contentPart>
           </mc:Choice>
-          <mc:Fallback>
+          <mc:Fallback xmlns="">
             <p:pic>
               <p:nvPicPr>
                 <p:cNvPr id="3" name="Entrada de lápiz 2">
@@ -4978,8 +6436,8 @@
             </p:pic>
           </mc:Fallback>
         </mc:AlternateContent>
-        <mc:AlternateContent xmlns:mc="http://schemas.openxmlformats.org/markup-compatibility/2006">
-          <mc:Choice xmlns:p14="http://schemas.microsoft.com/office/powerpoint/2010/main" Requires="p14">
+        <mc:AlternateContent xmlns:mc="http://schemas.openxmlformats.org/markup-compatibility/2006" xmlns:p14="http://schemas.microsoft.com/office/powerpoint/2010/main">
+          <mc:Choice Requires="p14">
             <p:contentPart p14:bwMode="auto" r:id="rId5">
               <p14:nvContentPartPr>
                 <p14:cNvPr id="5" name="Entrada de lápiz 4">
@@ -4998,7 +6456,7 @@
               </p14:xfrm>
             </p:contentPart>
           </mc:Choice>
-          <mc:Fallback>
+          <mc:Fallback xmlns="">
             <p:pic>
               <p:nvPicPr>
                 <p:cNvPr id="5" name="Entrada de lápiz 4">
@@ -5029,8 +6487,8 @@
             </p:pic>
           </mc:Fallback>
         </mc:AlternateContent>
-        <mc:AlternateContent xmlns:mc="http://schemas.openxmlformats.org/markup-compatibility/2006">
-          <mc:Choice xmlns:p14="http://schemas.microsoft.com/office/powerpoint/2010/main" Requires="p14">
+        <mc:AlternateContent xmlns:mc="http://schemas.openxmlformats.org/markup-compatibility/2006" xmlns:p14="http://schemas.microsoft.com/office/powerpoint/2010/main">
+          <mc:Choice Requires="p14">
             <p:contentPart p14:bwMode="auto" r:id="rId7">
               <p14:nvContentPartPr>
                 <p14:cNvPr id="7" name="Entrada de lápiz 6">
@@ -5049,7 +6507,7 @@
               </p14:xfrm>
             </p:contentPart>
           </mc:Choice>
-          <mc:Fallback>
+          <mc:Fallback xmlns="">
             <p:pic>
               <p:nvPicPr>
                 <p:cNvPr id="7" name="Entrada de lápiz 6">
@@ -5081,8 +6539,8 @@
           </mc:Fallback>
         </mc:AlternateContent>
       </p:grpSp>
-      <mc:AlternateContent xmlns:mc="http://schemas.openxmlformats.org/markup-compatibility/2006">
-        <mc:Choice xmlns:p14="http://schemas.microsoft.com/office/powerpoint/2010/main" Requires="p14">
+      <mc:AlternateContent xmlns:mc="http://schemas.openxmlformats.org/markup-compatibility/2006" xmlns:p14="http://schemas.microsoft.com/office/powerpoint/2010/main">
+        <mc:Choice Requires="p14">
           <p:contentPart p14:bwMode="auto" r:id="rId9">
             <p14:nvContentPartPr>
               <p14:cNvPr id="9" name="Entrada de lápiz 8">
@@ -5101,7 +6559,7 @@
             </p14:xfrm>
           </p:contentPart>
         </mc:Choice>
-        <mc:Fallback>
+        <mc:Fallback xmlns="">
           <p:pic>
             <p:nvPicPr>
               <p:cNvPr id="9" name="Entrada de lápiz 8">
@@ -5132,8 +6590,8 @@
           </p:pic>
         </mc:Fallback>
       </mc:AlternateContent>
-      <mc:AlternateContent xmlns:mc="http://schemas.openxmlformats.org/markup-compatibility/2006">
-        <mc:Choice xmlns:p14="http://schemas.microsoft.com/office/powerpoint/2010/main" Requires="p14">
+      <mc:AlternateContent xmlns:mc="http://schemas.openxmlformats.org/markup-compatibility/2006" xmlns:p14="http://schemas.microsoft.com/office/powerpoint/2010/main">
+        <mc:Choice Requires="p14">
           <p:contentPart p14:bwMode="auto" r:id="rId11">
             <p14:nvContentPartPr>
               <p14:cNvPr id="10" name="Entrada de lápiz 9">
@@ -5152,7 +6610,7 @@
             </p14:xfrm>
           </p:contentPart>
         </mc:Choice>
-        <mc:Fallback>
+        <mc:Fallback xmlns="">
           <p:pic>
             <p:nvPicPr>
               <p:cNvPr id="10" name="Entrada de lápiz 9">
@@ -5183,8 +6641,8 @@
           </p:pic>
         </mc:Fallback>
       </mc:AlternateContent>
-      <mc:AlternateContent xmlns:mc="http://schemas.openxmlformats.org/markup-compatibility/2006">
-        <mc:Choice xmlns:p14="http://schemas.microsoft.com/office/powerpoint/2010/main" Requires="p14">
+      <mc:AlternateContent xmlns:mc="http://schemas.openxmlformats.org/markup-compatibility/2006" xmlns:p14="http://schemas.microsoft.com/office/powerpoint/2010/main">
+        <mc:Choice Requires="p14">
           <p:contentPart p14:bwMode="auto" r:id="rId13">
             <p14:nvContentPartPr>
               <p14:cNvPr id="11" name="Entrada de lápiz 10">
@@ -5203,7 +6661,7 @@
             </p14:xfrm>
           </p:contentPart>
         </mc:Choice>
-        <mc:Fallback>
+        <mc:Fallback xmlns="">
           <p:pic>
             <p:nvPicPr>
               <p:cNvPr id="11" name="Entrada de lápiz 10">
@@ -5234,8 +6692,8 @@
           </p:pic>
         </mc:Fallback>
       </mc:AlternateContent>
-      <mc:AlternateContent xmlns:mc="http://schemas.openxmlformats.org/markup-compatibility/2006">
-        <mc:Choice xmlns:p14="http://schemas.microsoft.com/office/powerpoint/2010/main" Requires="p14">
+      <mc:AlternateContent xmlns:mc="http://schemas.openxmlformats.org/markup-compatibility/2006" xmlns:p14="http://schemas.microsoft.com/office/powerpoint/2010/main">
+        <mc:Choice Requires="p14">
           <p:contentPart p14:bwMode="auto" r:id="rId15">
             <p14:nvContentPartPr>
               <p14:cNvPr id="12" name="Entrada de lápiz 11">
@@ -5254,7 +6712,7 @@
             </p14:xfrm>
           </p:contentPart>
         </mc:Choice>
-        <mc:Fallback>
+        <mc:Fallback xmlns="">
           <p:pic>
             <p:nvPicPr>
               <p:cNvPr id="12" name="Entrada de lápiz 11">
@@ -5341,8 +6799,8 @@
           </a:prstGeom>
         </p:spPr>
       </p:pic>
-      <mc:AlternateContent xmlns:mc="http://schemas.openxmlformats.org/markup-compatibility/2006">
-        <mc:Choice xmlns:p14="http://schemas.microsoft.com/office/powerpoint/2010/main" Requires="p14">
+      <mc:AlternateContent xmlns:mc="http://schemas.openxmlformats.org/markup-compatibility/2006" xmlns:p14="http://schemas.microsoft.com/office/powerpoint/2010/main">
+        <mc:Choice Requires="p14">
           <p:contentPart p14:bwMode="auto" r:id="rId3">
             <p14:nvContentPartPr>
               <p14:cNvPr id="2" name="Entrada de lápiz 1">
@@ -5361,7 +6819,7 @@
             </p14:xfrm>
           </p:contentPart>
         </mc:Choice>
-        <mc:Fallback>
+        <mc:Fallback xmlns="">
           <p:pic>
             <p:nvPicPr>
               <p:cNvPr id="2" name="Entrada de lápiz 1">
@@ -5412,8 +6870,8 @@
             <a:chExt cx="241560" cy="320400"/>
           </a:xfrm>
         </p:grpSpPr>
-        <mc:AlternateContent xmlns:mc="http://schemas.openxmlformats.org/markup-compatibility/2006">
-          <mc:Choice xmlns:p14="http://schemas.microsoft.com/office/powerpoint/2010/main" Requires="p14">
+        <mc:AlternateContent xmlns:mc="http://schemas.openxmlformats.org/markup-compatibility/2006" xmlns:p14="http://schemas.microsoft.com/office/powerpoint/2010/main">
+          <mc:Choice Requires="p14">
             <p:contentPart p14:bwMode="auto" r:id="rId5">
               <p14:nvContentPartPr>
                 <p14:cNvPr id="3" name="Entrada de lápiz 2">
@@ -5432,7 +6890,7 @@
               </p14:xfrm>
             </p:contentPart>
           </mc:Choice>
-          <mc:Fallback>
+          <mc:Fallback xmlns="">
             <p:pic>
               <p:nvPicPr>
                 <p:cNvPr id="3" name="Entrada de lápiz 2">
@@ -5463,8 +6921,8 @@
             </p:pic>
           </mc:Fallback>
         </mc:AlternateContent>
-        <mc:AlternateContent xmlns:mc="http://schemas.openxmlformats.org/markup-compatibility/2006">
-          <mc:Choice xmlns:p14="http://schemas.microsoft.com/office/powerpoint/2010/main" Requires="p14">
+        <mc:AlternateContent xmlns:mc="http://schemas.openxmlformats.org/markup-compatibility/2006" xmlns:p14="http://schemas.microsoft.com/office/powerpoint/2010/main">
+          <mc:Choice Requires="p14">
             <p:contentPart p14:bwMode="auto" r:id="rId7">
               <p14:nvContentPartPr>
                 <p14:cNvPr id="5" name="Entrada de lápiz 4">
@@ -5483,7 +6941,7 @@
               </p14:xfrm>
             </p:contentPart>
           </mc:Choice>
-          <mc:Fallback>
+          <mc:Fallback xmlns="">
             <p:pic>
               <p:nvPicPr>
                 <p:cNvPr id="5" name="Entrada de lápiz 4">
@@ -5514,8 +6972,8 @@
             </p:pic>
           </mc:Fallback>
         </mc:AlternateContent>
-        <mc:AlternateContent xmlns:mc="http://schemas.openxmlformats.org/markup-compatibility/2006">
-          <mc:Choice xmlns:p14="http://schemas.microsoft.com/office/powerpoint/2010/main" Requires="p14">
+        <mc:AlternateContent xmlns:mc="http://schemas.openxmlformats.org/markup-compatibility/2006" xmlns:p14="http://schemas.microsoft.com/office/powerpoint/2010/main">
+          <mc:Choice Requires="p14">
             <p:contentPart p14:bwMode="auto" r:id="rId9">
               <p14:nvContentPartPr>
                 <p14:cNvPr id="6" name="Entrada de lápiz 5">
@@ -5534,7 +6992,7 @@
               </p14:xfrm>
             </p:contentPart>
           </mc:Choice>
-          <mc:Fallback>
+          <mc:Fallback xmlns="">
             <p:pic>
               <p:nvPicPr>
                 <p:cNvPr id="6" name="Entrada de lápiz 5">
@@ -5566,8 +7024,8 @@
           </mc:Fallback>
         </mc:AlternateContent>
       </p:grpSp>
-      <mc:AlternateContent xmlns:mc="http://schemas.openxmlformats.org/markup-compatibility/2006">
-        <mc:Choice xmlns:p14="http://schemas.microsoft.com/office/powerpoint/2010/main" Requires="p14">
+      <mc:AlternateContent xmlns:mc="http://schemas.openxmlformats.org/markup-compatibility/2006" xmlns:p14="http://schemas.microsoft.com/office/powerpoint/2010/main">
+        <mc:Choice Requires="p14">
           <p:contentPart p14:bwMode="auto" r:id="rId11">
             <p14:nvContentPartPr>
               <p14:cNvPr id="8" name="Entrada de lápiz 7">
@@ -5586,7 +7044,7 @@
             </p14:xfrm>
           </p:contentPart>
         </mc:Choice>
-        <mc:Fallback>
+        <mc:Fallback xmlns="">
           <p:pic>
             <p:nvPicPr>
               <p:cNvPr id="8" name="Entrada de lápiz 7">
@@ -5637,8 +7095,8 @@
             <a:chExt cx="309240" cy="370440"/>
           </a:xfrm>
         </p:grpSpPr>
-        <mc:AlternateContent xmlns:mc="http://schemas.openxmlformats.org/markup-compatibility/2006">
-          <mc:Choice xmlns:p14="http://schemas.microsoft.com/office/powerpoint/2010/main" Requires="p14">
+        <mc:AlternateContent xmlns:mc="http://schemas.openxmlformats.org/markup-compatibility/2006" xmlns:p14="http://schemas.microsoft.com/office/powerpoint/2010/main">
+          <mc:Choice Requires="p14">
             <p:contentPart p14:bwMode="auto" r:id="rId13">
               <p14:nvContentPartPr>
                 <p14:cNvPr id="9" name="Entrada de lápiz 8">
@@ -5657,7 +7115,7 @@
               </p14:xfrm>
             </p:contentPart>
           </mc:Choice>
-          <mc:Fallback>
+          <mc:Fallback xmlns="">
             <p:pic>
               <p:nvPicPr>
                 <p:cNvPr id="9" name="Entrada de lápiz 8">
@@ -5688,8 +7146,8 @@
             </p:pic>
           </mc:Fallback>
         </mc:AlternateContent>
-        <mc:AlternateContent xmlns:mc="http://schemas.openxmlformats.org/markup-compatibility/2006">
-          <mc:Choice xmlns:p14="http://schemas.microsoft.com/office/powerpoint/2010/main" Requires="p14">
+        <mc:AlternateContent xmlns:mc="http://schemas.openxmlformats.org/markup-compatibility/2006" xmlns:p14="http://schemas.microsoft.com/office/powerpoint/2010/main">
+          <mc:Choice Requires="p14">
             <p:contentPart p14:bwMode="auto" r:id="rId15">
               <p14:nvContentPartPr>
                 <p14:cNvPr id="10" name="Entrada de lápiz 9">
@@ -5708,7 +7166,7 @@
               </p14:xfrm>
             </p:contentPart>
           </mc:Choice>
-          <mc:Fallback>
+          <mc:Fallback xmlns="">
             <p:pic>
               <p:nvPicPr>
                 <p:cNvPr id="10" name="Entrada de lápiz 9">
@@ -5739,8 +7197,8 @@
             </p:pic>
           </mc:Fallback>
         </mc:AlternateContent>
-        <mc:AlternateContent xmlns:mc="http://schemas.openxmlformats.org/markup-compatibility/2006">
-          <mc:Choice xmlns:p14="http://schemas.microsoft.com/office/powerpoint/2010/main" Requires="p14">
+        <mc:AlternateContent xmlns:mc="http://schemas.openxmlformats.org/markup-compatibility/2006" xmlns:p14="http://schemas.microsoft.com/office/powerpoint/2010/main">
+          <mc:Choice Requires="p14">
             <p:contentPart p14:bwMode="auto" r:id="rId17">
               <p14:nvContentPartPr>
                 <p14:cNvPr id="11" name="Entrada de lápiz 10">
@@ -5759,7 +7217,7 @@
               </p14:xfrm>
             </p:contentPart>
           </mc:Choice>
-          <mc:Fallback>
+          <mc:Fallback xmlns="">
             <p:pic>
               <p:nvPicPr>
                 <p:cNvPr id="11" name="Entrada de lápiz 10">
@@ -5948,8 +7406,8 @@
             <a:chExt cx="676800" cy="870840"/>
           </a:xfrm>
         </p:grpSpPr>
-        <mc:AlternateContent xmlns:mc="http://schemas.openxmlformats.org/markup-compatibility/2006">
-          <mc:Choice xmlns:p14="http://schemas.microsoft.com/office/powerpoint/2010/main" Requires="p14">
+        <mc:AlternateContent xmlns:mc="http://schemas.openxmlformats.org/markup-compatibility/2006" xmlns:p14="http://schemas.microsoft.com/office/powerpoint/2010/main">
+          <mc:Choice Requires="p14">
             <p:contentPart p14:bwMode="auto" r:id="rId5">
               <p14:nvContentPartPr>
                 <p14:cNvPr id="5" name="Entrada de lápiz 4">
@@ -5968,7 +7426,7 @@
               </p14:xfrm>
             </p:contentPart>
           </mc:Choice>
-          <mc:Fallback>
+          <mc:Fallback xmlns="">
             <p:pic>
               <p:nvPicPr>
                 <p:cNvPr id="5" name="Entrada de lápiz 4">
@@ -5999,8 +7457,8 @@
             </p:pic>
           </mc:Fallback>
         </mc:AlternateContent>
-        <mc:AlternateContent xmlns:mc="http://schemas.openxmlformats.org/markup-compatibility/2006">
-          <mc:Choice xmlns:p14="http://schemas.microsoft.com/office/powerpoint/2010/main" Requires="p14">
+        <mc:AlternateContent xmlns:mc="http://schemas.openxmlformats.org/markup-compatibility/2006" xmlns:p14="http://schemas.microsoft.com/office/powerpoint/2010/main">
+          <mc:Choice Requires="p14">
             <p:contentPart p14:bwMode="auto" r:id="rId7">
               <p14:nvContentPartPr>
                 <p14:cNvPr id="6" name="Entrada de lápiz 5">
@@ -6019,7 +7477,7 @@
               </p14:xfrm>
             </p:contentPart>
           </mc:Choice>
-          <mc:Fallback>
+          <mc:Fallback xmlns="">
             <p:pic>
               <p:nvPicPr>
                 <p:cNvPr id="6" name="Entrada de lápiz 5">
@@ -6050,8 +7508,8 @@
             </p:pic>
           </mc:Fallback>
         </mc:AlternateContent>
-        <mc:AlternateContent xmlns:mc="http://schemas.openxmlformats.org/markup-compatibility/2006">
-          <mc:Choice xmlns:p14="http://schemas.microsoft.com/office/powerpoint/2010/main" Requires="p14">
+        <mc:AlternateContent xmlns:mc="http://schemas.openxmlformats.org/markup-compatibility/2006" xmlns:p14="http://schemas.microsoft.com/office/powerpoint/2010/main">
+          <mc:Choice Requires="p14">
             <p:contentPart p14:bwMode="auto" r:id="rId9">
               <p14:nvContentPartPr>
                 <p14:cNvPr id="7" name="Entrada de lápiz 6">
@@ -6070,7 +7528,7 @@
               </p14:xfrm>
             </p:contentPart>
           </mc:Choice>
-          <mc:Fallback>
+          <mc:Fallback xmlns="">
             <p:pic>
               <p:nvPicPr>
                 <p:cNvPr id="7" name="Entrada de lápiz 6">
@@ -6122,8 +7580,8 @@
             <a:chExt cx="387000" cy="261360"/>
           </a:xfrm>
         </p:grpSpPr>
-        <mc:AlternateContent xmlns:mc="http://schemas.openxmlformats.org/markup-compatibility/2006">
-          <mc:Choice xmlns:p14="http://schemas.microsoft.com/office/powerpoint/2010/main" Requires="p14">
+        <mc:AlternateContent xmlns:mc="http://schemas.openxmlformats.org/markup-compatibility/2006" xmlns:p14="http://schemas.microsoft.com/office/powerpoint/2010/main">
+          <mc:Choice Requires="p14">
             <p:contentPart p14:bwMode="auto" r:id="rId11">
               <p14:nvContentPartPr>
                 <p14:cNvPr id="9" name="Entrada de lápiz 8">
@@ -6142,7 +7600,7 @@
               </p14:xfrm>
             </p:contentPart>
           </mc:Choice>
-          <mc:Fallback>
+          <mc:Fallback xmlns="">
             <p:pic>
               <p:nvPicPr>
                 <p:cNvPr id="9" name="Entrada de lápiz 8">
@@ -6173,8 +7631,8 @@
             </p:pic>
           </mc:Fallback>
         </mc:AlternateContent>
-        <mc:AlternateContent xmlns:mc="http://schemas.openxmlformats.org/markup-compatibility/2006">
-          <mc:Choice xmlns:p14="http://schemas.microsoft.com/office/powerpoint/2010/main" Requires="p14">
+        <mc:AlternateContent xmlns:mc="http://schemas.openxmlformats.org/markup-compatibility/2006" xmlns:p14="http://schemas.microsoft.com/office/powerpoint/2010/main">
+          <mc:Choice Requires="p14">
             <p:contentPart p14:bwMode="auto" r:id="rId13">
               <p14:nvContentPartPr>
                 <p14:cNvPr id="10" name="Entrada de lápiz 9">
@@ -6193,7 +7651,7 @@
               </p14:xfrm>
             </p:contentPart>
           </mc:Choice>
-          <mc:Fallback>
+          <mc:Fallback xmlns="">
             <p:pic>
               <p:nvPicPr>
                 <p:cNvPr id="10" name="Entrada de lápiz 9">
@@ -6224,8 +7682,8 @@
             </p:pic>
           </mc:Fallback>
         </mc:AlternateContent>
-        <mc:AlternateContent xmlns:mc="http://schemas.openxmlformats.org/markup-compatibility/2006">
-          <mc:Choice xmlns:p14="http://schemas.microsoft.com/office/powerpoint/2010/main" Requires="p14">
+        <mc:AlternateContent xmlns:mc="http://schemas.openxmlformats.org/markup-compatibility/2006" xmlns:p14="http://schemas.microsoft.com/office/powerpoint/2010/main">
+          <mc:Choice Requires="p14">
             <p:contentPart p14:bwMode="auto" r:id="rId15">
               <p14:nvContentPartPr>
                 <p14:cNvPr id="12" name="Entrada de lápiz 11">
@@ -6244,7 +7702,7 @@
               </p14:xfrm>
             </p:contentPart>
           </mc:Choice>
-          <mc:Fallback>
+          <mc:Fallback xmlns="">
             <p:pic>
               <p:nvPicPr>
                 <p:cNvPr id="12" name="Entrada de lápiz 11">
@@ -6276,8 +7734,8 @@
           </mc:Fallback>
         </mc:AlternateContent>
       </p:grpSp>
-      <mc:AlternateContent xmlns:mc="http://schemas.openxmlformats.org/markup-compatibility/2006">
-        <mc:Choice xmlns:p14="http://schemas.microsoft.com/office/powerpoint/2010/main" Requires="p14">
+      <mc:AlternateContent xmlns:mc="http://schemas.openxmlformats.org/markup-compatibility/2006" xmlns:p14="http://schemas.microsoft.com/office/powerpoint/2010/main">
+        <mc:Choice Requires="p14">
           <p:contentPart p14:bwMode="auto" r:id="rId17">
             <p14:nvContentPartPr>
               <p14:cNvPr id="14" name="Entrada de lápiz 13">
@@ -6296,7 +7754,7 @@
             </p14:xfrm>
           </p:contentPart>
         </mc:Choice>
-        <mc:Fallback>
+        <mc:Fallback xmlns="">
           <p:pic>
             <p:nvPicPr>
               <p:cNvPr id="14" name="Entrada de lápiz 13">
@@ -6574,8 +8032,8 @@
             <a:chExt cx="1381680" cy="1017360"/>
           </a:xfrm>
         </p:grpSpPr>
-        <mc:AlternateContent xmlns:mc="http://schemas.openxmlformats.org/markup-compatibility/2006">
-          <mc:Choice xmlns:p14="http://schemas.microsoft.com/office/powerpoint/2010/main" Requires="p14">
+        <mc:AlternateContent xmlns:mc="http://schemas.openxmlformats.org/markup-compatibility/2006" xmlns:p14="http://schemas.microsoft.com/office/powerpoint/2010/main">
+          <mc:Choice Requires="p14">
             <p:contentPart p14:bwMode="auto" r:id="rId3">
               <p14:nvContentPartPr>
                 <p14:cNvPr id="3" name="Entrada de lápiz 2">
@@ -6594,7 +8052,7 @@
               </p14:xfrm>
             </p:contentPart>
           </mc:Choice>
-          <mc:Fallback>
+          <mc:Fallback xmlns="">
             <p:pic>
               <p:nvPicPr>
                 <p:cNvPr id="3" name="Entrada de lápiz 2">
@@ -6625,8 +8083,8 @@
             </p:pic>
           </mc:Fallback>
         </mc:AlternateContent>
-        <mc:AlternateContent xmlns:mc="http://schemas.openxmlformats.org/markup-compatibility/2006">
-          <mc:Choice xmlns:p14="http://schemas.microsoft.com/office/powerpoint/2010/main" Requires="p14">
+        <mc:AlternateContent xmlns:mc="http://schemas.openxmlformats.org/markup-compatibility/2006" xmlns:p14="http://schemas.microsoft.com/office/powerpoint/2010/main">
+          <mc:Choice Requires="p14">
             <p:contentPart p14:bwMode="auto" r:id="rId5">
               <p14:nvContentPartPr>
                 <p14:cNvPr id="4" name="Entrada de lápiz 3">
@@ -6645,7 +8103,7 @@
               </p14:xfrm>
             </p:contentPart>
           </mc:Choice>
-          <mc:Fallback>
+          <mc:Fallback xmlns="">
             <p:pic>
               <p:nvPicPr>
                 <p:cNvPr id="4" name="Entrada de lápiz 3">
@@ -6676,8 +8134,8 @@
             </p:pic>
           </mc:Fallback>
         </mc:AlternateContent>
-        <mc:AlternateContent xmlns:mc="http://schemas.openxmlformats.org/markup-compatibility/2006">
-          <mc:Choice xmlns:p14="http://schemas.microsoft.com/office/powerpoint/2010/main" Requires="p14">
+        <mc:AlternateContent xmlns:mc="http://schemas.openxmlformats.org/markup-compatibility/2006" xmlns:p14="http://schemas.microsoft.com/office/powerpoint/2010/main">
+          <mc:Choice Requires="p14">
             <p:contentPart p14:bwMode="auto" r:id="rId7">
               <p14:nvContentPartPr>
                 <p14:cNvPr id="5" name="Entrada de lápiz 4">
@@ -6696,7 +8154,7 @@
               </p14:xfrm>
             </p:contentPart>
           </mc:Choice>
-          <mc:Fallback>
+          <mc:Fallback xmlns="">
             <p:pic>
               <p:nvPicPr>
                 <p:cNvPr id="5" name="Entrada de lápiz 4">
@@ -6727,8 +8185,8 @@
             </p:pic>
           </mc:Fallback>
         </mc:AlternateContent>
-        <mc:AlternateContent xmlns:mc="http://schemas.openxmlformats.org/markup-compatibility/2006">
-          <mc:Choice xmlns:p14="http://schemas.microsoft.com/office/powerpoint/2010/main" Requires="p14">
+        <mc:AlternateContent xmlns:mc="http://schemas.openxmlformats.org/markup-compatibility/2006" xmlns:p14="http://schemas.microsoft.com/office/powerpoint/2010/main">
+          <mc:Choice Requires="p14">
             <p:contentPart p14:bwMode="auto" r:id="rId9">
               <p14:nvContentPartPr>
                 <p14:cNvPr id="6" name="Entrada de lápiz 5">
@@ -6747,7 +8205,7 @@
               </p14:xfrm>
             </p:contentPart>
           </mc:Choice>
-          <mc:Fallback>
+          <mc:Fallback xmlns="">
             <p:pic>
               <p:nvPicPr>
                 <p:cNvPr id="6" name="Entrada de lápiz 5">
@@ -6778,8 +8236,8 @@
             </p:pic>
           </mc:Fallback>
         </mc:AlternateContent>
-        <mc:AlternateContent xmlns:mc="http://schemas.openxmlformats.org/markup-compatibility/2006">
-          <mc:Choice xmlns:p14="http://schemas.microsoft.com/office/powerpoint/2010/main" Requires="p14">
+        <mc:AlternateContent xmlns:mc="http://schemas.openxmlformats.org/markup-compatibility/2006" xmlns:p14="http://schemas.microsoft.com/office/powerpoint/2010/main">
+          <mc:Choice Requires="p14">
             <p:contentPart p14:bwMode="auto" r:id="rId11">
               <p14:nvContentPartPr>
                 <p14:cNvPr id="8" name="Entrada de lápiz 7">
@@ -6798,7 +8256,7 @@
               </p14:xfrm>
             </p:contentPart>
           </mc:Choice>
-          <mc:Fallback>
+          <mc:Fallback xmlns="">
             <p:pic>
               <p:nvPicPr>
                 <p:cNvPr id="8" name="Entrada de lápiz 7">
@@ -6829,8 +8287,8 @@
             </p:pic>
           </mc:Fallback>
         </mc:AlternateContent>
-        <mc:AlternateContent xmlns:mc="http://schemas.openxmlformats.org/markup-compatibility/2006">
-          <mc:Choice xmlns:p14="http://schemas.microsoft.com/office/powerpoint/2010/main" Requires="p14">
+        <mc:AlternateContent xmlns:mc="http://schemas.openxmlformats.org/markup-compatibility/2006" xmlns:p14="http://schemas.microsoft.com/office/powerpoint/2010/main">
+          <mc:Choice Requires="p14">
             <p:contentPart p14:bwMode="auto" r:id="rId13">
               <p14:nvContentPartPr>
                 <p14:cNvPr id="9" name="Entrada de lápiz 8">
@@ -6849,7 +8307,7 @@
               </p14:xfrm>
             </p:contentPart>
           </mc:Choice>
-          <mc:Fallback>
+          <mc:Fallback xmlns="">
             <p:pic>
               <p:nvPicPr>
                 <p:cNvPr id="9" name="Entrada de lápiz 8">
@@ -6959,6 +8417,2835 @@
           </a:prstGeom>
         </p:spPr>
       </p:pic>
+      <p:grpSp>
+        <p:nvGrpSpPr>
+          <p:cNvPr id="12" name="Grupo 11">
+            <a:extLst>
+              <a:ext uri="{FF2B5EF4-FFF2-40B4-BE49-F238E27FC236}">
+                <a16:creationId xmlns:a16="http://schemas.microsoft.com/office/drawing/2014/main" id="{AA8EDAF9-A70E-A466-ADBC-1F0398B32DD7}"/>
+              </a:ext>
+            </a:extLst>
+          </p:cNvPr>
+          <p:cNvGrpSpPr/>
+          <p:nvPr/>
+        </p:nvGrpSpPr>
+        <p:grpSpPr>
+          <a:xfrm>
+            <a:off x="3567692" y="4337188"/>
+            <a:ext cx="1216080" cy="352800"/>
+            <a:chOff x="3567692" y="4337188"/>
+            <a:chExt cx="1216080" cy="352800"/>
+          </a:xfrm>
+        </p:grpSpPr>
+        <mc:AlternateContent xmlns:mc="http://schemas.openxmlformats.org/markup-compatibility/2006">
+          <mc:Choice xmlns:p14="http://schemas.microsoft.com/office/powerpoint/2010/main" Requires="p14">
+            <p:contentPart p14:bwMode="auto" r:id="rId3">
+              <p14:nvContentPartPr>
+                <p14:cNvPr id="3" name="Entrada de lápiz 2">
+                  <a:extLst>
+                    <a:ext uri="{FF2B5EF4-FFF2-40B4-BE49-F238E27FC236}">
+                      <a16:creationId xmlns:a16="http://schemas.microsoft.com/office/drawing/2014/main" id="{0AE7230A-7E86-CAE2-A9ED-38CB030978C1}"/>
+                    </a:ext>
+                  </a:extLst>
+                </p14:cNvPr>
+                <p14:cNvContentPartPr/>
+                <p14:nvPr/>
+              </p14:nvContentPartPr>
+              <p14:xfrm>
+                <a:off x="3567692" y="4337188"/>
+                <a:ext cx="226080" cy="122040"/>
+              </p14:xfrm>
+            </p:contentPart>
+          </mc:Choice>
+          <mc:Fallback>
+            <p:pic>
+              <p:nvPicPr>
+                <p:cNvPr id="3" name="Entrada de lápiz 2">
+                  <a:extLst>
+                    <a:ext uri="{FF2B5EF4-FFF2-40B4-BE49-F238E27FC236}">
+                      <a16:creationId xmlns:a16="http://schemas.microsoft.com/office/drawing/2014/main" id="{0AE7230A-7E86-CAE2-A9ED-38CB030978C1}"/>
+                    </a:ext>
+                  </a:extLst>
+                </p:cNvPr>
+                <p:cNvPicPr/>
+                <p:nvPr/>
+              </p:nvPicPr>
+              <p:blipFill>
+                <a:blip r:embed="rId4"/>
+                <a:stretch>
+                  <a:fillRect/>
+                </a:stretch>
+              </p:blipFill>
+              <p:spPr>
+                <a:xfrm>
+                  <a:off x="3558692" y="4328188"/>
+                  <a:ext cx="243720" cy="139680"/>
+                </a:xfrm>
+                <a:prstGeom prst="rect">
+                  <a:avLst/>
+                </a:prstGeom>
+              </p:spPr>
+            </p:pic>
+          </mc:Fallback>
+        </mc:AlternateContent>
+        <mc:AlternateContent xmlns:mc="http://schemas.openxmlformats.org/markup-compatibility/2006">
+          <mc:Choice xmlns:p14="http://schemas.microsoft.com/office/powerpoint/2010/main" Requires="p14">
+            <p:contentPart p14:bwMode="auto" r:id="rId5">
+              <p14:nvContentPartPr>
+                <p14:cNvPr id="5" name="Entrada de lápiz 4">
+                  <a:extLst>
+                    <a:ext uri="{FF2B5EF4-FFF2-40B4-BE49-F238E27FC236}">
+                      <a16:creationId xmlns:a16="http://schemas.microsoft.com/office/drawing/2014/main" id="{D4AD83BB-D103-DD6C-69E6-892A0ED00EB9}"/>
+                    </a:ext>
+                  </a:extLst>
+                </p14:cNvPr>
+                <p14:cNvContentPartPr/>
+                <p14:nvPr/>
+              </p14:nvContentPartPr>
+              <p14:xfrm>
+                <a:off x="3800612" y="4365268"/>
+                <a:ext cx="360" cy="198720"/>
+              </p14:xfrm>
+            </p:contentPart>
+          </mc:Choice>
+          <mc:Fallback>
+            <p:pic>
+              <p:nvPicPr>
+                <p:cNvPr id="5" name="Entrada de lápiz 4">
+                  <a:extLst>
+                    <a:ext uri="{FF2B5EF4-FFF2-40B4-BE49-F238E27FC236}">
+                      <a16:creationId xmlns:a16="http://schemas.microsoft.com/office/drawing/2014/main" id="{D4AD83BB-D103-DD6C-69E6-892A0ED00EB9}"/>
+                    </a:ext>
+                  </a:extLst>
+                </p:cNvPr>
+                <p:cNvPicPr/>
+                <p:nvPr/>
+              </p:nvPicPr>
+              <p:blipFill>
+                <a:blip r:embed="rId6"/>
+                <a:stretch>
+                  <a:fillRect/>
+                </a:stretch>
+              </p:blipFill>
+              <p:spPr>
+                <a:xfrm>
+                  <a:off x="3791972" y="4356628"/>
+                  <a:ext cx="18000" cy="216360"/>
+                </a:xfrm>
+                <a:prstGeom prst="rect">
+                  <a:avLst/>
+                </a:prstGeom>
+              </p:spPr>
+            </p:pic>
+          </mc:Fallback>
+        </mc:AlternateContent>
+        <mc:AlternateContent xmlns:mc="http://schemas.openxmlformats.org/markup-compatibility/2006">
+          <mc:Choice xmlns:p14="http://schemas.microsoft.com/office/powerpoint/2010/main" Requires="p14">
+            <p:contentPart p14:bwMode="auto" r:id="rId7">
+              <p14:nvContentPartPr>
+                <p14:cNvPr id="6" name="Entrada de lápiz 5">
+                  <a:extLst>
+                    <a:ext uri="{FF2B5EF4-FFF2-40B4-BE49-F238E27FC236}">
+                      <a16:creationId xmlns:a16="http://schemas.microsoft.com/office/drawing/2014/main" id="{807CACD0-CAB6-3B69-7600-9583FD62F3CD}"/>
+                    </a:ext>
+                  </a:extLst>
+                </p14:cNvPr>
+                <p14:cNvContentPartPr/>
+                <p14:nvPr/>
+              </p14:nvContentPartPr>
+              <p14:xfrm>
+                <a:off x="3863252" y="4419268"/>
+                <a:ext cx="57600" cy="178200"/>
+              </p14:xfrm>
+            </p:contentPart>
+          </mc:Choice>
+          <mc:Fallback>
+            <p:pic>
+              <p:nvPicPr>
+                <p:cNvPr id="6" name="Entrada de lápiz 5">
+                  <a:extLst>
+                    <a:ext uri="{FF2B5EF4-FFF2-40B4-BE49-F238E27FC236}">
+                      <a16:creationId xmlns:a16="http://schemas.microsoft.com/office/drawing/2014/main" id="{807CACD0-CAB6-3B69-7600-9583FD62F3CD}"/>
+                    </a:ext>
+                  </a:extLst>
+                </p:cNvPr>
+                <p:cNvPicPr/>
+                <p:nvPr/>
+              </p:nvPicPr>
+              <p:blipFill>
+                <a:blip r:embed="rId8"/>
+                <a:stretch>
+                  <a:fillRect/>
+                </a:stretch>
+              </p:blipFill>
+              <p:spPr>
+                <a:xfrm>
+                  <a:off x="3854612" y="4410628"/>
+                  <a:ext cx="75240" cy="195840"/>
+                </a:xfrm>
+                <a:prstGeom prst="rect">
+                  <a:avLst/>
+                </a:prstGeom>
+              </p:spPr>
+            </p:pic>
+          </mc:Fallback>
+        </mc:AlternateContent>
+        <mc:AlternateContent xmlns:mc="http://schemas.openxmlformats.org/markup-compatibility/2006">
+          <mc:Choice xmlns:p14="http://schemas.microsoft.com/office/powerpoint/2010/main" Requires="p14">
+            <p:contentPart p14:bwMode="auto" r:id="rId9">
+              <p14:nvContentPartPr>
+                <p14:cNvPr id="7" name="Entrada de lápiz 6">
+                  <a:extLst>
+                    <a:ext uri="{FF2B5EF4-FFF2-40B4-BE49-F238E27FC236}">
+                      <a16:creationId xmlns:a16="http://schemas.microsoft.com/office/drawing/2014/main" id="{AE0264B6-B927-CF63-DD5D-C7FDE68811B1}"/>
+                    </a:ext>
+                  </a:extLst>
+                </p14:cNvPr>
+                <p14:cNvContentPartPr/>
+                <p14:nvPr/>
+              </p14:nvContentPartPr>
+              <p14:xfrm>
+                <a:off x="3917612" y="4409908"/>
+                <a:ext cx="218520" cy="280080"/>
+              </p14:xfrm>
+            </p:contentPart>
+          </mc:Choice>
+          <mc:Fallback>
+            <p:pic>
+              <p:nvPicPr>
+                <p:cNvPr id="7" name="Entrada de lápiz 6">
+                  <a:extLst>
+                    <a:ext uri="{FF2B5EF4-FFF2-40B4-BE49-F238E27FC236}">
+                      <a16:creationId xmlns:a16="http://schemas.microsoft.com/office/drawing/2014/main" id="{AE0264B6-B927-CF63-DD5D-C7FDE68811B1}"/>
+                    </a:ext>
+                  </a:extLst>
+                </p:cNvPr>
+                <p:cNvPicPr/>
+                <p:nvPr/>
+              </p:nvPicPr>
+              <p:blipFill>
+                <a:blip r:embed="rId10"/>
+                <a:stretch>
+                  <a:fillRect/>
+                </a:stretch>
+              </p:blipFill>
+              <p:spPr>
+                <a:xfrm>
+                  <a:off x="3908972" y="4400908"/>
+                  <a:ext cx="236160" cy="297720"/>
+                </a:xfrm>
+                <a:prstGeom prst="rect">
+                  <a:avLst/>
+                </a:prstGeom>
+              </p:spPr>
+            </p:pic>
+          </mc:Fallback>
+        </mc:AlternateContent>
+        <mc:AlternateContent xmlns:mc="http://schemas.openxmlformats.org/markup-compatibility/2006">
+          <mc:Choice xmlns:p14="http://schemas.microsoft.com/office/powerpoint/2010/main" Requires="p14">
+            <p:contentPart p14:bwMode="auto" r:id="rId11">
+              <p14:nvContentPartPr>
+                <p14:cNvPr id="8" name="Entrada de lápiz 7">
+                  <a:extLst>
+                    <a:ext uri="{FF2B5EF4-FFF2-40B4-BE49-F238E27FC236}">
+                      <a16:creationId xmlns:a16="http://schemas.microsoft.com/office/drawing/2014/main" id="{86D3632E-BA5D-9B09-CCC6-8E894515FEDF}"/>
+                    </a:ext>
+                  </a:extLst>
+                </p14:cNvPr>
+                <p14:cNvContentPartPr/>
+                <p14:nvPr/>
+              </p14:nvContentPartPr>
+              <p14:xfrm>
+                <a:off x="4222172" y="4580548"/>
+                <a:ext cx="360" cy="360"/>
+              </p14:xfrm>
+            </p:contentPart>
+          </mc:Choice>
+          <mc:Fallback>
+            <p:pic>
+              <p:nvPicPr>
+                <p:cNvPr id="8" name="Entrada de lápiz 7">
+                  <a:extLst>
+                    <a:ext uri="{FF2B5EF4-FFF2-40B4-BE49-F238E27FC236}">
+                      <a16:creationId xmlns:a16="http://schemas.microsoft.com/office/drawing/2014/main" id="{86D3632E-BA5D-9B09-CCC6-8E894515FEDF}"/>
+                    </a:ext>
+                  </a:extLst>
+                </p:cNvPr>
+                <p:cNvPicPr/>
+                <p:nvPr/>
+              </p:nvPicPr>
+              <p:blipFill>
+                <a:blip r:embed="rId12"/>
+                <a:stretch>
+                  <a:fillRect/>
+                </a:stretch>
+              </p:blipFill>
+              <p:spPr>
+                <a:xfrm>
+                  <a:off x="4213172" y="4571908"/>
+                  <a:ext cx="18000" cy="18000"/>
+                </a:xfrm>
+                <a:prstGeom prst="rect">
+                  <a:avLst/>
+                </a:prstGeom>
+              </p:spPr>
+            </p:pic>
+          </mc:Fallback>
+        </mc:AlternateContent>
+        <mc:AlternateContent xmlns:mc="http://schemas.openxmlformats.org/markup-compatibility/2006">
+          <mc:Choice xmlns:p14="http://schemas.microsoft.com/office/powerpoint/2010/main" Requires="p14">
+            <p:contentPart p14:bwMode="auto" r:id="rId13">
+              <p14:nvContentPartPr>
+                <p14:cNvPr id="9" name="Entrada de lápiz 8">
+                  <a:extLst>
+                    <a:ext uri="{FF2B5EF4-FFF2-40B4-BE49-F238E27FC236}">
+                      <a16:creationId xmlns:a16="http://schemas.microsoft.com/office/drawing/2014/main" id="{0F2D7B73-7211-97EC-75F7-3EBFFBEF598A}"/>
+                    </a:ext>
+                  </a:extLst>
+                </p14:cNvPr>
+                <p14:cNvContentPartPr/>
+                <p14:nvPr/>
+              </p14:nvContentPartPr>
+              <p14:xfrm>
+                <a:off x="4320812" y="4410628"/>
+                <a:ext cx="248040" cy="252360"/>
+              </p14:xfrm>
+            </p:contentPart>
+          </mc:Choice>
+          <mc:Fallback>
+            <p:pic>
+              <p:nvPicPr>
+                <p:cNvPr id="9" name="Entrada de lápiz 8">
+                  <a:extLst>
+                    <a:ext uri="{FF2B5EF4-FFF2-40B4-BE49-F238E27FC236}">
+                      <a16:creationId xmlns:a16="http://schemas.microsoft.com/office/drawing/2014/main" id="{0F2D7B73-7211-97EC-75F7-3EBFFBEF598A}"/>
+                    </a:ext>
+                  </a:extLst>
+                </p:cNvPr>
+                <p:cNvPicPr/>
+                <p:nvPr/>
+              </p:nvPicPr>
+              <p:blipFill>
+                <a:blip r:embed="rId14"/>
+                <a:stretch>
+                  <a:fillRect/>
+                </a:stretch>
+              </p:blipFill>
+              <p:spPr>
+                <a:xfrm>
+                  <a:off x="4312172" y="4401628"/>
+                  <a:ext cx="265680" cy="270000"/>
+                </a:xfrm>
+                <a:prstGeom prst="rect">
+                  <a:avLst/>
+                </a:prstGeom>
+              </p:spPr>
+            </p:pic>
+          </mc:Fallback>
+        </mc:AlternateContent>
+        <mc:AlternateContent xmlns:mc="http://schemas.openxmlformats.org/markup-compatibility/2006">
+          <mc:Choice xmlns:p14="http://schemas.microsoft.com/office/powerpoint/2010/main" Requires="p14">
+            <p:contentPart p14:bwMode="auto" r:id="rId15">
+              <p14:nvContentPartPr>
+                <p14:cNvPr id="10" name="Entrada de lápiz 9">
+                  <a:extLst>
+                    <a:ext uri="{FF2B5EF4-FFF2-40B4-BE49-F238E27FC236}">
+                      <a16:creationId xmlns:a16="http://schemas.microsoft.com/office/drawing/2014/main" id="{0BF357C5-F21A-CA3D-90C4-7DD449E0F33C}"/>
+                    </a:ext>
+                  </a:extLst>
+                </p14:cNvPr>
+                <p14:cNvContentPartPr/>
+                <p14:nvPr/>
+              </p14:nvContentPartPr>
+              <p14:xfrm>
+                <a:off x="4625372" y="4419268"/>
+                <a:ext cx="133560" cy="131400"/>
+              </p14:xfrm>
+            </p:contentPart>
+          </mc:Choice>
+          <mc:Fallback>
+            <p:pic>
+              <p:nvPicPr>
+                <p:cNvPr id="10" name="Entrada de lápiz 9">
+                  <a:extLst>
+                    <a:ext uri="{FF2B5EF4-FFF2-40B4-BE49-F238E27FC236}">
+                      <a16:creationId xmlns:a16="http://schemas.microsoft.com/office/drawing/2014/main" id="{0BF357C5-F21A-CA3D-90C4-7DD449E0F33C}"/>
+                    </a:ext>
+                  </a:extLst>
+                </p:cNvPr>
+                <p:cNvPicPr/>
+                <p:nvPr/>
+              </p:nvPicPr>
+              <p:blipFill>
+                <a:blip r:embed="rId16"/>
+                <a:stretch>
+                  <a:fillRect/>
+                </a:stretch>
+              </p:blipFill>
+              <p:spPr>
+                <a:xfrm>
+                  <a:off x="4616372" y="4410628"/>
+                  <a:ext cx="151200" cy="149040"/>
+                </a:xfrm>
+                <a:prstGeom prst="rect">
+                  <a:avLst/>
+                </a:prstGeom>
+              </p:spPr>
+            </p:pic>
+          </mc:Fallback>
+        </mc:AlternateContent>
+        <mc:AlternateContent xmlns:mc="http://schemas.openxmlformats.org/markup-compatibility/2006">
+          <mc:Choice xmlns:p14="http://schemas.microsoft.com/office/powerpoint/2010/main" Requires="p14">
+            <p:contentPart p14:bwMode="auto" r:id="rId17">
+              <p14:nvContentPartPr>
+                <p14:cNvPr id="11" name="Entrada de lápiz 10">
+                  <a:extLst>
+                    <a:ext uri="{FF2B5EF4-FFF2-40B4-BE49-F238E27FC236}">
+                      <a16:creationId xmlns:a16="http://schemas.microsoft.com/office/drawing/2014/main" id="{DCE9DE1A-BEC4-7BE0-BFFC-9FCCEC0A354B}"/>
+                    </a:ext>
+                  </a:extLst>
+                </p14:cNvPr>
+                <p14:cNvContentPartPr/>
+                <p14:nvPr/>
+              </p14:nvContentPartPr>
+              <p14:xfrm>
+                <a:off x="4777652" y="4473268"/>
+                <a:ext cx="6120" cy="138240"/>
+              </p14:xfrm>
+            </p:contentPart>
+          </mc:Choice>
+          <mc:Fallback>
+            <p:pic>
+              <p:nvPicPr>
+                <p:cNvPr id="11" name="Entrada de lápiz 10">
+                  <a:extLst>
+                    <a:ext uri="{FF2B5EF4-FFF2-40B4-BE49-F238E27FC236}">
+                      <a16:creationId xmlns:a16="http://schemas.microsoft.com/office/drawing/2014/main" id="{DCE9DE1A-BEC4-7BE0-BFFC-9FCCEC0A354B}"/>
+                    </a:ext>
+                  </a:extLst>
+                </p:cNvPr>
+                <p:cNvPicPr/>
+                <p:nvPr/>
+              </p:nvPicPr>
+              <p:blipFill>
+                <a:blip r:embed="rId18"/>
+                <a:stretch>
+                  <a:fillRect/>
+                </a:stretch>
+              </p:blipFill>
+              <p:spPr>
+                <a:xfrm>
+                  <a:off x="4769012" y="4464268"/>
+                  <a:ext cx="23760" cy="155880"/>
+                </a:xfrm>
+                <a:prstGeom prst="rect">
+                  <a:avLst/>
+                </a:prstGeom>
+              </p:spPr>
+            </p:pic>
+          </mc:Fallback>
+        </mc:AlternateContent>
+      </p:grpSp>
+      <mc:AlternateContent xmlns:mc="http://schemas.openxmlformats.org/markup-compatibility/2006">
+        <mc:Choice xmlns:p14="http://schemas.microsoft.com/office/powerpoint/2010/main" Requires="p14">
+          <p:contentPart p14:bwMode="auto" r:id="rId19">
+            <p14:nvContentPartPr>
+              <p14:cNvPr id="13" name="Entrada de lápiz 12">
+                <a:extLst>
+                  <a:ext uri="{FF2B5EF4-FFF2-40B4-BE49-F238E27FC236}">
+                    <a16:creationId xmlns:a16="http://schemas.microsoft.com/office/drawing/2014/main" id="{0C270A7E-8CCD-4669-7220-293F7FCD8C3C}"/>
+                  </a:ext>
+                </a:extLst>
+              </p14:cNvPr>
+              <p14:cNvContentPartPr/>
+              <p14:nvPr/>
+            </p14:nvContentPartPr>
+            <p14:xfrm>
+              <a:off x="5943332" y="4392628"/>
+              <a:ext cx="29520" cy="158400"/>
+            </p14:xfrm>
+          </p:contentPart>
+        </mc:Choice>
+        <mc:Fallback>
+          <p:pic>
+            <p:nvPicPr>
+              <p:cNvPr id="13" name="Entrada de lápiz 12">
+                <a:extLst>
+                  <a:ext uri="{FF2B5EF4-FFF2-40B4-BE49-F238E27FC236}">
+                    <a16:creationId xmlns:a16="http://schemas.microsoft.com/office/drawing/2014/main" id="{0C270A7E-8CCD-4669-7220-293F7FCD8C3C}"/>
+                  </a:ext>
+                </a:extLst>
+              </p:cNvPr>
+              <p:cNvPicPr/>
+              <p:nvPr/>
+            </p:nvPicPr>
+            <p:blipFill>
+              <a:blip r:embed="rId20"/>
+              <a:stretch>
+                <a:fillRect/>
+              </a:stretch>
+            </p:blipFill>
+            <p:spPr>
+              <a:xfrm>
+                <a:off x="5934692" y="4383628"/>
+                <a:ext cx="47160" cy="176040"/>
+              </a:xfrm>
+              <a:prstGeom prst="rect">
+                <a:avLst/>
+              </a:prstGeom>
+            </p:spPr>
+          </p:pic>
+        </mc:Fallback>
+      </mc:AlternateContent>
+      <p:grpSp>
+        <p:nvGrpSpPr>
+          <p:cNvPr id="17" name="Grupo 16">
+            <a:extLst>
+              <a:ext uri="{FF2B5EF4-FFF2-40B4-BE49-F238E27FC236}">
+                <a16:creationId xmlns:a16="http://schemas.microsoft.com/office/drawing/2014/main" id="{CC595CCA-7021-FF08-DDEA-E75EB2A69E30}"/>
+              </a:ext>
+            </a:extLst>
+          </p:cNvPr>
+          <p:cNvGrpSpPr/>
+          <p:nvPr/>
+        </p:nvGrpSpPr>
+        <p:grpSpPr>
+          <a:xfrm>
+            <a:off x="5781332" y="4833268"/>
+            <a:ext cx="149760" cy="213480"/>
+            <a:chOff x="5781332" y="4833268"/>
+            <a:chExt cx="149760" cy="213480"/>
+          </a:xfrm>
+        </p:grpSpPr>
+        <mc:AlternateContent xmlns:mc="http://schemas.openxmlformats.org/markup-compatibility/2006">
+          <mc:Choice xmlns:p14="http://schemas.microsoft.com/office/powerpoint/2010/main" Requires="p14">
+            <p:contentPart p14:bwMode="auto" r:id="rId21">
+              <p14:nvContentPartPr>
+                <p14:cNvPr id="14" name="Entrada de lápiz 13">
+                  <a:extLst>
+                    <a:ext uri="{FF2B5EF4-FFF2-40B4-BE49-F238E27FC236}">
+                      <a16:creationId xmlns:a16="http://schemas.microsoft.com/office/drawing/2014/main" id="{ACF76D4E-5153-64FF-5B9B-FE0895A8C480}"/>
+                    </a:ext>
+                  </a:extLst>
+                </p14:cNvPr>
+                <p14:cNvContentPartPr/>
+                <p14:nvPr/>
+              </p14:nvContentPartPr>
+              <p14:xfrm>
+                <a:off x="5781332" y="4833268"/>
+                <a:ext cx="122040" cy="72720"/>
+              </p14:xfrm>
+            </p:contentPart>
+          </mc:Choice>
+          <mc:Fallback>
+            <p:pic>
+              <p:nvPicPr>
+                <p:cNvPr id="14" name="Entrada de lápiz 13">
+                  <a:extLst>
+                    <a:ext uri="{FF2B5EF4-FFF2-40B4-BE49-F238E27FC236}">
+                      <a16:creationId xmlns:a16="http://schemas.microsoft.com/office/drawing/2014/main" id="{ACF76D4E-5153-64FF-5B9B-FE0895A8C480}"/>
+                    </a:ext>
+                  </a:extLst>
+                </p:cNvPr>
+                <p:cNvPicPr/>
+                <p:nvPr/>
+              </p:nvPicPr>
+              <p:blipFill>
+                <a:blip r:embed="rId22"/>
+                <a:stretch>
+                  <a:fillRect/>
+                </a:stretch>
+              </p:blipFill>
+              <p:spPr>
+                <a:xfrm>
+                  <a:off x="5772692" y="4824628"/>
+                  <a:ext cx="139680" cy="90360"/>
+                </a:xfrm>
+                <a:prstGeom prst="rect">
+                  <a:avLst/>
+                </a:prstGeom>
+              </p:spPr>
+            </p:pic>
+          </mc:Fallback>
+        </mc:AlternateContent>
+        <mc:AlternateContent xmlns:mc="http://schemas.openxmlformats.org/markup-compatibility/2006">
+          <mc:Choice xmlns:p14="http://schemas.microsoft.com/office/powerpoint/2010/main" Requires="p14">
+            <p:contentPart p14:bwMode="auto" r:id="rId23">
+              <p14:nvContentPartPr>
+                <p14:cNvPr id="15" name="Entrada de lápiz 14">
+                  <a:extLst>
+                    <a:ext uri="{FF2B5EF4-FFF2-40B4-BE49-F238E27FC236}">
+                      <a16:creationId xmlns:a16="http://schemas.microsoft.com/office/drawing/2014/main" id="{DE34D968-25B2-72A6-3437-BDD4B3E1B5E4}"/>
+                    </a:ext>
+                  </a:extLst>
+                </p14:cNvPr>
+                <p14:cNvContentPartPr/>
+                <p14:nvPr/>
+              </p14:nvContentPartPr>
+              <p14:xfrm>
+                <a:off x="5786372" y="4903468"/>
+                <a:ext cx="144720" cy="143280"/>
+              </p14:xfrm>
+            </p:contentPart>
+          </mc:Choice>
+          <mc:Fallback>
+            <p:pic>
+              <p:nvPicPr>
+                <p:cNvPr id="15" name="Entrada de lápiz 14">
+                  <a:extLst>
+                    <a:ext uri="{FF2B5EF4-FFF2-40B4-BE49-F238E27FC236}">
+                      <a16:creationId xmlns:a16="http://schemas.microsoft.com/office/drawing/2014/main" id="{DE34D968-25B2-72A6-3437-BDD4B3E1B5E4}"/>
+                    </a:ext>
+                  </a:extLst>
+                </p:cNvPr>
+                <p:cNvPicPr/>
+                <p:nvPr/>
+              </p:nvPicPr>
+              <p:blipFill>
+                <a:blip r:embed="rId24"/>
+                <a:stretch>
+                  <a:fillRect/>
+                </a:stretch>
+              </p:blipFill>
+              <p:spPr>
+                <a:xfrm>
+                  <a:off x="5777732" y="4894468"/>
+                  <a:ext cx="162360" cy="160920"/>
+                </a:xfrm>
+                <a:prstGeom prst="rect">
+                  <a:avLst/>
+                </a:prstGeom>
+              </p:spPr>
+            </p:pic>
+          </mc:Fallback>
+        </mc:AlternateContent>
+      </p:grpSp>
+      <mc:AlternateContent xmlns:mc="http://schemas.openxmlformats.org/markup-compatibility/2006">
+        <mc:Choice xmlns:p14="http://schemas.microsoft.com/office/powerpoint/2010/main" Requires="p14">
+          <p:contentPart p14:bwMode="auto" r:id="rId25">
+            <p14:nvContentPartPr>
+              <p14:cNvPr id="16" name="Entrada de lápiz 15">
+                <a:extLst>
+                  <a:ext uri="{FF2B5EF4-FFF2-40B4-BE49-F238E27FC236}">
+                    <a16:creationId xmlns:a16="http://schemas.microsoft.com/office/drawing/2014/main" id="{3D435DFB-5B9D-96D8-708C-8E224827E941}"/>
+                  </a:ext>
+                </a:extLst>
+              </p14:cNvPr>
+              <p14:cNvContentPartPr/>
+              <p14:nvPr/>
+            </p14:nvContentPartPr>
+            <p14:xfrm>
+              <a:off x="6024692" y="5247628"/>
+              <a:ext cx="164880" cy="177840"/>
+            </p14:xfrm>
+          </p:contentPart>
+        </mc:Choice>
+        <mc:Fallback>
+          <p:pic>
+            <p:nvPicPr>
+              <p:cNvPr id="16" name="Entrada de lápiz 15">
+                <a:extLst>
+                  <a:ext uri="{FF2B5EF4-FFF2-40B4-BE49-F238E27FC236}">
+                    <a16:creationId xmlns:a16="http://schemas.microsoft.com/office/drawing/2014/main" id="{3D435DFB-5B9D-96D8-708C-8E224827E941}"/>
+                  </a:ext>
+                </a:extLst>
+              </p:cNvPr>
+              <p:cNvPicPr/>
+              <p:nvPr/>
+            </p:nvPicPr>
+            <p:blipFill>
+              <a:blip r:embed="rId26"/>
+              <a:stretch>
+                <a:fillRect/>
+              </a:stretch>
+            </p:blipFill>
+            <p:spPr>
+              <a:xfrm>
+                <a:off x="6015692" y="5238628"/>
+                <a:ext cx="182520" cy="195480"/>
+              </a:xfrm>
+              <a:prstGeom prst="rect">
+                <a:avLst/>
+              </a:prstGeom>
+            </p:spPr>
+          </p:pic>
+        </mc:Fallback>
+      </mc:AlternateContent>
+      <p:grpSp>
+        <p:nvGrpSpPr>
+          <p:cNvPr id="28" name="Grupo 27">
+            <a:extLst>
+              <a:ext uri="{FF2B5EF4-FFF2-40B4-BE49-F238E27FC236}">
+                <a16:creationId xmlns:a16="http://schemas.microsoft.com/office/drawing/2014/main" id="{65B03873-4871-9EF7-04AB-6A15C9E2DDDA}"/>
+              </a:ext>
+            </a:extLst>
+          </p:cNvPr>
+          <p:cNvGrpSpPr/>
+          <p:nvPr/>
+        </p:nvGrpSpPr>
+        <p:grpSpPr>
+          <a:xfrm>
+            <a:off x="3656612" y="4750468"/>
+            <a:ext cx="1235520" cy="288360"/>
+            <a:chOff x="3656612" y="4750468"/>
+            <a:chExt cx="1235520" cy="288360"/>
+          </a:xfrm>
+        </p:grpSpPr>
+        <mc:AlternateContent xmlns:mc="http://schemas.openxmlformats.org/markup-compatibility/2006">
+          <mc:Choice xmlns:p14="http://schemas.microsoft.com/office/powerpoint/2010/main" Requires="p14">
+            <p:contentPart p14:bwMode="auto" r:id="rId27">
+              <p14:nvContentPartPr>
+                <p14:cNvPr id="18" name="Entrada de lápiz 17">
+                  <a:extLst>
+                    <a:ext uri="{FF2B5EF4-FFF2-40B4-BE49-F238E27FC236}">
+                      <a16:creationId xmlns:a16="http://schemas.microsoft.com/office/drawing/2014/main" id="{339E9F51-C523-31DA-3BAA-FA71059CE7B3}"/>
+                    </a:ext>
+                  </a:extLst>
+                </p14:cNvPr>
+                <p14:cNvContentPartPr/>
+                <p14:nvPr/>
+              </p14:nvContentPartPr>
+              <p14:xfrm>
+                <a:off x="3656612" y="4776748"/>
+                <a:ext cx="203040" cy="156240"/>
+              </p14:xfrm>
+            </p:contentPart>
+          </mc:Choice>
+          <mc:Fallback>
+            <p:pic>
+              <p:nvPicPr>
+                <p:cNvPr id="18" name="Entrada de lápiz 17">
+                  <a:extLst>
+                    <a:ext uri="{FF2B5EF4-FFF2-40B4-BE49-F238E27FC236}">
+                      <a16:creationId xmlns:a16="http://schemas.microsoft.com/office/drawing/2014/main" id="{339E9F51-C523-31DA-3BAA-FA71059CE7B3}"/>
+                    </a:ext>
+                  </a:extLst>
+                </p:cNvPr>
+                <p:cNvPicPr/>
+                <p:nvPr/>
+              </p:nvPicPr>
+              <p:blipFill>
+                <a:blip r:embed="rId28"/>
+                <a:stretch>
+                  <a:fillRect/>
+                </a:stretch>
+              </p:blipFill>
+              <p:spPr>
+                <a:xfrm>
+                  <a:off x="3647612" y="4768108"/>
+                  <a:ext cx="220680" cy="173880"/>
+                </a:xfrm>
+                <a:prstGeom prst="rect">
+                  <a:avLst/>
+                </a:prstGeom>
+              </p:spPr>
+            </p:pic>
+          </mc:Fallback>
+        </mc:AlternateContent>
+        <mc:AlternateContent xmlns:mc="http://schemas.openxmlformats.org/markup-compatibility/2006">
+          <mc:Choice xmlns:p14="http://schemas.microsoft.com/office/powerpoint/2010/main" Requires="p14">
+            <p:contentPart p14:bwMode="auto" r:id="rId29">
+              <p14:nvContentPartPr>
+                <p14:cNvPr id="19" name="Entrada de lápiz 18">
+                  <a:extLst>
+                    <a:ext uri="{FF2B5EF4-FFF2-40B4-BE49-F238E27FC236}">
+                      <a16:creationId xmlns:a16="http://schemas.microsoft.com/office/drawing/2014/main" id="{5B2C4AD7-ACCA-6BDA-7B4C-6545257514DD}"/>
+                    </a:ext>
+                  </a:extLst>
+                </p14:cNvPr>
+                <p14:cNvContentPartPr/>
+                <p14:nvPr/>
+              </p14:nvContentPartPr>
+              <p14:xfrm>
+                <a:off x="3968012" y="4750468"/>
+                <a:ext cx="138960" cy="244440"/>
+              </p14:xfrm>
+            </p:contentPart>
+          </mc:Choice>
+          <mc:Fallback>
+            <p:pic>
+              <p:nvPicPr>
+                <p:cNvPr id="19" name="Entrada de lápiz 18">
+                  <a:extLst>
+                    <a:ext uri="{FF2B5EF4-FFF2-40B4-BE49-F238E27FC236}">
+                      <a16:creationId xmlns:a16="http://schemas.microsoft.com/office/drawing/2014/main" id="{5B2C4AD7-ACCA-6BDA-7B4C-6545257514DD}"/>
+                    </a:ext>
+                  </a:extLst>
+                </p:cNvPr>
+                <p:cNvPicPr/>
+                <p:nvPr/>
+              </p:nvPicPr>
+              <p:blipFill>
+                <a:blip r:embed="rId30"/>
+                <a:stretch>
+                  <a:fillRect/>
+                </a:stretch>
+              </p:blipFill>
+              <p:spPr>
+                <a:xfrm>
+                  <a:off x="3959012" y="4741828"/>
+                  <a:ext cx="156600" cy="262080"/>
+                </a:xfrm>
+                <a:prstGeom prst="rect">
+                  <a:avLst/>
+                </a:prstGeom>
+              </p:spPr>
+            </p:pic>
+          </mc:Fallback>
+        </mc:AlternateContent>
+        <mc:AlternateContent xmlns:mc="http://schemas.openxmlformats.org/markup-compatibility/2006">
+          <mc:Choice xmlns:p14="http://schemas.microsoft.com/office/powerpoint/2010/main" Requires="p14">
+            <p:contentPart p14:bwMode="auto" r:id="rId31">
+              <p14:nvContentPartPr>
+                <p14:cNvPr id="21" name="Entrada de lápiz 20">
+                  <a:extLst>
+                    <a:ext uri="{FF2B5EF4-FFF2-40B4-BE49-F238E27FC236}">
+                      <a16:creationId xmlns:a16="http://schemas.microsoft.com/office/drawing/2014/main" id="{9BD1993E-7FA9-B6DF-FCA4-6B4D170F58D2}"/>
+                    </a:ext>
+                  </a:extLst>
+                </p14:cNvPr>
+                <p14:cNvContentPartPr/>
+                <p14:nvPr/>
+              </p14:nvContentPartPr>
+              <p14:xfrm>
+                <a:off x="4155572" y="4750468"/>
+                <a:ext cx="124560" cy="160920"/>
+              </p14:xfrm>
+            </p:contentPart>
+          </mc:Choice>
+          <mc:Fallback>
+            <p:pic>
+              <p:nvPicPr>
+                <p:cNvPr id="21" name="Entrada de lápiz 20">
+                  <a:extLst>
+                    <a:ext uri="{FF2B5EF4-FFF2-40B4-BE49-F238E27FC236}">
+                      <a16:creationId xmlns:a16="http://schemas.microsoft.com/office/drawing/2014/main" id="{9BD1993E-7FA9-B6DF-FCA4-6B4D170F58D2}"/>
+                    </a:ext>
+                  </a:extLst>
+                </p:cNvPr>
+                <p:cNvPicPr/>
+                <p:nvPr/>
+              </p:nvPicPr>
+              <p:blipFill>
+                <a:blip r:embed="rId32"/>
+                <a:stretch>
+                  <a:fillRect/>
+                </a:stretch>
+              </p:blipFill>
+              <p:spPr>
+                <a:xfrm>
+                  <a:off x="4146932" y="4741468"/>
+                  <a:ext cx="142200" cy="178560"/>
+                </a:xfrm>
+                <a:prstGeom prst="rect">
+                  <a:avLst/>
+                </a:prstGeom>
+              </p:spPr>
+            </p:pic>
+          </mc:Fallback>
+        </mc:AlternateContent>
+        <mc:AlternateContent xmlns:mc="http://schemas.openxmlformats.org/markup-compatibility/2006">
+          <mc:Choice xmlns:p14="http://schemas.microsoft.com/office/powerpoint/2010/main" Requires="p14">
+            <p:contentPart p14:bwMode="auto" r:id="rId33">
+              <p14:nvContentPartPr>
+                <p14:cNvPr id="22" name="Entrada de lápiz 21">
+                  <a:extLst>
+                    <a:ext uri="{FF2B5EF4-FFF2-40B4-BE49-F238E27FC236}">
+                      <a16:creationId xmlns:a16="http://schemas.microsoft.com/office/drawing/2014/main" id="{77399264-7E9C-E62A-25CB-BF79C454587C}"/>
+                    </a:ext>
+                  </a:extLst>
+                </p14:cNvPr>
+                <p14:cNvContentPartPr/>
+                <p14:nvPr/>
+              </p14:nvContentPartPr>
+              <p14:xfrm>
+                <a:off x="4150172" y="4918228"/>
+                <a:ext cx="128160" cy="120600"/>
+              </p14:xfrm>
+            </p:contentPart>
+          </mc:Choice>
+          <mc:Fallback>
+            <p:pic>
+              <p:nvPicPr>
+                <p:cNvPr id="22" name="Entrada de lápiz 21">
+                  <a:extLst>
+                    <a:ext uri="{FF2B5EF4-FFF2-40B4-BE49-F238E27FC236}">
+                      <a16:creationId xmlns:a16="http://schemas.microsoft.com/office/drawing/2014/main" id="{77399264-7E9C-E62A-25CB-BF79C454587C}"/>
+                    </a:ext>
+                  </a:extLst>
+                </p:cNvPr>
+                <p:cNvPicPr/>
+                <p:nvPr/>
+              </p:nvPicPr>
+              <p:blipFill>
+                <a:blip r:embed="rId34"/>
+                <a:stretch>
+                  <a:fillRect/>
+                </a:stretch>
+              </p:blipFill>
+              <p:spPr>
+                <a:xfrm>
+                  <a:off x="4141172" y="4909228"/>
+                  <a:ext cx="145800" cy="138240"/>
+                </a:xfrm>
+                <a:prstGeom prst="rect">
+                  <a:avLst/>
+                </a:prstGeom>
+              </p:spPr>
+            </p:pic>
+          </mc:Fallback>
+        </mc:AlternateContent>
+        <mc:AlternateContent xmlns:mc="http://schemas.openxmlformats.org/markup-compatibility/2006">
+          <mc:Choice xmlns:p14="http://schemas.microsoft.com/office/powerpoint/2010/main" Requires="p14">
+            <p:contentPart p14:bwMode="auto" r:id="rId35">
+              <p14:nvContentPartPr>
+                <p14:cNvPr id="23" name="Entrada de lápiz 22">
+                  <a:extLst>
+                    <a:ext uri="{FF2B5EF4-FFF2-40B4-BE49-F238E27FC236}">
+                      <a16:creationId xmlns:a16="http://schemas.microsoft.com/office/drawing/2014/main" id="{FD4FFF04-4FB9-73BD-6B0B-5D6E2BC02492}"/>
+                    </a:ext>
+                  </a:extLst>
+                </p14:cNvPr>
+                <p14:cNvContentPartPr/>
+                <p14:nvPr/>
+              </p14:nvContentPartPr>
+              <p14:xfrm>
+                <a:off x="4490732" y="4894468"/>
+                <a:ext cx="360" cy="360"/>
+              </p14:xfrm>
+            </p:contentPart>
+          </mc:Choice>
+          <mc:Fallback>
+            <p:pic>
+              <p:nvPicPr>
+                <p:cNvPr id="23" name="Entrada de lápiz 22">
+                  <a:extLst>
+                    <a:ext uri="{FF2B5EF4-FFF2-40B4-BE49-F238E27FC236}">
+                      <a16:creationId xmlns:a16="http://schemas.microsoft.com/office/drawing/2014/main" id="{FD4FFF04-4FB9-73BD-6B0B-5D6E2BC02492}"/>
+                    </a:ext>
+                  </a:extLst>
+                </p:cNvPr>
+                <p:cNvPicPr/>
+                <p:nvPr/>
+              </p:nvPicPr>
+              <p:blipFill>
+                <a:blip r:embed="rId12"/>
+                <a:stretch>
+                  <a:fillRect/>
+                </a:stretch>
+              </p:blipFill>
+              <p:spPr>
+                <a:xfrm>
+                  <a:off x="4482092" y="4885468"/>
+                  <a:ext cx="18000" cy="18000"/>
+                </a:xfrm>
+                <a:prstGeom prst="rect">
+                  <a:avLst/>
+                </a:prstGeom>
+              </p:spPr>
+            </p:pic>
+          </mc:Fallback>
+        </mc:AlternateContent>
+        <mc:AlternateContent xmlns:mc="http://schemas.openxmlformats.org/markup-compatibility/2006">
+          <mc:Choice xmlns:p14="http://schemas.microsoft.com/office/powerpoint/2010/main" Requires="p14">
+            <p:contentPart p14:bwMode="auto" r:id="rId36">
+              <p14:nvContentPartPr>
+                <p14:cNvPr id="25" name="Entrada de lápiz 24">
+                  <a:extLst>
+                    <a:ext uri="{FF2B5EF4-FFF2-40B4-BE49-F238E27FC236}">
+                      <a16:creationId xmlns:a16="http://schemas.microsoft.com/office/drawing/2014/main" id="{D30DC53C-A954-C041-EA86-22BB8FA31933}"/>
+                    </a:ext>
+                  </a:extLst>
+                </p14:cNvPr>
+                <p14:cNvContentPartPr/>
+                <p14:nvPr/>
+              </p14:nvContentPartPr>
+              <p14:xfrm>
+                <a:off x="4347452" y="4992748"/>
+                <a:ext cx="66240" cy="41760"/>
+              </p14:xfrm>
+            </p:contentPart>
+          </mc:Choice>
+          <mc:Fallback>
+            <p:pic>
+              <p:nvPicPr>
+                <p:cNvPr id="25" name="Entrada de lápiz 24">
+                  <a:extLst>
+                    <a:ext uri="{FF2B5EF4-FFF2-40B4-BE49-F238E27FC236}">
+                      <a16:creationId xmlns:a16="http://schemas.microsoft.com/office/drawing/2014/main" id="{D30DC53C-A954-C041-EA86-22BB8FA31933}"/>
+                    </a:ext>
+                  </a:extLst>
+                </p:cNvPr>
+                <p:cNvPicPr/>
+                <p:nvPr/>
+              </p:nvPicPr>
+              <p:blipFill>
+                <a:blip r:embed="rId37"/>
+                <a:stretch>
+                  <a:fillRect/>
+                </a:stretch>
+              </p:blipFill>
+              <p:spPr>
+                <a:xfrm>
+                  <a:off x="4338812" y="4984108"/>
+                  <a:ext cx="83880" cy="59400"/>
+                </a:xfrm>
+                <a:prstGeom prst="rect">
+                  <a:avLst/>
+                </a:prstGeom>
+              </p:spPr>
+            </p:pic>
+          </mc:Fallback>
+        </mc:AlternateContent>
+        <mc:AlternateContent xmlns:mc="http://schemas.openxmlformats.org/markup-compatibility/2006">
+          <mc:Choice xmlns:p14="http://schemas.microsoft.com/office/powerpoint/2010/main" Requires="p14">
+            <p:contentPart p14:bwMode="auto" r:id="rId38">
+              <p14:nvContentPartPr>
+                <p14:cNvPr id="26" name="Entrada de lápiz 25">
+                  <a:extLst>
+                    <a:ext uri="{FF2B5EF4-FFF2-40B4-BE49-F238E27FC236}">
+                      <a16:creationId xmlns:a16="http://schemas.microsoft.com/office/drawing/2014/main" id="{E6148BC9-0550-AA35-F83D-F51C5F94BDCC}"/>
+                    </a:ext>
+                  </a:extLst>
+                </p14:cNvPr>
+                <p14:cNvContentPartPr/>
+                <p14:nvPr/>
+              </p14:nvContentPartPr>
+              <p14:xfrm>
+                <a:off x="4472372" y="4760188"/>
+                <a:ext cx="189720" cy="236160"/>
+              </p14:xfrm>
+            </p:contentPart>
+          </mc:Choice>
+          <mc:Fallback>
+            <p:pic>
+              <p:nvPicPr>
+                <p:cNvPr id="26" name="Entrada de lápiz 25">
+                  <a:extLst>
+                    <a:ext uri="{FF2B5EF4-FFF2-40B4-BE49-F238E27FC236}">
+                      <a16:creationId xmlns:a16="http://schemas.microsoft.com/office/drawing/2014/main" id="{E6148BC9-0550-AA35-F83D-F51C5F94BDCC}"/>
+                    </a:ext>
+                  </a:extLst>
+                </p:cNvPr>
+                <p:cNvPicPr/>
+                <p:nvPr/>
+              </p:nvPicPr>
+              <p:blipFill>
+                <a:blip r:embed="rId39"/>
+                <a:stretch>
+                  <a:fillRect/>
+                </a:stretch>
+              </p:blipFill>
+              <p:spPr>
+                <a:xfrm>
+                  <a:off x="4463372" y="4751188"/>
+                  <a:ext cx="207360" cy="253800"/>
+                </a:xfrm>
+                <a:prstGeom prst="rect">
+                  <a:avLst/>
+                </a:prstGeom>
+              </p:spPr>
+            </p:pic>
+          </mc:Fallback>
+        </mc:AlternateContent>
+        <mc:AlternateContent xmlns:mc="http://schemas.openxmlformats.org/markup-compatibility/2006">
+          <mc:Choice xmlns:p14="http://schemas.microsoft.com/office/powerpoint/2010/main" Requires="p14">
+            <p:contentPart p14:bwMode="auto" r:id="rId40">
+              <p14:nvContentPartPr>
+                <p14:cNvPr id="27" name="Entrada de lápiz 26">
+                  <a:extLst>
+                    <a:ext uri="{FF2B5EF4-FFF2-40B4-BE49-F238E27FC236}">
+                      <a16:creationId xmlns:a16="http://schemas.microsoft.com/office/drawing/2014/main" id="{994E292C-9AD1-0AEC-3C5C-BFA57B1EFFF3}"/>
+                    </a:ext>
+                  </a:extLst>
+                </p14:cNvPr>
+                <p14:cNvContentPartPr/>
+                <p14:nvPr/>
+              </p14:nvContentPartPr>
+              <p14:xfrm>
+                <a:off x="4756052" y="4768828"/>
+                <a:ext cx="136080" cy="221760"/>
+              </p14:xfrm>
+            </p:contentPart>
+          </mc:Choice>
+          <mc:Fallback>
+            <p:pic>
+              <p:nvPicPr>
+                <p:cNvPr id="27" name="Entrada de lápiz 26">
+                  <a:extLst>
+                    <a:ext uri="{FF2B5EF4-FFF2-40B4-BE49-F238E27FC236}">
+                      <a16:creationId xmlns:a16="http://schemas.microsoft.com/office/drawing/2014/main" id="{994E292C-9AD1-0AEC-3C5C-BFA57B1EFFF3}"/>
+                    </a:ext>
+                  </a:extLst>
+                </p:cNvPr>
+                <p:cNvPicPr/>
+                <p:nvPr/>
+              </p:nvPicPr>
+              <p:blipFill>
+                <a:blip r:embed="rId41"/>
+                <a:stretch>
+                  <a:fillRect/>
+                </a:stretch>
+              </p:blipFill>
+              <p:spPr>
+                <a:xfrm>
+                  <a:off x="4747412" y="4760188"/>
+                  <a:ext cx="153720" cy="239400"/>
+                </a:xfrm>
+                <a:prstGeom prst="rect">
+                  <a:avLst/>
+                </a:prstGeom>
+              </p:spPr>
+            </p:pic>
+          </mc:Fallback>
+        </mc:AlternateContent>
+      </p:grpSp>
+      <p:grpSp>
+        <p:nvGrpSpPr>
+          <p:cNvPr id="41" name="Grupo 40">
+            <a:extLst>
+              <a:ext uri="{FF2B5EF4-FFF2-40B4-BE49-F238E27FC236}">
+                <a16:creationId xmlns:a16="http://schemas.microsoft.com/office/drawing/2014/main" id="{56B77A5D-6E7A-8385-4A12-00F9F312DE47}"/>
+              </a:ext>
+            </a:extLst>
+          </p:cNvPr>
+          <p:cNvGrpSpPr/>
+          <p:nvPr/>
+        </p:nvGrpSpPr>
+        <p:grpSpPr>
+          <a:xfrm>
+            <a:off x="7001012" y="4733188"/>
+            <a:ext cx="1243800" cy="310680"/>
+            <a:chOff x="7001012" y="4733188"/>
+            <a:chExt cx="1243800" cy="310680"/>
+          </a:xfrm>
+        </p:grpSpPr>
+        <mc:AlternateContent xmlns:mc="http://schemas.openxmlformats.org/markup-compatibility/2006">
+          <mc:Choice xmlns:p14="http://schemas.microsoft.com/office/powerpoint/2010/main" Requires="p14">
+            <p:contentPart p14:bwMode="auto" r:id="rId42">
+              <p14:nvContentPartPr>
+                <p14:cNvPr id="29" name="Entrada de lápiz 28">
+                  <a:extLst>
+                    <a:ext uri="{FF2B5EF4-FFF2-40B4-BE49-F238E27FC236}">
+                      <a16:creationId xmlns:a16="http://schemas.microsoft.com/office/drawing/2014/main" id="{AB77A6DC-8BBC-EA38-8463-D99E6480C0C3}"/>
+                    </a:ext>
+                  </a:extLst>
+                </p14:cNvPr>
+                <p14:cNvContentPartPr/>
+                <p14:nvPr/>
+              </p14:nvContentPartPr>
+              <p14:xfrm>
+                <a:off x="7001012" y="4733908"/>
+                <a:ext cx="210240" cy="309960"/>
+              </p14:xfrm>
+            </p:contentPart>
+          </mc:Choice>
+          <mc:Fallback>
+            <p:pic>
+              <p:nvPicPr>
+                <p:cNvPr id="29" name="Entrada de lápiz 28">
+                  <a:extLst>
+                    <a:ext uri="{FF2B5EF4-FFF2-40B4-BE49-F238E27FC236}">
+                      <a16:creationId xmlns:a16="http://schemas.microsoft.com/office/drawing/2014/main" id="{AB77A6DC-8BBC-EA38-8463-D99E6480C0C3}"/>
+                    </a:ext>
+                  </a:extLst>
+                </p:cNvPr>
+                <p:cNvPicPr/>
+                <p:nvPr/>
+              </p:nvPicPr>
+              <p:blipFill>
+                <a:blip r:embed="rId43"/>
+                <a:stretch>
+                  <a:fillRect/>
+                </a:stretch>
+              </p:blipFill>
+              <p:spPr>
+                <a:xfrm>
+                  <a:off x="6992372" y="4724908"/>
+                  <a:ext cx="227880" cy="327600"/>
+                </a:xfrm>
+                <a:prstGeom prst="rect">
+                  <a:avLst/>
+                </a:prstGeom>
+              </p:spPr>
+            </p:pic>
+          </mc:Fallback>
+        </mc:AlternateContent>
+        <mc:AlternateContent xmlns:mc="http://schemas.openxmlformats.org/markup-compatibility/2006">
+          <mc:Choice xmlns:p14="http://schemas.microsoft.com/office/powerpoint/2010/main" Requires="p14">
+            <p:contentPart p14:bwMode="auto" r:id="rId44">
+              <p14:nvContentPartPr>
+                <p14:cNvPr id="30" name="Entrada de lápiz 29">
+                  <a:extLst>
+                    <a:ext uri="{FF2B5EF4-FFF2-40B4-BE49-F238E27FC236}">
+                      <a16:creationId xmlns:a16="http://schemas.microsoft.com/office/drawing/2014/main" id="{8E102810-8A3F-7A52-FD33-2F776054F18A}"/>
+                    </a:ext>
+                  </a:extLst>
+                </p14:cNvPr>
+                <p14:cNvContentPartPr/>
+                <p14:nvPr/>
+              </p14:nvContentPartPr>
+              <p14:xfrm>
+                <a:off x="7309172" y="4741108"/>
+                <a:ext cx="77760" cy="260280"/>
+              </p14:xfrm>
+            </p:contentPart>
+          </mc:Choice>
+          <mc:Fallback>
+            <p:pic>
+              <p:nvPicPr>
+                <p:cNvPr id="30" name="Entrada de lápiz 29">
+                  <a:extLst>
+                    <a:ext uri="{FF2B5EF4-FFF2-40B4-BE49-F238E27FC236}">
+                      <a16:creationId xmlns:a16="http://schemas.microsoft.com/office/drawing/2014/main" id="{8E102810-8A3F-7A52-FD33-2F776054F18A}"/>
+                    </a:ext>
+                  </a:extLst>
+                </p:cNvPr>
+                <p:cNvPicPr/>
+                <p:nvPr/>
+              </p:nvPicPr>
+              <p:blipFill>
+                <a:blip r:embed="rId45"/>
+                <a:stretch>
+                  <a:fillRect/>
+                </a:stretch>
+              </p:blipFill>
+              <p:spPr>
+                <a:xfrm>
+                  <a:off x="7300532" y="4732468"/>
+                  <a:ext cx="95400" cy="277920"/>
+                </a:xfrm>
+                <a:prstGeom prst="rect">
+                  <a:avLst/>
+                </a:prstGeom>
+              </p:spPr>
+            </p:pic>
+          </mc:Fallback>
+        </mc:AlternateContent>
+        <mc:AlternateContent xmlns:mc="http://schemas.openxmlformats.org/markup-compatibility/2006">
+          <mc:Choice xmlns:p14="http://schemas.microsoft.com/office/powerpoint/2010/main" Requires="p14">
+            <p:contentPart p14:bwMode="auto" r:id="rId46">
+              <p14:nvContentPartPr>
+                <p14:cNvPr id="32" name="Entrada de lápiz 31">
+                  <a:extLst>
+                    <a:ext uri="{FF2B5EF4-FFF2-40B4-BE49-F238E27FC236}">
+                      <a16:creationId xmlns:a16="http://schemas.microsoft.com/office/drawing/2014/main" id="{5593541E-CF3E-53E4-329F-D67EBE3A728C}"/>
+                    </a:ext>
+                  </a:extLst>
+                </p14:cNvPr>
+                <p14:cNvContentPartPr/>
+                <p14:nvPr/>
+              </p14:nvContentPartPr>
+              <p14:xfrm>
+                <a:off x="7465412" y="4747948"/>
+                <a:ext cx="106560" cy="111600"/>
+              </p14:xfrm>
+            </p:contentPart>
+          </mc:Choice>
+          <mc:Fallback>
+            <p:pic>
+              <p:nvPicPr>
+                <p:cNvPr id="32" name="Entrada de lápiz 31">
+                  <a:extLst>
+                    <a:ext uri="{FF2B5EF4-FFF2-40B4-BE49-F238E27FC236}">
+                      <a16:creationId xmlns:a16="http://schemas.microsoft.com/office/drawing/2014/main" id="{5593541E-CF3E-53E4-329F-D67EBE3A728C}"/>
+                    </a:ext>
+                  </a:extLst>
+                </p:cNvPr>
+                <p:cNvPicPr/>
+                <p:nvPr/>
+              </p:nvPicPr>
+              <p:blipFill>
+                <a:blip r:embed="rId47"/>
+                <a:stretch>
+                  <a:fillRect/>
+                </a:stretch>
+              </p:blipFill>
+              <p:spPr>
+                <a:xfrm>
+                  <a:off x="7456772" y="4739308"/>
+                  <a:ext cx="124200" cy="129240"/>
+                </a:xfrm>
+                <a:prstGeom prst="rect">
+                  <a:avLst/>
+                </a:prstGeom>
+              </p:spPr>
+            </p:pic>
+          </mc:Fallback>
+        </mc:AlternateContent>
+        <mc:AlternateContent xmlns:mc="http://schemas.openxmlformats.org/markup-compatibility/2006">
+          <mc:Choice xmlns:p14="http://schemas.microsoft.com/office/powerpoint/2010/main" Requires="p14">
+            <p:contentPart p14:bwMode="auto" r:id="rId48">
+              <p14:nvContentPartPr>
+                <p14:cNvPr id="33" name="Entrada de lápiz 32">
+                  <a:extLst>
+                    <a:ext uri="{FF2B5EF4-FFF2-40B4-BE49-F238E27FC236}">
+                      <a16:creationId xmlns:a16="http://schemas.microsoft.com/office/drawing/2014/main" id="{9A0D950E-B119-59CD-9233-E520B74961DB}"/>
+                    </a:ext>
+                  </a:extLst>
+                </p14:cNvPr>
+                <p14:cNvContentPartPr/>
+                <p14:nvPr/>
+              </p14:nvContentPartPr>
+              <p14:xfrm>
+                <a:off x="7474052" y="4875028"/>
+                <a:ext cx="199440" cy="168840"/>
+              </p14:xfrm>
+            </p:contentPart>
+          </mc:Choice>
+          <mc:Fallback>
+            <p:pic>
+              <p:nvPicPr>
+                <p:cNvPr id="33" name="Entrada de lápiz 32">
+                  <a:extLst>
+                    <a:ext uri="{FF2B5EF4-FFF2-40B4-BE49-F238E27FC236}">
+                      <a16:creationId xmlns:a16="http://schemas.microsoft.com/office/drawing/2014/main" id="{9A0D950E-B119-59CD-9233-E520B74961DB}"/>
+                    </a:ext>
+                  </a:extLst>
+                </p:cNvPr>
+                <p:cNvPicPr/>
+                <p:nvPr/>
+              </p:nvPicPr>
+              <p:blipFill>
+                <a:blip r:embed="rId49"/>
+                <a:stretch>
+                  <a:fillRect/>
+                </a:stretch>
+              </p:blipFill>
+              <p:spPr>
+                <a:xfrm>
+                  <a:off x="7465412" y="4866028"/>
+                  <a:ext cx="217080" cy="186480"/>
+                </a:xfrm>
+                <a:prstGeom prst="rect">
+                  <a:avLst/>
+                </a:prstGeom>
+              </p:spPr>
+            </p:pic>
+          </mc:Fallback>
+        </mc:AlternateContent>
+        <mc:AlternateContent xmlns:mc="http://schemas.openxmlformats.org/markup-compatibility/2006">
+          <mc:Choice xmlns:p14="http://schemas.microsoft.com/office/powerpoint/2010/main" Requires="p14">
+            <p:contentPart p14:bwMode="auto" r:id="rId50">
+              <p14:nvContentPartPr>
+                <p14:cNvPr id="35" name="Entrada de lápiz 34">
+                  <a:extLst>
+                    <a:ext uri="{FF2B5EF4-FFF2-40B4-BE49-F238E27FC236}">
+                      <a16:creationId xmlns:a16="http://schemas.microsoft.com/office/drawing/2014/main" id="{97BA1EA6-95C0-C934-6248-C0B68544E494}"/>
+                    </a:ext>
+                  </a:extLst>
+                </p14:cNvPr>
+                <p14:cNvContentPartPr/>
+                <p14:nvPr/>
+              </p14:nvContentPartPr>
+              <p14:xfrm>
+                <a:off x="7682492" y="4939468"/>
+                <a:ext cx="360" cy="360"/>
+              </p14:xfrm>
+            </p:contentPart>
+          </mc:Choice>
+          <mc:Fallback>
+            <p:pic>
+              <p:nvPicPr>
+                <p:cNvPr id="35" name="Entrada de lápiz 34">
+                  <a:extLst>
+                    <a:ext uri="{FF2B5EF4-FFF2-40B4-BE49-F238E27FC236}">
+                      <a16:creationId xmlns:a16="http://schemas.microsoft.com/office/drawing/2014/main" id="{97BA1EA6-95C0-C934-6248-C0B68544E494}"/>
+                    </a:ext>
+                  </a:extLst>
+                </p:cNvPr>
+                <p:cNvPicPr/>
+                <p:nvPr/>
+              </p:nvPicPr>
+              <p:blipFill>
+                <a:blip r:embed="rId12"/>
+                <a:stretch>
+                  <a:fillRect/>
+                </a:stretch>
+              </p:blipFill>
+              <p:spPr>
+                <a:xfrm>
+                  <a:off x="7673852" y="4930468"/>
+                  <a:ext cx="18000" cy="18000"/>
+                </a:xfrm>
+                <a:prstGeom prst="rect">
+                  <a:avLst/>
+                </a:prstGeom>
+              </p:spPr>
+            </p:pic>
+          </mc:Fallback>
+        </mc:AlternateContent>
+        <mc:AlternateContent xmlns:mc="http://schemas.openxmlformats.org/markup-compatibility/2006">
+          <mc:Choice xmlns:p14="http://schemas.microsoft.com/office/powerpoint/2010/main" Requires="p14">
+            <p:contentPart p14:bwMode="auto" r:id="rId51">
+              <p14:nvContentPartPr>
+                <p14:cNvPr id="36" name="Entrada de lápiz 35">
+                  <a:extLst>
+                    <a:ext uri="{FF2B5EF4-FFF2-40B4-BE49-F238E27FC236}">
+                      <a16:creationId xmlns:a16="http://schemas.microsoft.com/office/drawing/2014/main" id="{3708BF6C-FF4D-E687-8426-256245F84D7B}"/>
+                    </a:ext>
+                  </a:extLst>
+                </p14:cNvPr>
+                <p14:cNvContentPartPr/>
+                <p14:nvPr/>
+              </p14:nvContentPartPr>
+              <p14:xfrm>
+                <a:off x="7736132" y="4829308"/>
+                <a:ext cx="42120" cy="86400"/>
+              </p14:xfrm>
+            </p:contentPart>
+          </mc:Choice>
+          <mc:Fallback>
+            <p:pic>
+              <p:nvPicPr>
+                <p:cNvPr id="36" name="Entrada de lápiz 35">
+                  <a:extLst>
+                    <a:ext uri="{FF2B5EF4-FFF2-40B4-BE49-F238E27FC236}">
+                      <a16:creationId xmlns:a16="http://schemas.microsoft.com/office/drawing/2014/main" id="{3708BF6C-FF4D-E687-8426-256245F84D7B}"/>
+                    </a:ext>
+                  </a:extLst>
+                </p:cNvPr>
+                <p:cNvPicPr/>
+                <p:nvPr/>
+              </p:nvPicPr>
+              <p:blipFill>
+                <a:blip r:embed="rId52"/>
+                <a:stretch>
+                  <a:fillRect/>
+                </a:stretch>
+              </p:blipFill>
+              <p:spPr>
+                <a:xfrm>
+                  <a:off x="7727132" y="4820308"/>
+                  <a:ext cx="59760" cy="104040"/>
+                </a:xfrm>
+                <a:prstGeom prst="rect">
+                  <a:avLst/>
+                </a:prstGeom>
+              </p:spPr>
+            </p:pic>
+          </mc:Fallback>
+        </mc:AlternateContent>
+        <mc:AlternateContent xmlns:mc="http://schemas.openxmlformats.org/markup-compatibility/2006">
+          <mc:Choice xmlns:p14="http://schemas.microsoft.com/office/powerpoint/2010/main" Requires="p14">
+            <p:contentPart p14:bwMode="auto" r:id="rId53">
+              <p14:nvContentPartPr>
+                <p14:cNvPr id="37" name="Entrada de lápiz 36">
+                  <a:extLst>
+                    <a:ext uri="{FF2B5EF4-FFF2-40B4-BE49-F238E27FC236}">
+                      <a16:creationId xmlns:a16="http://schemas.microsoft.com/office/drawing/2014/main" id="{0D52D632-3165-1116-FDBF-C622754C8917}"/>
+                    </a:ext>
+                  </a:extLst>
+                </p14:cNvPr>
+                <p14:cNvContentPartPr/>
+                <p14:nvPr/>
+              </p14:nvContentPartPr>
+              <p14:xfrm>
+                <a:off x="7823972" y="4760188"/>
+                <a:ext cx="72000" cy="142560"/>
+              </p14:xfrm>
+            </p:contentPart>
+          </mc:Choice>
+          <mc:Fallback>
+            <p:pic>
+              <p:nvPicPr>
+                <p:cNvPr id="37" name="Entrada de lápiz 36">
+                  <a:extLst>
+                    <a:ext uri="{FF2B5EF4-FFF2-40B4-BE49-F238E27FC236}">
+                      <a16:creationId xmlns:a16="http://schemas.microsoft.com/office/drawing/2014/main" id="{0D52D632-3165-1116-FDBF-C622754C8917}"/>
+                    </a:ext>
+                  </a:extLst>
+                </p:cNvPr>
+                <p:cNvPicPr/>
+                <p:nvPr/>
+              </p:nvPicPr>
+              <p:blipFill>
+                <a:blip r:embed="rId54"/>
+                <a:stretch>
+                  <a:fillRect/>
+                </a:stretch>
+              </p:blipFill>
+              <p:spPr>
+                <a:xfrm>
+                  <a:off x="7815332" y="4751188"/>
+                  <a:ext cx="89640" cy="160200"/>
+                </a:xfrm>
+                <a:prstGeom prst="rect">
+                  <a:avLst/>
+                </a:prstGeom>
+              </p:spPr>
+            </p:pic>
+          </mc:Fallback>
+        </mc:AlternateContent>
+        <mc:AlternateContent xmlns:mc="http://schemas.openxmlformats.org/markup-compatibility/2006">
+          <mc:Choice xmlns:p14="http://schemas.microsoft.com/office/powerpoint/2010/main" Requires="p14">
+            <p:contentPart p14:bwMode="auto" r:id="rId55">
+              <p14:nvContentPartPr>
+                <p14:cNvPr id="38" name="Entrada de lápiz 37">
+                  <a:extLst>
+                    <a:ext uri="{FF2B5EF4-FFF2-40B4-BE49-F238E27FC236}">
+                      <a16:creationId xmlns:a16="http://schemas.microsoft.com/office/drawing/2014/main" id="{ECFB1512-3686-4D77-2349-5991C236C8AC}"/>
+                    </a:ext>
+                  </a:extLst>
+                </p14:cNvPr>
+                <p14:cNvContentPartPr/>
+                <p14:nvPr/>
+              </p14:nvContentPartPr>
+              <p14:xfrm>
+                <a:off x="7862492" y="4733188"/>
+                <a:ext cx="169920" cy="288720"/>
+              </p14:xfrm>
+            </p:contentPart>
+          </mc:Choice>
+          <mc:Fallback>
+            <p:pic>
+              <p:nvPicPr>
+                <p:cNvPr id="38" name="Entrada de lápiz 37">
+                  <a:extLst>
+                    <a:ext uri="{FF2B5EF4-FFF2-40B4-BE49-F238E27FC236}">
+                      <a16:creationId xmlns:a16="http://schemas.microsoft.com/office/drawing/2014/main" id="{ECFB1512-3686-4D77-2349-5991C236C8AC}"/>
+                    </a:ext>
+                  </a:extLst>
+                </p:cNvPr>
+                <p:cNvPicPr/>
+                <p:nvPr/>
+              </p:nvPicPr>
+              <p:blipFill>
+                <a:blip r:embed="rId56"/>
+                <a:stretch>
+                  <a:fillRect/>
+                </a:stretch>
+              </p:blipFill>
+              <p:spPr>
+                <a:xfrm>
+                  <a:off x="7853852" y="4724188"/>
+                  <a:ext cx="187560" cy="306360"/>
+                </a:xfrm>
+                <a:prstGeom prst="rect">
+                  <a:avLst/>
+                </a:prstGeom>
+              </p:spPr>
+            </p:pic>
+          </mc:Fallback>
+        </mc:AlternateContent>
+        <mc:AlternateContent xmlns:mc="http://schemas.openxmlformats.org/markup-compatibility/2006">
+          <mc:Choice xmlns:p14="http://schemas.microsoft.com/office/powerpoint/2010/main" Requires="p14">
+            <p:contentPart p14:bwMode="auto" r:id="rId57">
+              <p14:nvContentPartPr>
+                <p14:cNvPr id="39" name="Entrada de lápiz 38">
+                  <a:extLst>
+                    <a:ext uri="{FF2B5EF4-FFF2-40B4-BE49-F238E27FC236}">
+                      <a16:creationId xmlns:a16="http://schemas.microsoft.com/office/drawing/2014/main" id="{C7DB2CE0-D9BE-7E3D-ED83-F91B67C66B29}"/>
+                    </a:ext>
+                  </a:extLst>
+                </p14:cNvPr>
+                <p14:cNvContentPartPr/>
+                <p14:nvPr/>
+              </p14:nvContentPartPr>
+              <p14:xfrm>
+                <a:off x="8101892" y="4809508"/>
+                <a:ext cx="142920" cy="123120"/>
+              </p14:xfrm>
+            </p:contentPart>
+          </mc:Choice>
+          <mc:Fallback>
+            <p:pic>
+              <p:nvPicPr>
+                <p:cNvPr id="39" name="Entrada de lápiz 38">
+                  <a:extLst>
+                    <a:ext uri="{FF2B5EF4-FFF2-40B4-BE49-F238E27FC236}">
+                      <a16:creationId xmlns:a16="http://schemas.microsoft.com/office/drawing/2014/main" id="{C7DB2CE0-D9BE-7E3D-ED83-F91B67C66B29}"/>
+                    </a:ext>
+                  </a:extLst>
+                </p:cNvPr>
+                <p:cNvPicPr/>
+                <p:nvPr/>
+              </p:nvPicPr>
+              <p:blipFill>
+                <a:blip r:embed="rId58"/>
+                <a:stretch>
+                  <a:fillRect/>
+                </a:stretch>
+              </p:blipFill>
+              <p:spPr>
+                <a:xfrm>
+                  <a:off x="8093252" y="4800868"/>
+                  <a:ext cx="160560" cy="140760"/>
+                </a:xfrm>
+                <a:prstGeom prst="rect">
+                  <a:avLst/>
+                </a:prstGeom>
+              </p:spPr>
+            </p:pic>
+          </mc:Fallback>
+        </mc:AlternateContent>
+        <mc:AlternateContent xmlns:mc="http://schemas.openxmlformats.org/markup-compatibility/2006">
+          <mc:Choice xmlns:p14="http://schemas.microsoft.com/office/powerpoint/2010/main" Requires="p14">
+            <p:contentPart p14:bwMode="auto" r:id="rId59">
+              <p14:nvContentPartPr>
+                <p14:cNvPr id="40" name="Entrada de lápiz 39">
+                  <a:extLst>
+                    <a:ext uri="{FF2B5EF4-FFF2-40B4-BE49-F238E27FC236}">
+                      <a16:creationId xmlns:a16="http://schemas.microsoft.com/office/drawing/2014/main" id="{C05C2F1B-045D-696F-17FA-288B0B4F9C4A}"/>
+                    </a:ext>
+                  </a:extLst>
+                </p14:cNvPr>
+                <p14:cNvContentPartPr/>
+                <p14:nvPr/>
+              </p14:nvContentPartPr>
+              <p14:xfrm>
+                <a:off x="8060132" y="4911748"/>
+                <a:ext cx="166680" cy="122040"/>
+              </p14:xfrm>
+            </p:contentPart>
+          </mc:Choice>
+          <mc:Fallback>
+            <p:pic>
+              <p:nvPicPr>
+                <p:cNvPr id="40" name="Entrada de lápiz 39">
+                  <a:extLst>
+                    <a:ext uri="{FF2B5EF4-FFF2-40B4-BE49-F238E27FC236}">
+                      <a16:creationId xmlns:a16="http://schemas.microsoft.com/office/drawing/2014/main" id="{C05C2F1B-045D-696F-17FA-288B0B4F9C4A}"/>
+                    </a:ext>
+                  </a:extLst>
+                </p:cNvPr>
+                <p:cNvPicPr/>
+                <p:nvPr/>
+              </p:nvPicPr>
+              <p:blipFill>
+                <a:blip r:embed="rId60"/>
+                <a:stretch>
+                  <a:fillRect/>
+                </a:stretch>
+              </p:blipFill>
+              <p:spPr>
+                <a:xfrm>
+                  <a:off x="8051132" y="4903108"/>
+                  <a:ext cx="184320" cy="139680"/>
+                </a:xfrm>
+                <a:prstGeom prst="rect">
+                  <a:avLst/>
+                </a:prstGeom>
+              </p:spPr>
+            </p:pic>
+          </mc:Fallback>
+        </mc:AlternateContent>
+      </p:grpSp>
+      <p:grpSp>
+        <p:nvGrpSpPr>
+          <p:cNvPr id="48" name="Grupo 47">
+            <a:extLst>
+              <a:ext uri="{FF2B5EF4-FFF2-40B4-BE49-F238E27FC236}">
+                <a16:creationId xmlns:a16="http://schemas.microsoft.com/office/drawing/2014/main" id="{E63539DE-F89F-2F79-B5D4-81D72B580E2B}"/>
+              </a:ext>
+            </a:extLst>
+          </p:cNvPr>
+          <p:cNvGrpSpPr/>
+          <p:nvPr/>
+        </p:nvGrpSpPr>
+        <p:grpSpPr>
+          <a:xfrm>
+            <a:off x="7386572" y="5217388"/>
+            <a:ext cx="373680" cy="318600"/>
+            <a:chOff x="7386572" y="5217388"/>
+            <a:chExt cx="373680" cy="318600"/>
+          </a:xfrm>
+        </p:grpSpPr>
+        <mc:AlternateContent xmlns:mc="http://schemas.openxmlformats.org/markup-compatibility/2006">
+          <mc:Choice xmlns:p14="http://schemas.microsoft.com/office/powerpoint/2010/main" Requires="p14">
+            <p:contentPart p14:bwMode="auto" r:id="rId61">
+              <p14:nvContentPartPr>
+                <p14:cNvPr id="42" name="Entrada de lápiz 41">
+                  <a:extLst>
+                    <a:ext uri="{FF2B5EF4-FFF2-40B4-BE49-F238E27FC236}">
+                      <a16:creationId xmlns:a16="http://schemas.microsoft.com/office/drawing/2014/main" id="{2C6623E1-5757-D10F-FA6F-469EAC8A8672}"/>
+                    </a:ext>
+                  </a:extLst>
+                </p14:cNvPr>
+                <p14:cNvContentPartPr/>
+                <p14:nvPr/>
+              </p14:nvContentPartPr>
+              <p14:xfrm>
+                <a:off x="7386572" y="5217388"/>
+                <a:ext cx="309960" cy="184680"/>
+              </p14:xfrm>
+            </p:contentPart>
+          </mc:Choice>
+          <mc:Fallback>
+            <p:pic>
+              <p:nvPicPr>
+                <p:cNvPr id="42" name="Entrada de lápiz 41">
+                  <a:extLst>
+                    <a:ext uri="{FF2B5EF4-FFF2-40B4-BE49-F238E27FC236}">
+                      <a16:creationId xmlns:a16="http://schemas.microsoft.com/office/drawing/2014/main" id="{2C6623E1-5757-D10F-FA6F-469EAC8A8672}"/>
+                    </a:ext>
+                  </a:extLst>
+                </p:cNvPr>
+                <p:cNvPicPr/>
+                <p:nvPr/>
+              </p:nvPicPr>
+              <p:blipFill>
+                <a:blip r:embed="rId62"/>
+                <a:stretch>
+                  <a:fillRect/>
+                </a:stretch>
+              </p:blipFill>
+              <p:spPr>
+                <a:xfrm>
+                  <a:off x="7377932" y="5208388"/>
+                  <a:ext cx="327600" cy="202320"/>
+                </a:xfrm>
+                <a:prstGeom prst="rect">
+                  <a:avLst/>
+                </a:prstGeom>
+              </p:spPr>
+            </p:pic>
+          </mc:Fallback>
+        </mc:AlternateContent>
+        <mc:AlternateContent xmlns:mc="http://schemas.openxmlformats.org/markup-compatibility/2006">
+          <mc:Choice xmlns:p14="http://schemas.microsoft.com/office/powerpoint/2010/main" Requires="p14">
+            <p:contentPart p14:bwMode="auto" r:id="rId63">
+              <p14:nvContentPartPr>
+                <p14:cNvPr id="43" name="Entrada de lápiz 42">
+                  <a:extLst>
+                    <a:ext uri="{FF2B5EF4-FFF2-40B4-BE49-F238E27FC236}">
+                      <a16:creationId xmlns:a16="http://schemas.microsoft.com/office/drawing/2014/main" id="{7DB20C29-2309-56C3-8164-512820FF08BA}"/>
+                    </a:ext>
+                  </a:extLst>
+                </p14:cNvPr>
+                <p14:cNvContentPartPr/>
+                <p14:nvPr/>
+              </p14:nvContentPartPr>
+              <p14:xfrm>
+                <a:off x="7436252" y="5360668"/>
+                <a:ext cx="156960" cy="175320"/>
+              </p14:xfrm>
+            </p:contentPart>
+          </mc:Choice>
+          <mc:Fallback>
+            <p:pic>
+              <p:nvPicPr>
+                <p:cNvPr id="43" name="Entrada de lápiz 42">
+                  <a:extLst>
+                    <a:ext uri="{FF2B5EF4-FFF2-40B4-BE49-F238E27FC236}">
+                      <a16:creationId xmlns:a16="http://schemas.microsoft.com/office/drawing/2014/main" id="{7DB20C29-2309-56C3-8164-512820FF08BA}"/>
+                    </a:ext>
+                  </a:extLst>
+                </p:cNvPr>
+                <p:cNvPicPr/>
+                <p:nvPr/>
+              </p:nvPicPr>
+              <p:blipFill>
+                <a:blip r:embed="rId64"/>
+                <a:stretch>
+                  <a:fillRect/>
+                </a:stretch>
+              </p:blipFill>
+              <p:spPr>
+                <a:xfrm>
+                  <a:off x="7427252" y="5351668"/>
+                  <a:ext cx="174600" cy="192960"/>
+                </a:xfrm>
+                <a:prstGeom prst="rect">
+                  <a:avLst/>
+                </a:prstGeom>
+              </p:spPr>
+            </p:pic>
+          </mc:Fallback>
+        </mc:AlternateContent>
+        <mc:AlternateContent xmlns:mc="http://schemas.openxmlformats.org/markup-compatibility/2006">
+          <mc:Choice xmlns:p14="http://schemas.microsoft.com/office/powerpoint/2010/main" Requires="p14">
+            <p:contentPart p14:bwMode="auto" r:id="rId65">
+              <p14:nvContentPartPr>
+                <p14:cNvPr id="44" name="Entrada de lápiz 43">
+                  <a:extLst>
+                    <a:ext uri="{FF2B5EF4-FFF2-40B4-BE49-F238E27FC236}">
+                      <a16:creationId xmlns:a16="http://schemas.microsoft.com/office/drawing/2014/main" id="{C709B502-D714-3ADE-D79A-8076BAB790F8}"/>
+                    </a:ext>
+                  </a:extLst>
+                </p14:cNvPr>
+                <p14:cNvContentPartPr/>
+                <p14:nvPr/>
+              </p14:nvContentPartPr>
+              <p14:xfrm>
+                <a:off x="7530212" y="5234308"/>
+                <a:ext cx="230040" cy="126720"/>
+              </p14:xfrm>
+            </p:contentPart>
+          </mc:Choice>
+          <mc:Fallback>
+            <p:pic>
+              <p:nvPicPr>
+                <p:cNvPr id="44" name="Entrada de lápiz 43">
+                  <a:extLst>
+                    <a:ext uri="{FF2B5EF4-FFF2-40B4-BE49-F238E27FC236}">
+                      <a16:creationId xmlns:a16="http://schemas.microsoft.com/office/drawing/2014/main" id="{C709B502-D714-3ADE-D79A-8076BAB790F8}"/>
+                    </a:ext>
+                  </a:extLst>
+                </p:cNvPr>
+                <p:cNvPicPr/>
+                <p:nvPr/>
+              </p:nvPicPr>
+              <p:blipFill>
+                <a:blip r:embed="rId66"/>
+                <a:stretch>
+                  <a:fillRect/>
+                </a:stretch>
+              </p:blipFill>
+              <p:spPr>
+                <a:xfrm>
+                  <a:off x="7521212" y="5225308"/>
+                  <a:ext cx="247680" cy="144360"/>
+                </a:xfrm>
+                <a:prstGeom prst="rect">
+                  <a:avLst/>
+                </a:prstGeom>
+              </p:spPr>
+            </p:pic>
+          </mc:Fallback>
+        </mc:AlternateContent>
+      </p:grpSp>
+      <p:grpSp>
+        <p:nvGrpSpPr>
+          <p:cNvPr id="73" name="Grupo 72">
+            <a:extLst>
+              <a:ext uri="{FF2B5EF4-FFF2-40B4-BE49-F238E27FC236}">
+                <a16:creationId xmlns:a16="http://schemas.microsoft.com/office/drawing/2014/main" id="{8E0248C9-26B1-2DCA-665A-C5D8FCA4BDAF}"/>
+              </a:ext>
+            </a:extLst>
+          </p:cNvPr>
+          <p:cNvGrpSpPr/>
+          <p:nvPr/>
+        </p:nvGrpSpPr>
+        <p:grpSpPr>
+          <a:xfrm>
+            <a:off x="8863652" y="4329988"/>
+            <a:ext cx="1720080" cy="1240200"/>
+            <a:chOff x="8863652" y="4329988"/>
+            <a:chExt cx="1720080" cy="1240200"/>
+          </a:xfrm>
+        </p:grpSpPr>
+        <mc:AlternateContent xmlns:mc="http://schemas.openxmlformats.org/markup-compatibility/2006">
+          <mc:Choice xmlns:p14="http://schemas.microsoft.com/office/powerpoint/2010/main" Requires="p14">
+            <p:contentPart p14:bwMode="auto" r:id="rId67">
+              <p14:nvContentPartPr>
+                <p14:cNvPr id="45" name="Entrada de lápiz 44">
+                  <a:extLst>
+                    <a:ext uri="{FF2B5EF4-FFF2-40B4-BE49-F238E27FC236}">
+                      <a16:creationId xmlns:a16="http://schemas.microsoft.com/office/drawing/2014/main" id="{4F76B5DA-198E-FEF0-7B5A-79C5CF1612CB}"/>
+                    </a:ext>
+                  </a:extLst>
+                </p14:cNvPr>
+                <p14:cNvContentPartPr/>
+                <p14:nvPr/>
+              </p14:nvContentPartPr>
+              <p14:xfrm>
+                <a:off x="9197372" y="5217388"/>
+                <a:ext cx="237600" cy="352800"/>
+              </p14:xfrm>
+            </p:contentPart>
+          </mc:Choice>
+          <mc:Fallback>
+            <p:pic>
+              <p:nvPicPr>
+                <p:cNvPr id="45" name="Entrada de lápiz 44">
+                  <a:extLst>
+                    <a:ext uri="{FF2B5EF4-FFF2-40B4-BE49-F238E27FC236}">
+                      <a16:creationId xmlns:a16="http://schemas.microsoft.com/office/drawing/2014/main" id="{4F76B5DA-198E-FEF0-7B5A-79C5CF1612CB}"/>
+                    </a:ext>
+                  </a:extLst>
+                </p:cNvPr>
+                <p:cNvPicPr/>
+                <p:nvPr/>
+              </p:nvPicPr>
+              <p:blipFill>
+                <a:blip r:embed="rId68"/>
+                <a:stretch>
+                  <a:fillRect/>
+                </a:stretch>
+              </p:blipFill>
+              <p:spPr>
+                <a:xfrm>
+                  <a:off x="9188732" y="5208388"/>
+                  <a:ext cx="255240" cy="370440"/>
+                </a:xfrm>
+                <a:prstGeom prst="rect">
+                  <a:avLst/>
+                </a:prstGeom>
+              </p:spPr>
+            </p:pic>
+          </mc:Fallback>
+        </mc:AlternateContent>
+        <mc:AlternateContent xmlns:mc="http://schemas.openxmlformats.org/markup-compatibility/2006">
+          <mc:Choice xmlns:p14="http://schemas.microsoft.com/office/powerpoint/2010/main" Requires="p14">
+            <p:contentPart p14:bwMode="auto" r:id="rId69">
+              <p14:nvContentPartPr>
+                <p14:cNvPr id="46" name="Entrada de lápiz 45">
+                  <a:extLst>
+                    <a:ext uri="{FF2B5EF4-FFF2-40B4-BE49-F238E27FC236}">
+                      <a16:creationId xmlns:a16="http://schemas.microsoft.com/office/drawing/2014/main" id="{843152D0-445A-69B9-4B7C-C57C6AC2129A}"/>
+                    </a:ext>
+                  </a:extLst>
+                </p14:cNvPr>
+                <p14:cNvContentPartPr/>
+                <p14:nvPr/>
+              </p14:nvContentPartPr>
+              <p14:xfrm>
+                <a:off x="9201692" y="5324668"/>
+                <a:ext cx="291960" cy="99720"/>
+              </p14:xfrm>
+            </p:contentPart>
+          </mc:Choice>
+          <mc:Fallback>
+            <p:pic>
+              <p:nvPicPr>
+                <p:cNvPr id="46" name="Entrada de lápiz 45">
+                  <a:extLst>
+                    <a:ext uri="{FF2B5EF4-FFF2-40B4-BE49-F238E27FC236}">
+                      <a16:creationId xmlns:a16="http://schemas.microsoft.com/office/drawing/2014/main" id="{843152D0-445A-69B9-4B7C-C57C6AC2129A}"/>
+                    </a:ext>
+                  </a:extLst>
+                </p:cNvPr>
+                <p:cNvPicPr/>
+                <p:nvPr/>
+              </p:nvPicPr>
+              <p:blipFill>
+                <a:blip r:embed="rId70"/>
+                <a:stretch>
+                  <a:fillRect/>
+                </a:stretch>
+              </p:blipFill>
+              <p:spPr>
+                <a:xfrm>
+                  <a:off x="9193052" y="5315668"/>
+                  <a:ext cx="309600" cy="117360"/>
+                </a:xfrm>
+                <a:prstGeom prst="rect">
+                  <a:avLst/>
+                </a:prstGeom>
+              </p:spPr>
+            </p:pic>
+          </mc:Fallback>
+        </mc:AlternateContent>
+        <mc:AlternateContent xmlns:mc="http://schemas.openxmlformats.org/markup-compatibility/2006">
+          <mc:Choice xmlns:p14="http://schemas.microsoft.com/office/powerpoint/2010/main" Requires="p14">
+            <p:contentPart p14:bwMode="auto" r:id="rId71">
+              <p14:nvContentPartPr>
+                <p14:cNvPr id="49" name="Entrada de lápiz 48">
+                  <a:extLst>
+                    <a:ext uri="{FF2B5EF4-FFF2-40B4-BE49-F238E27FC236}">
+                      <a16:creationId xmlns:a16="http://schemas.microsoft.com/office/drawing/2014/main" id="{0B035F98-E87E-E09B-D2B6-011BF1BD3EB6}"/>
+                    </a:ext>
+                  </a:extLst>
+                </p14:cNvPr>
+                <p14:cNvContentPartPr/>
+                <p14:nvPr/>
+              </p14:nvContentPartPr>
+              <p14:xfrm>
+                <a:off x="9260012" y="4876468"/>
+                <a:ext cx="375480" cy="97200"/>
+              </p14:xfrm>
+            </p:contentPart>
+          </mc:Choice>
+          <mc:Fallback>
+            <p:pic>
+              <p:nvPicPr>
+                <p:cNvPr id="49" name="Entrada de lápiz 48">
+                  <a:extLst>
+                    <a:ext uri="{FF2B5EF4-FFF2-40B4-BE49-F238E27FC236}">
+                      <a16:creationId xmlns:a16="http://schemas.microsoft.com/office/drawing/2014/main" id="{0B035F98-E87E-E09B-D2B6-011BF1BD3EB6}"/>
+                    </a:ext>
+                  </a:extLst>
+                </p:cNvPr>
+                <p:cNvPicPr/>
+                <p:nvPr/>
+              </p:nvPicPr>
+              <p:blipFill>
+                <a:blip r:embed="rId72"/>
+                <a:stretch>
+                  <a:fillRect/>
+                </a:stretch>
+              </p:blipFill>
+              <p:spPr>
+                <a:xfrm>
+                  <a:off x="9251372" y="4867468"/>
+                  <a:ext cx="393120" cy="114840"/>
+                </a:xfrm>
+                <a:prstGeom prst="rect">
+                  <a:avLst/>
+                </a:prstGeom>
+              </p:spPr>
+            </p:pic>
+          </mc:Fallback>
+        </mc:AlternateContent>
+        <mc:AlternateContent xmlns:mc="http://schemas.openxmlformats.org/markup-compatibility/2006">
+          <mc:Choice xmlns:p14="http://schemas.microsoft.com/office/powerpoint/2010/main" Requires="p14">
+            <p:contentPart p14:bwMode="auto" r:id="rId73">
+              <p14:nvContentPartPr>
+                <p14:cNvPr id="50" name="Entrada de lápiz 49">
+                  <a:extLst>
+                    <a:ext uri="{FF2B5EF4-FFF2-40B4-BE49-F238E27FC236}">
+                      <a16:creationId xmlns:a16="http://schemas.microsoft.com/office/drawing/2014/main" id="{4267624F-1274-4447-EFDC-3EF89DBA2DC6}"/>
+                    </a:ext>
+                  </a:extLst>
+                </p14:cNvPr>
+                <p14:cNvContentPartPr/>
+                <p14:nvPr/>
+              </p14:nvContentPartPr>
+              <p14:xfrm>
+                <a:off x="9206372" y="4795828"/>
+                <a:ext cx="242280" cy="407160"/>
+              </p14:xfrm>
+            </p:contentPart>
+          </mc:Choice>
+          <mc:Fallback>
+            <p:pic>
+              <p:nvPicPr>
+                <p:cNvPr id="50" name="Entrada de lápiz 49">
+                  <a:extLst>
+                    <a:ext uri="{FF2B5EF4-FFF2-40B4-BE49-F238E27FC236}">
+                      <a16:creationId xmlns:a16="http://schemas.microsoft.com/office/drawing/2014/main" id="{4267624F-1274-4447-EFDC-3EF89DBA2DC6}"/>
+                    </a:ext>
+                  </a:extLst>
+                </p:cNvPr>
+                <p:cNvPicPr/>
+                <p:nvPr/>
+              </p:nvPicPr>
+              <p:blipFill>
+                <a:blip r:embed="rId74"/>
+                <a:stretch>
+                  <a:fillRect/>
+                </a:stretch>
+              </p:blipFill>
+              <p:spPr>
+                <a:xfrm>
+                  <a:off x="9197732" y="4786828"/>
+                  <a:ext cx="259920" cy="424800"/>
+                </a:xfrm>
+                <a:prstGeom prst="rect">
+                  <a:avLst/>
+                </a:prstGeom>
+              </p:spPr>
+            </p:pic>
+          </mc:Fallback>
+        </mc:AlternateContent>
+        <mc:AlternateContent xmlns:mc="http://schemas.openxmlformats.org/markup-compatibility/2006">
+          <mc:Choice xmlns:p14="http://schemas.microsoft.com/office/powerpoint/2010/main" Requires="p14">
+            <p:contentPart p14:bwMode="auto" r:id="rId75">
+              <p14:nvContentPartPr>
+                <p14:cNvPr id="52" name="Entrada de lápiz 51">
+                  <a:extLst>
+                    <a:ext uri="{FF2B5EF4-FFF2-40B4-BE49-F238E27FC236}">
+                      <a16:creationId xmlns:a16="http://schemas.microsoft.com/office/drawing/2014/main" id="{7CDF5EEB-2057-3AB2-5CCE-88C87D62DD23}"/>
+                    </a:ext>
+                  </a:extLst>
+                </p14:cNvPr>
+                <p14:cNvContentPartPr/>
+                <p14:nvPr/>
+              </p14:nvContentPartPr>
+              <p14:xfrm>
+                <a:off x="8863652" y="4428268"/>
+                <a:ext cx="97560" cy="52200"/>
+              </p14:xfrm>
+            </p:contentPart>
+          </mc:Choice>
+          <mc:Fallback>
+            <p:pic>
+              <p:nvPicPr>
+                <p:cNvPr id="52" name="Entrada de lápiz 51">
+                  <a:extLst>
+                    <a:ext uri="{FF2B5EF4-FFF2-40B4-BE49-F238E27FC236}">
+                      <a16:creationId xmlns:a16="http://schemas.microsoft.com/office/drawing/2014/main" id="{7CDF5EEB-2057-3AB2-5CCE-88C87D62DD23}"/>
+                    </a:ext>
+                  </a:extLst>
+                </p:cNvPr>
+                <p:cNvPicPr/>
+                <p:nvPr/>
+              </p:nvPicPr>
+              <p:blipFill>
+                <a:blip r:embed="rId76"/>
+                <a:stretch>
+                  <a:fillRect/>
+                </a:stretch>
+              </p:blipFill>
+              <p:spPr>
+                <a:xfrm>
+                  <a:off x="8855012" y="4419628"/>
+                  <a:ext cx="115200" cy="69840"/>
+                </a:xfrm>
+                <a:prstGeom prst="rect">
+                  <a:avLst/>
+                </a:prstGeom>
+              </p:spPr>
+            </p:pic>
+          </mc:Fallback>
+        </mc:AlternateContent>
+        <mc:AlternateContent xmlns:mc="http://schemas.openxmlformats.org/markup-compatibility/2006">
+          <mc:Choice xmlns:p14="http://schemas.microsoft.com/office/powerpoint/2010/main" Requires="p14">
+            <p:contentPart p14:bwMode="auto" r:id="rId77">
+              <p14:nvContentPartPr>
+                <p14:cNvPr id="53" name="Entrada de lápiz 52">
+                  <a:extLst>
+                    <a:ext uri="{FF2B5EF4-FFF2-40B4-BE49-F238E27FC236}">
+                      <a16:creationId xmlns:a16="http://schemas.microsoft.com/office/drawing/2014/main" id="{0761B2F9-1EDA-9618-3BA0-8BD7FBC4DB41}"/>
+                    </a:ext>
+                  </a:extLst>
+                </p14:cNvPr>
+                <p14:cNvContentPartPr/>
+                <p14:nvPr/>
+              </p14:nvContentPartPr>
+              <p14:xfrm>
+                <a:off x="8982092" y="4419268"/>
+                <a:ext cx="16560" cy="136080"/>
+              </p14:xfrm>
+            </p:contentPart>
+          </mc:Choice>
+          <mc:Fallback>
+            <p:pic>
+              <p:nvPicPr>
+                <p:cNvPr id="53" name="Entrada de lápiz 52">
+                  <a:extLst>
+                    <a:ext uri="{FF2B5EF4-FFF2-40B4-BE49-F238E27FC236}">
+                      <a16:creationId xmlns:a16="http://schemas.microsoft.com/office/drawing/2014/main" id="{0761B2F9-1EDA-9618-3BA0-8BD7FBC4DB41}"/>
+                    </a:ext>
+                  </a:extLst>
+                </p:cNvPr>
+                <p:cNvPicPr/>
+                <p:nvPr/>
+              </p:nvPicPr>
+              <p:blipFill>
+                <a:blip r:embed="rId78"/>
+                <a:stretch>
+                  <a:fillRect/>
+                </a:stretch>
+              </p:blipFill>
+              <p:spPr>
+                <a:xfrm>
+                  <a:off x="8973452" y="4410628"/>
+                  <a:ext cx="34200" cy="153720"/>
+                </a:xfrm>
+                <a:prstGeom prst="rect">
+                  <a:avLst/>
+                </a:prstGeom>
+              </p:spPr>
+            </p:pic>
+          </mc:Fallback>
+        </mc:AlternateContent>
+        <mc:AlternateContent xmlns:mc="http://schemas.openxmlformats.org/markup-compatibility/2006">
+          <mc:Choice xmlns:p14="http://schemas.microsoft.com/office/powerpoint/2010/main" Requires="p14">
+            <p:contentPart p14:bwMode="auto" r:id="rId79">
+              <p14:nvContentPartPr>
+                <p14:cNvPr id="55" name="Entrada de lápiz 54">
+                  <a:extLst>
+                    <a:ext uri="{FF2B5EF4-FFF2-40B4-BE49-F238E27FC236}">
+                      <a16:creationId xmlns:a16="http://schemas.microsoft.com/office/drawing/2014/main" id="{B7BE80EE-F6A1-05B8-17AF-39869DDBEED1}"/>
+                    </a:ext>
+                  </a:extLst>
+                </p14:cNvPr>
+                <p14:cNvContentPartPr/>
+                <p14:nvPr/>
+              </p14:nvContentPartPr>
+              <p14:xfrm>
+                <a:off x="9108092" y="4329988"/>
+                <a:ext cx="23760" cy="166320"/>
+              </p14:xfrm>
+            </p:contentPart>
+          </mc:Choice>
+          <mc:Fallback>
+            <p:pic>
+              <p:nvPicPr>
+                <p:cNvPr id="55" name="Entrada de lápiz 54">
+                  <a:extLst>
+                    <a:ext uri="{FF2B5EF4-FFF2-40B4-BE49-F238E27FC236}">
+                      <a16:creationId xmlns:a16="http://schemas.microsoft.com/office/drawing/2014/main" id="{B7BE80EE-F6A1-05B8-17AF-39869DDBEED1}"/>
+                    </a:ext>
+                  </a:extLst>
+                </p:cNvPr>
+                <p:cNvPicPr/>
+                <p:nvPr/>
+              </p:nvPicPr>
+              <p:blipFill>
+                <a:blip r:embed="rId80"/>
+                <a:stretch>
+                  <a:fillRect/>
+                </a:stretch>
+              </p:blipFill>
+              <p:spPr>
+                <a:xfrm>
+                  <a:off x="9099092" y="4320988"/>
+                  <a:ext cx="41400" cy="183960"/>
+                </a:xfrm>
+                <a:prstGeom prst="rect">
+                  <a:avLst/>
+                </a:prstGeom>
+              </p:spPr>
+            </p:pic>
+          </mc:Fallback>
+        </mc:AlternateContent>
+        <mc:AlternateContent xmlns:mc="http://schemas.openxmlformats.org/markup-compatibility/2006">
+          <mc:Choice xmlns:p14="http://schemas.microsoft.com/office/powerpoint/2010/main" Requires="p14">
+            <p:contentPart p14:bwMode="auto" r:id="rId81">
+              <p14:nvContentPartPr>
+                <p14:cNvPr id="56" name="Entrada de lápiz 55">
+                  <a:extLst>
+                    <a:ext uri="{FF2B5EF4-FFF2-40B4-BE49-F238E27FC236}">
+                      <a16:creationId xmlns:a16="http://schemas.microsoft.com/office/drawing/2014/main" id="{9F326E56-7056-768B-8738-6E2E1E089DCA}"/>
+                    </a:ext>
+                  </a:extLst>
+                </p14:cNvPr>
+                <p14:cNvContentPartPr/>
+                <p14:nvPr/>
+              </p14:nvContentPartPr>
+              <p14:xfrm>
+                <a:off x="9139412" y="4383268"/>
+                <a:ext cx="185760" cy="179640"/>
+              </p14:xfrm>
+            </p:contentPart>
+          </mc:Choice>
+          <mc:Fallback>
+            <p:pic>
+              <p:nvPicPr>
+                <p:cNvPr id="56" name="Entrada de lápiz 55">
+                  <a:extLst>
+                    <a:ext uri="{FF2B5EF4-FFF2-40B4-BE49-F238E27FC236}">
+                      <a16:creationId xmlns:a16="http://schemas.microsoft.com/office/drawing/2014/main" id="{9F326E56-7056-768B-8738-6E2E1E089DCA}"/>
+                    </a:ext>
+                  </a:extLst>
+                </p:cNvPr>
+                <p:cNvPicPr/>
+                <p:nvPr/>
+              </p:nvPicPr>
+              <p:blipFill>
+                <a:blip r:embed="rId82"/>
+                <a:stretch>
+                  <a:fillRect/>
+                </a:stretch>
+              </p:blipFill>
+              <p:spPr>
+                <a:xfrm>
+                  <a:off x="9130772" y="4374628"/>
+                  <a:ext cx="203400" cy="197280"/>
+                </a:xfrm>
+                <a:prstGeom prst="rect">
+                  <a:avLst/>
+                </a:prstGeom>
+              </p:spPr>
+            </p:pic>
+          </mc:Fallback>
+        </mc:AlternateContent>
+        <mc:AlternateContent xmlns:mc="http://schemas.openxmlformats.org/markup-compatibility/2006">
+          <mc:Choice xmlns:p14="http://schemas.microsoft.com/office/powerpoint/2010/main" Requires="p14">
+            <p:contentPart p14:bwMode="auto" r:id="rId83">
+              <p14:nvContentPartPr>
+                <p14:cNvPr id="57" name="Entrada de lápiz 56">
+                  <a:extLst>
+                    <a:ext uri="{FF2B5EF4-FFF2-40B4-BE49-F238E27FC236}">
+                      <a16:creationId xmlns:a16="http://schemas.microsoft.com/office/drawing/2014/main" id="{DBB4F7A2-3362-127A-6E08-7370EE943C10}"/>
+                    </a:ext>
+                  </a:extLst>
+                </p14:cNvPr>
+                <p14:cNvContentPartPr/>
+                <p14:nvPr/>
+              </p14:nvContentPartPr>
+              <p14:xfrm>
+                <a:off x="9354692" y="4356628"/>
+                <a:ext cx="156960" cy="318240"/>
+              </p14:xfrm>
+            </p:contentPart>
+          </mc:Choice>
+          <mc:Fallback>
+            <p:pic>
+              <p:nvPicPr>
+                <p:cNvPr id="57" name="Entrada de lápiz 56">
+                  <a:extLst>
+                    <a:ext uri="{FF2B5EF4-FFF2-40B4-BE49-F238E27FC236}">
+                      <a16:creationId xmlns:a16="http://schemas.microsoft.com/office/drawing/2014/main" id="{DBB4F7A2-3362-127A-6E08-7370EE943C10}"/>
+                    </a:ext>
+                  </a:extLst>
+                </p:cNvPr>
+                <p:cNvPicPr/>
+                <p:nvPr/>
+              </p:nvPicPr>
+              <p:blipFill>
+                <a:blip r:embed="rId84"/>
+                <a:stretch>
+                  <a:fillRect/>
+                </a:stretch>
+              </p:blipFill>
+              <p:spPr>
+                <a:xfrm>
+                  <a:off x="9346052" y="4347628"/>
+                  <a:ext cx="174600" cy="335880"/>
+                </a:xfrm>
+                <a:prstGeom prst="rect">
+                  <a:avLst/>
+                </a:prstGeom>
+              </p:spPr>
+            </p:pic>
+          </mc:Fallback>
+        </mc:AlternateContent>
+        <mc:AlternateContent xmlns:mc="http://schemas.openxmlformats.org/markup-compatibility/2006">
+          <mc:Choice xmlns:p14="http://schemas.microsoft.com/office/powerpoint/2010/main" Requires="p14">
+            <p:contentPart p14:bwMode="auto" r:id="rId85">
+              <p14:nvContentPartPr>
+                <p14:cNvPr id="59" name="Entrada de lápiz 58">
+                  <a:extLst>
+                    <a:ext uri="{FF2B5EF4-FFF2-40B4-BE49-F238E27FC236}">
+                      <a16:creationId xmlns:a16="http://schemas.microsoft.com/office/drawing/2014/main" id="{8CDC2BCD-45AB-336D-DA53-B53FB862E2A7}"/>
+                    </a:ext>
+                  </a:extLst>
+                </p14:cNvPr>
+                <p14:cNvContentPartPr/>
+                <p14:nvPr/>
+              </p14:nvContentPartPr>
+              <p14:xfrm>
+                <a:off x="9546932" y="4494508"/>
+                <a:ext cx="105480" cy="66960"/>
+              </p14:xfrm>
+            </p:contentPart>
+          </mc:Choice>
+          <mc:Fallback>
+            <p:pic>
+              <p:nvPicPr>
+                <p:cNvPr id="59" name="Entrada de lápiz 58">
+                  <a:extLst>
+                    <a:ext uri="{FF2B5EF4-FFF2-40B4-BE49-F238E27FC236}">
+                      <a16:creationId xmlns:a16="http://schemas.microsoft.com/office/drawing/2014/main" id="{8CDC2BCD-45AB-336D-DA53-B53FB862E2A7}"/>
+                    </a:ext>
+                  </a:extLst>
+                </p:cNvPr>
+                <p:cNvPicPr/>
+                <p:nvPr/>
+              </p:nvPicPr>
+              <p:blipFill>
+                <a:blip r:embed="rId86"/>
+                <a:stretch>
+                  <a:fillRect/>
+                </a:stretch>
+              </p:blipFill>
+              <p:spPr>
+                <a:xfrm>
+                  <a:off x="9538292" y="4485508"/>
+                  <a:ext cx="123120" cy="84600"/>
+                </a:xfrm>
+                <a:prstGeom prst="rect">
+                  <a:avLst/>
+                </a:prstGeom>
+              </p:spPr>
+            </p:pic>
+          </mc:Fallback>
+        </mc:AlternateContent>
+        <mc:AlternateContent xmlns:mc="http://schemas.openxmlformats.org/markup-compatibility/2006">
+          <mc:Choice xmlns:p14="http://schemas.microsoft.com/office/powerpoint/2010/main" Requires="p14">
+            <p:contentPart p14:bwMode="auto" r:id="rId87">
+              <p14:nvContentPartPr>
+                <p14:cNvPr id="60" name="Entrada de lápiz 59">
+                  <a:extLst>
+                    <a:ext uri="{FF2B5EF4-FFF2-40B4-BE49-F238E27FC236}">
+                      <a16:creationId xmlns:a16="http://schemas.microsoft.com/office/drawing/2014/main" id="{FA1C0D53-45A2-4E4F-6426-AA03B3AF2388}"/>
+                    </a:ext>
+                  </a:extLst>
+                </p14:cNvPr>
+                <p14:cNvContentPartPr/>
+                <p14:nvPr/>
+              </p14:nvContentPartPr>
+              <p14:xfrm>
+                <a:off x="9528572" y="4544908"/>
+                <a:ext cx="123480" cy="81000"/>
+              </p14:xfrm>
+            </p:contentPart>
+          </mc:Choice>
+          <mc:Fallback>
+            <p:pic>
+              <p:nvPicPr>
+                <p:cNvPr id="60" name="Entrada de lápiz 59">
+                  <a:extLst>
+                    <a:ext uri="{FF2B5EF4-FFF2-40B4-BE49-F238E27FC236}">
+                      <a16:creationId xmlns:a16="http://schemas.microsoft.com/office/drawing/2014/main" id="{FA1C0D53-45A2-4E4F-6426-AA03B3AF2388}"/>
+                    </a:ext>
+                  </a:extLst>
+                </p:cNvPr>
+                <p:cNvPicPr/>
+                <p:nvPr/>
+              </p:nvPicPr>
+              <p:blipFill>
+                <a:blip r:embed="rId88"/>
+                <a:stretch>
+                  <a:fillRect/>
+                </a:stretch>
+              </p:blipFill>
+              <p:spPr>
+                <a:xfrm>
+                  <a:off x="9519572" y="4536268"/>
+                  <a:ext cx="141120" cy="98640"/>
+                </a:xfrm>
+                <a:prstGeom prst="rect">
+                  <a:avLst/>
+                </a:prstGeom>
+              </p:spPr>
+            </p:pic>
+          </mc:Fallback>
+        </mc:AlternateContent>
+        <mc:AlternateContent xmlns:mc="http://schemas.openxmlformats.org/markup-compatibility/2006">
+          <mc:Choice xmlns:p14="http://schemas.microsoft.com/office/powerpoint/2010/main" Requires="p14">
+            <p:contentPart p14:bwMode="auto" r:id="rId89">
+              <p14:nvContentPartPr>
+                <p14:cNvPr id="61" name="Entrada de lápiz 60">
+                  <a:extLst>
+                    <a:ext uri="{FF2B5EF4-FFF2-40B4-BE49-F238E27FC236}">
+                      <a16:creationId xmlns:a16="http://schemas.microsoft.com/office/drawing/2014/main" id="{CBA195C1-5EE5-BB1C-9DC1-D522B5D9B0C3}"/>
+                    </a:ext>
+                  </a:extLst>
+                </p14:cNvPr>
+                <p14:cNvContentPartPr/>
+                <p14:nvPr/>
+              </p14:nvContentPartPr>
+              <p14:xfrm>
+                <a:off x="9745292" y="4437268"/>
+                <a:ext cx="8640" cy="55080"/>
+              </p14:xfrm>
+            </p:contentPart>
+          </mc:Choice>
+          <mc:Fallback>
+            <p:pic>
+              <p:nvPicPr>
+                <p:cNvPr id="61" name="Entrada de lápiz 60">
+                  <a:extLst>
+                    <a:ext uri="{FF2B5EF4-FFF2-40B4-BE49-F238E27FC236}">
+                      <a16:creationId xmlns:a16="http://schemas.microsoft.com/office/drawing/2014/main" id="{CBA195C1-5EE5-BB1C-9DC1-D522B5D9B0C3}"/>
+                    </a:ext>
+                  </a:extLst>
+                </p:cNvPr>
+                <p:cNvPicPr/>
+                <p:nvPr/>
+              </p:nvPicPr>
+              <p:blipFill>
+                <a:blip r:embed="rId90"/>
+                <a:stretch>
+                  <a:fillRect/>
+                </a:stretch>
+              </p:blipFill>
+              <p:spPr>
+                <a:xfrm>
+                  <a:off x="9736292" y="4428268"/>
+                  <a:ext cx="26280" cy="72720"/>
+                </a:xfrm>
+                <a:prstGeom prst="rect">
+                  <a:avLst/>
+                </a:prstGeom>
+              </p:spPr>
+            </p:pic>
+          </mc:Fallback>
+        </mc:AlternateContent>
+        <mc:AlternateContent xmlns:mc="http://schemas.openxmlformats.org/markup-compatibility/2006">
+          <mc:Choice xmlns:p14="http://schemas.microsoft.com/office/powerpoint/2010/main" Requires="p14">
+            <p:contentPart p14:bwMode="auto" r:id="rId91">
+              <p14:nvContentPartPr>
+                <p14:cNvPr id="63" name="Entrada de lápiz 62">
+                  <a:extLst>
+                    <a:ext uri="{FF2B5EF4-FFF2-40B4-BE49-F238E27FC236}">
+                      <a16:creationId xmlns:a16="http://schemas.microsoft.com/office/drawing/2014/main" id="{22D6E9FA-04B4-6F87-FF9E-796F2F440463}"/>
+                    </a:ext>
+                  </a:extLst>
+                </p14:cNvPr>
+                <p14:cNvContentPartPr/>
+                <p14:nvPr/>
+              </p14:nvContentPartPr>
+              <p14:xfrm>
+                <a:off x="9768692" y="4473268"/>
+                <a:ext cx="143640" cy="83880"/>
+              </p14:xfrm>
+            </p:contentPart>
+          </mc:Choice>
+          <mc:Fallback>
+            <p:pic>
+              <p:nvPicPr>
+                <p:cNvPr id="63" name="Entrada de lápiz 62">
+                  <a:extLst>
+                    <a:ext uri="{FF2B5EF4-FFF2-40B4-BE49-F238E27FC236}">
+                      <a16:creationId xmlns:a16="http://schemas.microsoft.com/office/drawing/2014/main" id="{22D6E9FA-04B4-6F87-FF9E-796F2F440463}"/>
+                    </a:ext>
+                  </a:extLst>
+                </p:cNvPr>
+                <p:cNvPicPr/>
+                <p:nvPr/>
+              </p:nvPicPr>
+              <p:blipFill>
+                <a:blip r:embed="rId92"/>
+                <a:stretch>
+                  <a:fillRect/>
+                </a:stretch>
+              </p:blipFill>
+              <p:spPr>
+                <a:xfrm>
+                  <a:off x="9760052" y="4464268"/>
+                  <a:ext cx="161280" cy="101520"/>
+                </a:xfrm>
+                <a:prstGeom prst="rect">
+                  <a:avLst/>
+                </a:prstGeom>
+              </p:spPr>
+            </p:pic>
+          </mc:Fallback>
+        </mc:AlternateContent>
+        <mc:AlternateContent xmlns:mc="http://schemas.openxmlformats.org/markup-compatibility/2006">
+          <mc:Choice xmlns:p14="http://schemas.microsoft.com/office/powerpoint/2010/main" Requires="p14">
+            <p:contentPart p14:bwMode="auto" r:id="rId93">
+              <p14:nvContentPartPr>
+                <p14:cNvPr id="64" name="Entrada de lápiz 63">
+                  <a:extLst>
+                    <a:ext uri="{FF2B5EF4-FFF2-40B4-BE49-F238E27FC236}">
+                      <a16:creationId xmlns:a16="http://schemas.microsoft.com/office/drawing/2014/main" id="{A0E2C6B3-DF30-6D16-40CD-78AAD51B594D}"/>
+                    </a:ext>
+                  </a:extLst>
+                </p14:cNvPr>
+                <p14:cNvContentPartPr/>
+                <p14:nvPr/>
+              </p14:nvContentPartPr>
+              <p14:xfrm>
+                <a:off x="9798212" y="4543468"/>
+                <a:ext cx="130680" cy="102600"/>
+              </p14:xfrm>
+            </p:contentPart>
+          </mc:Choice>
+          <mc:Fallback>
+            <p:pic>
+              <p:nvPicPr>
+                <p:cNvPr id="64" name="Entrada de lápiz 63">
+                  <a:extLst>
+                    <a:ext uri="{FF2B5EF4-FFF2-40B4-BE49-F238E27FC236}">
+                      <a16:creationId xmlns:a16="http://schemas.microsoft.com/office/drawing/2014/main" id="{A0E2C6B3-DF30-6D16-40CD-78AAD51B594D}"/>
+                    </a:ext>
+                  </a:extLst>
+                </p:cNvPr>
+                <p:cNvPicPr/>
+                <p:nvPr/>
+              </p:nvPicPr>
+              <p:blipFill>
+                <a:blip r:embed="rId94"/>
+                <a:stretch>
+                  <a:fillRect/>
+                </a:stretch>
+              </p:blipFill>
+              <p:spPr>
+                <a:xfrm>
+                  <a:off x="9789212" y="4534828"/>
+                  <a:ext cx="148320" cy="120240"/>
+                </a:xfrm>
+                <a:prstGeom prst="rect">
+                  <a:avLst/>
+                </a:prstGeom>
+              </p:spPr>
+            </p:pic>
+          </mc:Fallback>
+        </mc:AlternateContent>
+        <mc:AlternateContent xmlns:mc="http://schemas.openxmlformats.org/markup-compatibility/2006">
+          <mc:Choice xmlns:p14="http://schemas.microsoft.com/office/powerpoint/2010/main" Requires="p14">
+            <p:contentPart p14:bwMode="auto" r:id="rId95">
+              <p14:nvContentPartPr>
+                <p14:cNvPr id="66" name="Entrada de lápiz 65">
+                  <a:extLst>
+                    <a:ext uri="{FF2B5EF4-FFF2-40B4-BE49-F238E27FC236}">
+                      <a16:creationId xmlns:a16="http://schemas.microsoft.com/office/drawing/2014/main" id="{9373CCF3-EF8D-EE42-6774-2AE2DAB2EE02}"/>
+                    </a:ext>
+                  </a:extLst>
+                </p14:cNvPr>
+                <p14:cNvContentPartPr/>
+                <p14:nvPr/>
+              </p14:nvContentPartPr>
+              <p14:xfrm>
+                <a:off x="9977492" y="4616548"/>
+                <a:ext cx="360" cy="360"/>
+              </p14:xfrm>
+            </p:contentPart>
+          </mc:Choice>
+          <mc:Fallback>
+            <p:pic>
+              <p:nvPicPr>
+                <p:cNvPr id="66" name="Entrada de lápiz 65">
+                  <a:extLst>
+                    <a:ext uri="{FF2B5EF4-FFF2-40B4-BE49-F238E27FC236}">
+                      <a16:creationId xmlns:a16="http://schemas.microsoft.com/office/drawing/2014/main" id="{9373CCF3-EF8D-EE42-6774-2AE2DAB2EE02}"/>
+                    </a:ext>
+                  </a:extLst>
+                </p:cNvPr>
+                <p:cNvPicPr/>
+                <p:nvPr/>
+              </p:nvPicPr>
+              <p:blipFill>
+                <a:blip r:embed="rId12"/>
+                <a:stretch>
+                  <a:fillRect/>
+                </a:stretch>
+              </p:blipFill>
+              <p:spPr>
+                <a:xfrm>
+                  <a:off x="9968492" y="4607548"/>
+                  <a:ext cx="18000" cy="18000"/>
+                </a:xfrm>
+                <a:prstGeom prst="rect">
+                  <a:avLst/>
+                </a:prstGeom>
+              </p:spPr>
+            </p:pic>
+          </mc:Fallback>
+        </mc:AlternateContent>
+        <mc:AlternateContent xmlns:mc="http://schemas.openxmlformats.org/markup-compatibility/2006">
+          <mc:Choice xmlns:p14="http://schemas.microsoft.com/office/powerpoint/2010/main" Requires="p14">
+            <p:contentPart p14:bwMode="auto" r:id="rId96">
+              <p14:nvContentPartPr>
+                <p14:cNvPr id="68" name="Entrada de lápiz 67">
+                  <a:extLst>
+                    <a:ext uri="{FF2B5EF4-FFF2-40B4-BE49-F238E27FC236}">
+                      <a16:creationId xmlns:a16="http://schemas.microsoft.com/office/drawing/2014/main" id="{4EB9D1C4-B64A-0F3A-9649-F36C9181C5D7}"/>
+                    </a:ext>
+                  </a:extLst>
+                </p14:cNvPr>
+                <p14:cNvContentPartPr/>
+                <p14:nvPr/>
+              </p14:nvContentPartPr>
+              <p14:xfrm>
+                <a:off x="10102772" y="4445908"/>
+                <a:ext cx="360" cy="34200"/>
+              </p14:xfrm>
+            </p:contentPart>
+          </mc:Choice>
+          <mc:Fallback>
+            <p:pic>
+              <p:nvPicPr>
+                <p:cNvPr id="68" name="Entrada de lápiz 67">
+                  <a:extLst>
+                    <a:ext uri="{FF2B5EF4-FFF2-40B4-BE49-F238E27FC236}">
+                      <a16:creationId xmlns:a16="http://schemas.microsoft.com/office/drawing/2014/main" id="{4EB9D1C4-B64A-0F3A-9649-F36C9181C5D7}"/>
+                    </a:ext>
+                  </a:extLst>
+                </p:cNvPr>
+                <p:cNvPicPr/>
+                <p:nvPr/>
+              </p:nvPicPr>
+              <p:blipFill>
+                <a:blip r:embed="rId97"/>
+                <a:stretch>
+                  <a:fillRect/>
+                </a:stretch>
+              </p:blipFill>
+              <p:spPr>
+                <a:xfrm>
+                  <a:off x="10093772" y="4437268"/>
+                  <a:ext cx="18000" cy="51840"/>
+                </a:xfrm>
+                <a:prstGeom prst="rect">
+                  <a:avLst/>
+                </a:prstGeom>
+              </p:spPr>
+            </p:pic>
+          </mc:Fallback>
+        </mc:AlternateContent>
+        <mc:AlternateContent xmlns:mc="http://schemas.openxmlformats.org/markup-compatibility/2006">
+          <mc:Choice xmlns:p14="http://schemas.microsoft.com/office/powerpoint/2010/main" Requires="p14">
+            <p:contentPart p14:bwMode="auto" r:id="rId98">
+              <p14:nvContentPartPr>
+                <p14:cNvPr id="69" name="Entrada de lápiz 68">
+                  <a:extLst>
+                    <a:ext uri="{FF2B5EF4-FFF2-40B4-BE49-F238E27FC236}">
+                      <a16:creationId xmlns:a16="http://schemas.microsoft.com/office/drawing/2014/main" id="{DA02EB8D-8D62-22C6-175A-E0DE4EA7EFF3}"/>
+                    </a:ext>
+                  </a:extLst>
+                </p14:cNvPr>
+                <p14:cNvContentPartPr/>
+                <p14:nvPr/>
+              </p14:nvContentPartPr>
+              <p14:xfrm>
+                <a:off x="10128332" y="4335028"/>
+                <a:ext cx="55800" cy="109800"/>
+              </p14:xfrm>
+            </p:contentPart>
+          </mc:Choice>
+          <mc:Fallback>
+            <p:pic>
+              <p:nvPicPr>
+                <p:cNvPr id="69" name="Entrada de lápiz 68">
+                  <a:extLst>
+                    <a:ext uri="{FF2B5EF4-FFF2-40B4-BE49-F238E27FC236}">
+                      <a16:creationId xmlns:a16="http://schemas.microsoft.com/office/drawing/2014/main" id="{DA02EB8D-8D62-22C6-175A-E0DE4EA7EFF3}"/>
+                    </a:ext>
+                  </a:extLst>
+                </p:cNvPr>
+                <p:cNvPicPr/>
+                <p:nvPr/>
+              </p:nvPicPr>
+              <p:blipFill>
+                <a:blip r:embed="rId99"/>
+                <a:stretch>
+                  <a:fillRect/>
+                </a:stretch>
+              </p:blipFill>
+              <p:spPr>
+                <a:xfrm>
+                  <a:off x="10119332" y="4326388"/>
+                  <a:ext cx="73440" cy="127440"/>
+                </a:xfrm>
+                <a:prstGeom prst="rect">
+                  <a:avLst/>
+                </a:prstGeom>
+              </p:spPr>
+            </p:pic>
+          </mc:Fallback>
+        </mc:AlternateContent>
+        <mc:AlternateContent xmlns:mc="http://schemas.openxmlformats.org/markup-compatibility/2006">
+          <mc:Choice xmlns:p14="http://schemas.microsoft.com/office/powerpoint/2010/main" Requires="p14">
+            <p:contentPart p14:bwMode="auto" r:id="rId100">
+              <p14:nvContentPartPr>
+                <p14:cNvPr id="70" name="Entrada de lápiz 69">
+                  <a:extLst>
+                    <a:ext uri="{FF2B5EF4-FFF2-40B4-BE49-F238E27FC236}">
+                      <a16:creationId xmlns:a16="http://schemas.microsoft.com/office/drawing/2014/main" id="{56960EF6-E30F-4CF4-FCAF-A6FC7F8CAF20}"/>
+                    </a:ext>
+                  </a:extLst>
+                </p14:cNvPr>
+                <p14:cNvContentPartPr/>
+                <p14:nvPr/>
+              </p14:nvContentPartPr>
+              <p14:xfrm>
+                <a:off x="10221572" y="4499908"/>
+                <a:ext cx="69840" cy="200160"/>
+              </p14:xfrm>
+            </p:contentPart>
+          </mc:Choice>
+          <mc:Fallback>
+            <p:pic>
+              <p:nvPicPr>
+                <p:cNvPr id="70" name="Entrada de lápiz 69">
+                  <a:extLst>
+                    <a:ext uri="{FF2B5EF4-FFF2-40B4-BE49-F238E27FC236}">
+                      <a16:creationId xmlns:a16="http://schemas.microsoft.com/office/drawing/2014/main" id="{56960EF6-E30F-4CF4-FCAF-A6FC7F8CAF20}"/>
+                    </a:ext>
+                  </a:extLst>
+                </p:cNvPr>
+                <p:cNvPicPr/>
+                <p:nvPr/>
+              </p:nvPicPr>
+              <p:blipFill>
+                <a:blip r:embed="rId101"/>
+                <a:stretch>
+                  <a:fillRect/>
+                </a:stretch>
+              </p:blipFill>
+              <p:spPr>
+                <a:xfrm>
+                  <a:off x="10212572" y="4491268"/>
+                  <a:ext cx="87480" cy="217800"/>
+                </a:xfrm>
+                <a:prstGeom prst="rect">
+                  <a:avLst/>
+                </a:prstGeom>
+              </p:spPr>
+            </p:pic>
+          </mc:Fallback>
+        </mc:AlternateContent>
+        <mc:AlternateContent xmlns:mc="http://schemas.openxmlformats.org/markup-compatibility/2006">
+          <mc:Choice xmlns:p14="http://schemas.microsoft.com/office/powerpoint/2010/main" Requires="p14">
+            <p:contentPart p14:bwMode="auto" r:id="rId102">
+              <p14:nvContentPartPr>
+                <p14:cNvPr id="71" name="Entrada de lápiz 70">
+                  <a:extLst>
+                    <a:ext uri="{FF2B5EF4-FFF2-40B4-BE49-F238E27FC236}">
+                      <a16:creationId xmlns:a16="http://schemas.microsoft.com/office/drawing/2014/main" id="{0FE88AE2-B7B3-C1DF-0C5F-66A18F972466}"/>
+                    </a:ext>
+                  </a:extLst>
+                </p14:cNvPr>
+                <p14:cNvContentPartPr/>
+                <p14:nvPr/>
+              </p14:nvContentPartPr>
+              <p14:xfrm>
+                <a:off x="10445492" y="4607548"/>
+                <a:ext cx="131760" cy="108360"/>
+              </p14:xfrm>
+            </p:contentPart>
+          </mc:Choice>
+          <mc:Fallback>
+            <p:pic>
+              <p:nvPicPr>
+                <p:cNvPr id="71" name="Entrada de lápiz 70">
+                  <a:extLst>
+                    <a:ext uri="{FF2B5EF4-FFF2-40B4-BE49-F238E27FC236}">
+                      <a16:creationId xmlns:a16="http://schemas.microsoft.com/office/drawing/2014/main" id="{0FE88AE2-B7B3-C1DF-0C5F-66A18F972466}"/>
+                    </a:ext>
+                  </a:extLst>
+                </p:cNvPr>
+                <p:cNvPicPr/>
+                <p:nvPr/>
+              </p:nvPicPr>
+              <p:blipFill>
+                <a:blip r:embed="rId103"/>
+                <a:stretch>
+                  <a:fillRect/>
+                </a:stretch>
+              </p:blipFill>
+              <p:spPr>
+                <a:xfrm>
+                  <a:off x="10436492" y="4598908"/>
+                  <a:ext cx="149400" cy="126000"/>
+                </a:xfrm>
+                <a:prstGeom prst="rect">
+                  <a:avLst/>
+                </a:prstGeom>
+              </p:spPr>
+            </p:pic>
+          </mc:Fallback>
+        </mc:AlternateContent>
+        <mc:AlternateContent xmlns:mc="http://schemas.openxmlformats.org/markup-compatibility/2006">
+          <mc:Choice xmlns:p14="http://schemas.microsoft.com/office/powerpoint/2010/main" Requires="p14">
+            <p:contentPart p14:bwMode="auto" r:id="rId104">
+              <p14:nvContentPartPr>
+                <p14:cNvPr id="72" name="Entrada de lápiz 71">
+                  <a:extLst>
+                    <a:ext uri="{FF2B5EF4-FFF2-40B4-BE49-F238E27FC236}">
+                      <a16:creationId xmlns:a16="http://schemas.microsoft.com/office/drawing/2014/main" id="{20A2E227-8851-06CD-6B74-4AC0D5429ADB}"/>
+                    </a:ext>
+                  </a:extLst>
+                </p14:cNvPr>
+                <p14:cNvContentPartPr/>
+                <p14:nvPr/>
+              </p14:nvContentPartPr>
+              <p14:xfrm>
+                <a:off x="10474292" y="4715188"/>
+                <a:ext cx="109440" cy="111240"/>
+              </p14:xfrm>
+            </p:contentPart>
+          </mc:Choice>
+          <mc:Fallback>
+            <p:pic>
+              <p:nvPicPr>
+                <p:cNvPr id="72" name="Entrada de lápiz 71">
+                  <a:extLst>
+                    <a:ext uri="{FF2B5EF4-FFF2-40B4-BE49-F238E27FC236}">
+                      <a16:creationId xmlns:a16="http://schemas.microsoft.com/office/drawing/2014/main" id="{20A2E227-8851-06CD-6B74-4AC0D5429ADB}"/>
+                    </a:ext>
+                  </a:extLst>
+                </p:cNvPr>
+                <p:cNvPicPr/>
+                <p:nvPr/>
+              </p:nvPicPr>
+              <p:blipFill>
+                <a:blip r:embed="rId105"/>
+                <a:stretch>
+                  <a:fillRect/>
+                </a:stretch>
+              </p:blipFill>
+              <p:spPr>
+                <a:xfrm>
+                  <a:off x="10465292" y="4706188"/>
+                  <a:ext cx="127080" cy="128880"/>
+                </a:xfrm>
+                <a:prstGeom prst="rect">
+                  <a:avLst/>
+                </a:prstGeom>
+              </p:spPr>
+            </p:pic>
+          </mc:Fallback>
+        </mc:AlternateContent>
+      </p:grpSp>
     </p:spTree>
     <p:extLst>
       <p:ext uri="{BB962C8B-B14F-4D97-AF65-F5344CB8AC3E}">
@@ -7013,6 +11300,57 @@
           </a:prstGeom>
         </p:spPr>
       </p:pic>
+      <mc:AlternateContent xmlns:mc="http://schemas.openxmlformats.org/markup-compatibility/2006">
+        <mc:Choice xmlns:p14="http://schemas.microsoft.com/office/powerpoint/2010/main" Requires="p14">
+          <p:contentPart p14:bwMode="auto" r:id="rId3">
+            <p14:nvContentPartPr>
+              <p14:cNvPr id="2" name="Entrada de lápiz 1">
+                <a:extLst>
+                  <a:ext uri="{FF2B5EF4-FFF2-40B4-BE49-F238E27FC236}">
+                    <a16:creationId xmlns:a16="http://schemas.microsoft.com/office/drawing/2014/main" id="{E5B86BA9-65A2-83E2-7E6E-408DF4884995}"/>
+                  </a:ext>
+                </a:extLst>
+              </p14:cNvPr>
+              <p14:cNvContentPartPr/>
+              <p14:nvPr/>
+            </p14:nvContentPartPr>
+            <p14:xfrm>
+              <a:off x="6068612" y="3208948"/>
+              <a:ext cx="360" cy="360"/>
+            </p14:xfrm>
+          </p:contentPart>
+        </mc:Choice>
+        <mc:Fallback>
+          <p:pic>
+            <p:nvPicPr>
+              <p:cNvPr id="2" name="Entrada de lápiz 1">
+                <a:extLst>
+                  <a:ext uri="{FF2B5EF4-FFF2-40B4-BE49-F238E27FC236}">
+                    <a16:creationId xmlns:a16="http://schemas.microsoft.com/office/drawing/2014/main" id="{E5B86BA9-65A2-83E2-7E6E-408DF4884995}"/>
+                  </a:ext>
+                </a:extLst>
+              </p:cNvPr>
+              <p:cNvPicPr/>
+              <p:nvPr/>
+            </p:nvPicPr>
+            <p:blipFill>
+              <a:blip r:embed="rId4"/>
+              <a:stretch>
+                <a:fillRect/>
+              </a:stretch>
+            </p:blipFill>
+            <p:spPr>
+              <a:xfrm>
+                <a:off x="6059972" y="3200308"/>
+                <a:ext cx="18000" cy="18000"/>
+              </a:xfrm>
+              <a:prstGeom prst="rect">
+                <a:avLst/>
+              </a:prstGeom>
+            </p:spPr>
+          </p:pic>
+        </mc:Fallback>
+      </mc:AlternateContent>
     </p:spTree>
     <p:extLst>
       <p:ext uri="{BB962C8B-B14F-4D97-AF65-F5344CB8AC3E}">
